--- a/papers/jin-poster/CUE_Dynein_Poster.pptx
+++ b/papers/jin-poster/CUE_Dynein_Poster.pptx
@@ -1578,483 +1578,7 @@
                 </a:uFill>
                 <a:latin typeface="Arial"/>
               </a:rPr>
-              <a:t>C</a:t>
-            </a:r>
-            <a:r>
-              <a:rPr b="0" lang="en-US" sz="25540" spc="-1" strike="noStrike">
-                <a:solidFill>
-                  <a:srgbClr val="000000"/>
-                </a:solidFill>
-                <a:uFill>
-                  <a:solidFill>
-                    <a:srgbClr val="ffffff"/>
-                  </a:solidFill>
-                </a:uFill>
-                <a:latin typeface="Arial"/>
-              </a:rPr>
-              <a:t>l</a:t>
-            </a:r>
-            <a:r>
-              <a:rPr b="0" lang="en-US" sz="25540" spc="-1" strike="noStrike">
-                <a:solidFill>
-                  <a:srgbClr val="000000"/>
-                </a:solidFill>
-                <a:uFill>
-                  <a:solidFill>
-                    <a:srgbClr val="ffffff"/>
-                  </a:solidFill>
-                </a:uFill>
-                <a:latin typeface="Arial"/>
-              </a:rPr>
-              <a:t>i</a:t>
-            </a:r>
-            <a:r>
-              <a:rPr b="0" lang="en-US" sz="25540" spc="-1" strike="noStrike">
-                <a:solidFill>
-                  <a:srgbClr val="000000"/>
-                </a:solidFill>
-                <a:uFill>
-                  <a:solidFill>
-                    <a:srgbClr val="ffffff"/>
-                  </a:solidFill>
-                </a:uFill>
-                <a:latin typeface="Arial"/>
-              </a:rPr>
-              <a:t>c</a:t>
-            </a:r>
-            <a:r>
-              <a:rPr b="0" lang="en-US" sz="25540" spc="-1" strike="noStrike">
-                <a:solidFill>
-                  <a:srgbClr val="000000"/>
-                </a:solidFill>
-                <a:uFill>
-                  <a:solidFill>
-                    <a:srgbClr val="ffffff"/>
-                  </a:solidFill>
-                </a:uFill>
-                <a:latin typeface="Arial"/>
-              </a:rPr>
-              <a:t>k</a:t>
-            </a:r>
-            <a:r>
-              <a:rPr b="0" lang="en-US" sz="25540" spc="-1" strike="noStrike">
-                <a:solidFill>
-                  <a:srgbClr val="000000"/>
-                </a:solidFill>
-                <a:uFill>
-                  <a:solidFill>
-                    <a:srgbClr val="ffffff"/>
-                  </a:solidFill>
-                </a:uFill>
-                <a:latin typeface="Arial"/>
-              </a:rPr>
-              <a:t> </a:t>
-            </a:r>
-            <a:r>
-              <a:rPr b="0" lang="en-US" sz="25540" spc="-1" strike="noStrike">
-                <a:solidFill>
-                  <a:srgbClr val="000000"/>
-                </a:solidFill>
-                <a:uFill>
-                  <a:solidFill>
-                    <a:srgbClr val="ffffff"/>
-                  </a:solidFill>
-                </a:uFill>
-                <a:latin typeface="Arial"/>
-              </a:rPr>
-              <a:t>t</a:t>
-            </a:r>
-            <a:r>
-              <a:rPr b="0" lang="en-US" sz="25540" spc="-1" strike="noStrike">
-                <a:solidFill>
-                  <a:srgbClr val="000000"/>
-                </a:solidFill>
-                <a:uFill>
-                  <a:solidFill>
-                    <a:srgbClr val="ffffff"/>
-                  </a:solidFill>
-                </a:uFill>
-                <a:latin typeface="Arial"/>
-              </a:rPr>
-              <a:t>o</a:t>
-            </a:r>
-            <a:r>
-              <a:rPr b="0" lang="en-US" sz="25540" spc="-1" strike="noStrike">
-                <a:solidFill>
-                  <a:srgbClr val="000000"/>
-                </a:solidFill>
-                <a:uFill>
-                  <a:solidFill>
-                    <a:srgbClr val="ffffff"/>
-                  </a:solidFill>
-                </a:uFill>
-                <a:latin typeface="Arial"/>
-              </a:rPr>
-              <a:t> </a:t>
-            </a:r>
-            <a:r>
-              <a:rPr b="0" lang="en-US" sz="25540" spc="-1" strike="noStrike">
-                <a:solidFill>
-                  <a:srgbClr val="000000"/>
-                </a:solidFill>
-                <a:uFill>
-                  <a:solidFill>
-                    <a:srgbClr val="ffffff"/>
-                  </a:solidFill>
-                </a:uFill>
-                <a:latin typeface="Arial"/>
-              </a:rPr>
-              <a:t>e</a:t>
-            </a:r>
-            <a:r>
-              <a:rPr b="0" lang="en-US" sz="25540" spc="-1" strike="noStrike">
-                <a:solidFill>
-                  <a:srgbClr val="000000"/>
-                </a:solidFill>
-                <a:uFill>
-                  <a:solidFill>
-                    <a:srgbClr val="ffffff"/>
-                  </a:solidFill>
-                </a:uFill>
-                <a:latin typeface="Arial"/>
-              </a:rPr>
-              <a:t>d</a:t>
-            </a:r>
-            <a:r>
-              <a:rPr b="0" lang="en-US" sz="25540" spc="-1" strike="noStrike">
-                <a:solidFill>
-                  <a:srgbClr val="000000"/>
-                </a:solidFill>
-                <a:uFill>
-                  <a:solidFill>
-                    <a:srgbClr val="ffffff"/>
-                  </a:solidFill>
-                </a:uFill>
-                <a:latin typeface="Arial"/>
-              </a:rPr>
-              <a:t>i</a:t>
-            </a:r>
-            <a:r>
-              <a:rPr b="0" lang="en-US" sz="25540" spc="-1" strike="noStrike">
-                <a:solidFill>
-                  <a:srgbClr val="000000"/>
-                </a:solidFill>
-                <a:uFill>
-                  <a:solidFill>
-                    <a:srgbClr val="ffffff"/>
-                  </a:solidFill>
-                </a:uFill>
-                <a:latin typeface="Arial"/>
-              </a:rPr>
-              <a:t>t</a:t>
-            </a:r>
-            <a:r>
-              <a:rPr b="0" lang="en-US" sz="25540" spc="-1" strike="noStrike">
-                <a:solidFill>
-                  <a:srgbClr val="000000"/>
-                </a:solidFill>
-                <a:uFill>
-                  <a:solidFill>
-                    <a:srgbClr val="ffffff"/>
-                  </a:solidFill>
-                </a:uFill>
-                <a:latin typeface="Arial"/>
-              </a:rPr>
-              <a:t> </a:t>
-            </a:r>
-            <a:r>
-              <a:rPr b="0" lang="en-US" sz="25540" spc="-1" strike="noStrike">
-                <a:solidFill>
-                  <a:srgbClr val="000000"/>
-                </a:solidFill>
-                <a:uFill>
-                  <a:solidFill>
-                    <a:srgbClr val="ffffff"/>
-                  </a:solidFill>
-                </a:uFill>
-                <a:latin typeface="Arial"/>
-              </a:rPr>
-              <a:t>t</a:t>
-            </a:r>
-            <a:r>
-              <a:rPr b="0" lang="en-US" sz="25540" spc="-1" strike="noStrike">
-                <a:solidFill>
-                  <a:srgbClr val="000000"/>
-                </a:solidFill>
-                <a:uFill>
-                  <a:solidFill>
-                    <a:srgbClr val="ffffff"/>
-                  </a:solidFill>
-                </a:uFill>
-                <a:latin typeface="Arial"/>
-              </a:rPr>
-              <a:t>h</a:t>
-            </a:r>
-            <a:r>
-              <a:rPr b="0" lang="en-US" sz="25540" spc="-1" strike="noStrike">
-                <a:solidFill>
-                  <a:srgbClr val="000000"/>
-                </a:solidFill>
-                <a:uFill>
-                  <a:solidFill>
-                    <a:srgbClr val="ffffff"/>
-                  </a:solidFill>
-                </a:uFill>
-                <a:latin typeface="Arial"/>
-              </a:rPr>
-              <a:t>e</a:t>
-            </a:r>
-            <a:r>
-              <a:rPr b="0" lang="en-US" sz="25540" spc="-1" strike="noStrike">
-                <a:solidFill>
-                  <a:srgbClr val="000000"/>
-                </a:solidFill>
-                <a:uFill>
-                  <a:solidFill>
-                    <a:srgbClr val="ffffff"/>
-                  </a:solidFill>
-                </a:uFill>
-                <a:latin typeface="Arial"/>
-              </a:rPr>
-              <a:t> </a:t>
-            </a:r>
-            <a:r>
-              <a:rPr b="0" lang="en-US" sz="25540" spc="-1" strike="noStrike">
-                <a:solidFill>
-                  <a:srgbClr val="000000"/>
-                </a:solidFill>
-                <a:uFill>
-                  <a:solidFill>
-                    <a:srgbClr val="ffffff"/>
-                  </a:solidFill>
-                </a:uFill>
-                <a:latin typeface="Arial"/>
-              </a:rPr>
-              <a:t>t</a:t>
-            </a:r>
-            <a:r>
-              <a:rPr b="0" lang="en-US" sz="25540" spc="-1" strike="noStrike">
-                <a:solidFill>
-                  <a:srgbClr val="000000"/>
-                </a:solidFill>
-                <a:uFill>
-                  <a:solidFill>
-                    <a:srgbClr val="ffffff"/>
-                  </a:solidFill>
-                </a:uFill>
-                <a:latin typeface="Arial"/>
-              </a:rPr>
-              <a:t>i</a:t>
-            </a:r>
-            <a:r>
-              <a:rPr b="0" lang="en-US" sz="25540" spc="-1" strike="noStrike">
-                <a:solidFill>
-                  <a:srgbClr val="000000"/>
-                </a:solidFill>
-                <a:uFill>
-                  <a:solidFill>
-                    <a:srgbClr val="ffffff"/>
-                  </a:solidFill>
-                </a:uFill>
-                <a:latin typeface="Arial"/>
-              </a:rPr>
-              <a:t>t</a:t>
-            </a:r>
-            <a:r>
-              <a:rPr b="0" lang="en-US" sz="25540" spc="-1" strike="noStrike">
-                <a:solidFill>
-                  <a:srgbClr val="000000"/>
-                </a:solidFill>
-                <a:uFill>
-                  <a:solidFill>
-                    <a:srgbClr val="ffffff"/>
-                  </a:solidFill>
-                </a:uFill>
-                <a:latin typeface="Arial"/>
-              </a:rPr>
-              <a:t>l</a:t>
-            </a:r>
-            <a:r>
-              <a:rPr b="0" lang="en-US" sz="25540" spc="-1" strike="noStrike">
-                <a:solidFill>
-                  <a:srgbClr val="000000"/>
-                </a:solidFill>
-                <a:uFill>
-                  <a:solidFill>
-                    <a:srgbClr val="ffffff"/>
-                  </a:solidFill>
-                </a:uFill>
-                <a:latin typeface="Arial"/>
-              </a:rPr>
-              <a:t>e</a:t>
-            </a:r>
-            <a:r>
-              <a:rPr b="0" lang="en-US" sz="25540" spc="-1" strike="noStrike">
-                <a:solidFill>
-                  <a:srgbClr val="000000"/>
-                </a:solidFill>
-                <a:uFill>
-                  <a:solidFill>
-                    <a:srgbClr val="ffffff"/>
-                  </a:solidFill>
-                </a:uFill>
-                <a:latin typeface="Arial"/>
-              </a:rPr>
-              <a:t> </a:t>
-            </a:r>
-            <a:r>
-              <a:rPr b="0" lang="en-US" sz="25540" spc="-1" strike="noStrike">
-                <a:solidFill>
-                  <a:srgbClr val="000000"/>
-                </a:solidFill>
-                <a:uFill>
-                  <a:solidFill>
-                    <a:srgbClr val="ffffff"/>
-                  </a:solidFill>
-                </a:uFill>
-                <a:latin typeface="Arial"/>
-              </a:rPr>
-              <a:t>t</a:t>
-            </a:r>
-            <a:r>
-              <a:rPr b="0" lang="en-US" sz="25540" spc="-1" strike="noStrike">
-                <a:solidFill>
-                  <a:srgbClr val="000000"/>
-                </a:solidFill>
-                <a:uFill>
-                  <a:solidFill>
-                    <a:srgbClr val="ffffff"/>
-                  </a:solidFill>
-                </a:uFill>
-                <a:latin typeface="Arial"/>
-              </a:rPr>
-              <a:t>e</a:t>
-            </a:r>
-            <a:r>
-              <a:rPr b="0" lang="en-US" sz="25540" spc="-1" strike="noStrike">
-                <a:solidFill>
-                  <a:srgbClr val="000000"/>
-                </a:solidFill>
-                <a:uFill>
-                  <a:solidFill>
-                    <a:srgbClr val="ffffff"/>
-                  </a:solidFill>
-                </a:uFill>
-                <a:latin typeface="Arial"/>
-              </a:rPr>
-              <a:t>x</a:t>
-            </a:r>
-            <a:r>
-              <a:rPr b="0" lang="en-US" sz="25540" spc="-1" strike="noStrike">
-                <a:solidFill>
-                  <a:srgbClr val="000000"/>
-                </a:solidFill>
-                <a:uFill>
-                  <a:solidFill>
-                    <a:srgbClr val="ffffff"/>
-                  </a:solidFill>
-                </a:uFill>
-                <a:latin typeface="Arial"/>
-              </a:rPr>
-              <a:t>t</a:t>
-            </a:r>
-            <a:r>
-              <a:rPr b="0" lang="en-US" sz="25540" spc="-1" strike="noStrike">
-                <a:solidFill>
-                  <a:srgbClr val="000000"/>
-                </a:solidFill>
-                <a:uFill>
-                  <a:solidFill>
-                    <a:srgbClr val="ffffff"/>
-                  </a:solidFill>
-                </a:uFill>
-                <a:latin typeface="Arial"/>
-              </a:rPr>
-              <a:t> </a:t>
-            </a:r>
-            <a:r>
-              <a:rPr b="0" lang="en-US" sz="25540" spc="-1" strike="noStrike">
-                <a:solidFill>
-                  <a:srgbClr val="000000"/>
-                </a:solidFill>
-                <a:uFill>
-                  <a:solidFill>
-                    <a:srgbClr val="ffffff"/>
-                  </a:solidFill>
-                </a:uFill>
-                <a:latin typeface="Arial"/>
-              </a:rPr>
-              <a:t>f</a:t>
-            </a:r>
-            <a:r>
-              <a:rPr b="0" lang="en-US" sz="25540" spc="-1" strike="noStrike">
-                <a:solidFill>
-                  <a:srgbClr val="000000"/>
-                </a:solidFill>
-                <a:uFill>
-                  <a:solidFill>
-                    <a:srgbClr val="ffffff"/>
-                  </a:solidFill>
-                </a:uFill>
-                <a:latin typeface="Arial"/>
-              </a:rPr>
-              <a:t>o</a:t>
-            </a:r>
-            <a:r>
-              <a:rPr b="0" lang="en-US" sz="25540" spc="-1" strike="noStrike">
-                <a:solidFill>
-                  <a:srgbClr val="000000"/>
-                </a:solidFill>
-                <a:uFill>
-                  <a:solidFill>
-                    <a:srgbClr val="ffffff"/>
-                  </a:solidFill>
-                </a:uFill>
-                <a:latin typeface="Arial"/>
-              </a:rPr>
-              <a:t>r</a:t>
-            </a:r>
-            <a:r>
-              <a:rPr b="0" lang="en-US" sz="25540" spc="-1" strike="noStrike">
-                <a:solidFill>
-                  <a:srgbClr val="000000"/>
-                </a:solidFill>
-                <a:uFill>
-                  <a:solidFill>
-                    <a:srgbClr val="ffffff"/>
-                  </a:solidFill>
-                </a:uFill>
-                <a:latin typeface="Arial"/>
-              </a:rPr>
-              <a:t>m</a:t>
-            </a:r>
-            <a:r>
-              <a:rPr b="0" lang="en-US" sz="25540" spc="-1" strike="noStrike">
-                <a:solidFill>
-                  <a:srgbClr val="000000"/>
-                </a:solidFill>
-                <a:uFill>
-                  <a:solidFill>
-                    <a:srgbClr val="ffffff"/>
-                  </a:solidFill>
-                </a:uFill>
-                <a:latin typeface="Arial"/>
-              </a:rPr>
-              <a:t>a</a:t>
-            </a:r>
-            <a:r>
-              <a:rPr b="0" lang="en-US" sz="25540" spc="-1" strike="noStrike">
-                <a:solidFill>
-                  <a:srgbClr val="000000"/>
-                </a:solidFill>
-                <a:uFill>
-                  <a:solidFill>
-                    <a:srgbClr val="ffffff"/>
-                  </a:solidFill>
-                </a:uFill>
-                <a:latin typeface="Arial"/>
-              </a:rPr>
-              <a:t>t</a:t>
+              <a:t>Click to edit the title text format</a:t>
             </a:r>
             <a:endParaRPr b="0" lang="en-US" sz="25540" spc="-1" strike="noStrike">
               <a:solidFill>
@@ -2485,7 +2009,7 @@
           <a:bodyPr lIns="0" rIns="0" tIns="0" bIns="0"/>
           <a:p>
             <a:pPr algn="r"/>
-            <a:fld id="{DE1C38C4-70F4-493D-8F2A-4E9C5C0E2E94}" type="slidenum">
+            <a:fld id="{66F523E9-6C8F-4A0B-AE56-09194A4EA5B5}" type="slidenum">
               <a:rPr b="0" lang="en-US" sz="1400" spc="-1" strike="noStrike">
                 <a:solidFill>
                   <a:srgbClr val="000000"/>
@@ -2866,77 +2390,7 @@
                 </a:uFill>
                 <a:latin typeface="TeXGyreSchola"/>
               </a:rPr>
-              <a:t>D</a:t>
-            </a:r>
-            <a:r>
-              <a:rPr b="1" lang="en-US" sz="6600" spc="-1" strike="noStrike">
-                <a:solidFill>
-                  <a:srgbClr val="000000"/>
-                </a:solidFill>
-                <a:uFill>
-                  <a:solidFill>
-                    <a:srgbClr val="ffffff"/>
-                  </a:solidFill>
-                </a:uFill>
-                <a:latin typeface="TeXGyreSchola"/>
-              </a:rPr>
-              <a:t>y</a:t>
-            </a:r>
-            <a:r>
-              <a:rPr b="1" lang="en-US" sz="6600" spc="-1" strike="noStrike">
-                <a:solidFill>
-                  <a:srgbClr val="000000"/>
-                </a:solidFill>
-                <a:uFill>
-                  <a:solidFill>
-                    <a:srgbClr val="ffffff"/>
-                  </a:solidFill>
-                </a:uFill>
-                <a:latin typeface="TeXGyreSchola"/>
-              </a:rPr>
-              <a:t>n</a:t>
-            </a:r>
-            <a:r>
-              <a:rPr b="1" lang="en-US" sz="6600" spc="-1" strike="noStrike">
-                <a:solidFill>
-                  <a:srgbClr val="000000"/>
-                </a:solidFill>
-                <a:uFill>
-                  <a:solidFill>
-                    <a:srgbClr val="ffffff"/>
-                  </a:solidFill>
-                </a:uFill>
-                <a:latin typeface="TeXGyreSchola"/>
-              </a:rPr>
-              <a:t>e</a:t>
-            </a:r>
-            <a:r>
-              <a:rPr b="1" lang="en-US" sz="6600" spc="-1" strike="noStrike">
-                <a:solidFill>
-                  <a:srgbClr val="000000"/>
-                </a:solidFill>
-                <a:uFill>
-                  <a:solidFill>
-                    <a:srgbClr val="ffffff"/>
-                  </a:solidFill>
-                </a:uFill>
-                <a:latin typeface="TeXGyreSchola"/>
-              </a:rPr>
-              <a:t>i</a:t>
-            </a:r>
-            <a:r>
-              <a:rPr b="1" lang="en-US" sz="6600" spc="-1" strike="noStrike">
-                <a:solidFill>
-                  <a:srgbClr val="000000"/>
-                </a:solidFill>
-                <a:uFill>
-                  <a:solidFill>
-                    <a:srgbClr val="ffffff"/>
-                  </a:solidFill>
-                </a:uFill>
-                <a:latin typeface="TeXGyreSchola"/>
-              </a:rPr>
-              <a:t>n</a:t>
+              <a:t>Dynein</a:t>
             </a:r>
             <a:endParaRPr b="0" lang="en-US" sz="6600" spc="-1" strike="noStrike">
               <a:solidFill>
@@ -2961,7 +2415,7 @@
         <p:spPr>
           <a:xfrm>
             <a:off x="731520" y="26700480"/>
-            <a:ext cx="9966960" cy="1850040"/>
+            <a:ext cx="11704320" cy="1387440"/>
           </a:xfrm>
           <a:prstGeom prst="rect">
             <a:avLst/>
@@ -3001,6 +2455,20 @@
                 <a:latin typeface="TeXGyreSchola"/>
               </a:rPr>
               <a:t>Carlo </a:t>
+            </a:r>
+            <a:r>
+              <a:rPr b="1" lang="en-US" sz="6600" spc="-1" strike="noStrike">
+                <a:solidFill>
+                  <a:srgbClr val="000000"/>
+                </a:solidFill>
+                <a:uFill>
+                  <a:solidFill>
+                    <a:srgbClr val="ffffff"/>
+                  </a:solidFill>
+                </a:uFill>
+                <a:latin typeface="TeXGyreSchola"/>
+              </a:rPr>
+              <a:t>(MC) </a:t>
             </a:r>
             <a:r>
               <a:rPr b="1" lang="en-US" sz="6600" spc="-1" strike="noStrike">
@@ -3138,56 +2606,6 @@
         </p:nvSpPr>
         <p:spPr>
           <a:xfrm>
-            <a:off x="731520" y="28591560"/>
-            <a:ext cx="12527280" cy="1126440"/>
-          </a:xfrm>
-          <a:prstGeom prst="rect">
-            <a:avLst/>
-          </a:prstGeom>
-          <a:noFill/>
-          <a:ln w="109800">
-            <a:noFill/>
-          </a:ln>
-        </p:spPr>
-        <p:txBody>
-          <a:bodyPr lIns="90000" rIns="90000" tIns="45000" bIns="45000"/>
-          <a:p>
-            <a:r>
-              <a:rPr b="0" lang="en-US" sz="5400" spc="-1" strike="noStrike">
-                <a:solidFill>
-                  <a:srgbClr val="000000"/>
-                </a:solidFill>
-                <a:uFill>
-                  <a:solidFill>
-                    <a:srgbClr val="ffffff"/>
-                  </a:solidFill>
-                </a:uFill>
-                <a:latin typeface="TeXGyreSchola"/>
-              </a:rPr>
-              <a:t>Ad</a:t>
-            </a:r>
-            <a:endParaRPr b="0" lang="en-US" sz="5400" spc="-1" strike="noStrike">
-              <a:solidFill>
-                <a:srgbClr val="000000"/>
-              </a:solidFill>
-              <a:uFill>
-                <a:solidFill>
-                  <a:srgbClr val="ffffff"/>
-                </a:solidFill>
-              </a:uFill>
-              <a:latin typeface="TeXGyreSchola"/>
-            </a:endParaRPr>
-          </a:p>
-        </p:txBody>
-      </p:sp>
-      <p:sp>
-        <p:nvSpPr>
-          <p:cNvPr id="51" name="TextShape 11"/>
-          <p:cNvSpPr txBox="1"/>
-          <p:nvPr/>
-        </p:nvSpPr>
-        <p:spPr>
-          <a:xfrm>
             <a:off x="26060400" y="10698480"/>
             <a:ext cx="5486400" cy="1645920"/>
           </a:xfrm>
@@ -3246,7 +2664,7 @@
       </p:sp>
       <p:sp>
         <p:nvSpPr>
-          <p:cNvPr id="52" name="TextShape 12"/>
+          <p:cNvPr id="51" name="TextShape 11"/>
           <p:cNvSpPr txBox="1"/>
           <p:nvPr/>
         </p:nvSpPr>
@@ -3310,7 +2728,7 @@
       </p:sp>
       <p:sp>
         <p:nvSpPr>
-          <p:cNvPr id="53" name="TextShape 13"/>
+          <p:cNvPr id="52" name="TextShape 12"/>
           <p:cNvSpPr txBox="1"/>
           <p:nvPr/>
         </p:nvSpPr>
@@ -3374,7 +2792,7 @@
       </p:sp>
       <p:pic>
         <p:nvPicPr>
-          <p:cNvPr id="54" name="" descr=""/>
+          <p:cNvPr id="53" name="" descr=""/>
           <p:cNvPicPr/>
           <p:nvPr/>
         </p:nvPicPr>
@@ -3398,7 +2816,7 @@
       </p:pic>
       <p:pic>
         <p:nvPicPr>
-          <p:cNvPr id="55" name="" descr=""/>
+          <p:cNvPr id="54" name="" descr=""/>
           <p:cNvPicPr/>
           <p:nvPr/>
         </p:nvPicPr>
@@ -3422,7 +2840,7 @@
       </p:pic>
       <p:pic>
         <p:nvPicPr>
-          <p:cNvPr id="56" name="" descr=""/>
+          <p:cNvPr id="55" name="" descr=""/>
           <p:cNvPicPr/>
           <p:nvPr/>
         </p:nvPicPr>
@@ -3446,7 +2864,7 @@
       </p:pic>
       <p:pic>
         <p:nvPicPr>
-          <p:cNvPr id="57" name="" descr=""/>
+          <p:cNvPr id="56" name="" descr=""/>
           <p:cNvPicPr/>
           <p:nvPr/>
         </p:nvPicPr>
@@ -3470,7 +2888,7 @@
       </p:pic>
       <p:pic>
         <p:nvPicPr>
-          <p:cNvPr id="58" name="" descr=""/>
+          <p:cNvPr id="57" name="" descr=""/>
           <p:cNvPicPr/>
           <p:nvPr/>
         </p:nvPicPr>
@@ -3494,7 +2912,7 @@
       </p:pic>
       <p:pic>
         <p:nvPicPr>
-          <p:cNvPr id="59" name="" descr=""/>
+          <p:cNvPr id="58" name="" descr=""/>
           <p:cNvPicPr/>
           <p:nvPr/>
         </p:nvPicPr>
@@ -3518,7 +2936,7 @@
       </p:pic>
       <p:pic>
         <p:nvPicPr>
-          <p:cNvPr id="60" name="" descr=""/>
+          <p:cNvPr id="59" name="" descr=""/>
           <p:cNvPicPr/>
           <p:nvPr/>
         </p:nvPicPr>
@@ -3542,7 +2960,7 @@
       </p:pic>
       <p:pic>
         <p:nvPicPr>
-          <p:cNvPr id="61" name="" descr=""/>
+          <p:cNvPr id="60" name="" descr=""/>
           <p:cNvPicPr/>
           <p:nvPr/>
         </p:nvPicPr>
@@ -3566,7 +2984,7 @@
       </p:pic>
       <p:pic>
         <p:nvPicPr>
-          <p:cNvPr id="62" name="" descr=""/>
+          <p:cNvPr id="61" name="" descr=""/>
           <p:cNvPicPr/>
           <p:nvPr/>
         </p:nvPicPr>
@@ -3590,7 +3008,7 @@
       </p:pic>
       <p:sp>
         <p:nvSpPr>
-          <p:cNvPr id="63" name="TextShape 14"/>
+          <p:cNvPr id="62" name="TextShape 13"/>
           <p:cNvSpPr txBox="1"/>
           <p:nvPr/>
         </p:nvSpPr>
@@ -8106,7 +7524,7 @@
       </p:sp>
       <p:sp>
         <p:nvSpPr>
-          <p:cNvPr id="64" name="CustomShape 15"/>
+          <p:cNvPr id="63" name="CustomShape 14"/>
           <p:cNvSpPr/>
           <p:nvPr/>
         </p:nvSpPr>
@@ -8210,7 +7628,7 @@
       </p:sp>
       <p:sp>
         <p:nvSpPr>
-          <p:cNvPr id="65" name="TextShape 16"/>
+          <p:cNvPr id="64" name="TextShape 15"/>
           <p:cNvSpPr txBox="1"/>
           <p:nvPr/>
         </p:nvSpPr>
@@ -8242,5103 +7660,343 @@
                 </a:uFill>
                 <a:latin typeface="TeXGyreSchola"/>
               </a:rPr>
-              <a:t>D</a:t>
-            </a:r>
-            <a:r>
-              <a:rPr b="0" lang="en-US" sz="4800" spc="-1" strike="noStrike">
-                <a:solidFill>
-                  <a:srgbClr val="000000"/>
-                </a:solidFill>
-                <a:uFill>
-                  <a:solidFill>
-                    <a:srgbClr val="ffffff"/>
-                  </a:solidFill>
-                </a:uFill>
-                <a:latin typeface="TeXGyreSchola"/>
-              </a:rPr>
-              <a:t>y</a:t>
-            </a:r>
-            <a:r>
-              <a:rPr b="0" lang="en-US" sz="4800" spc="-1" strike="noStrike">
-                <a:solidFill>
-                  <a:srgbClr val="000000"/>
-                </a:solidFill>
-                <a:uFill>
-                  <a:solidFill>
-                    <a:srgbClr val="ffffff"/>
-                  </a:solidFill>
-                </a:uFill>
-                <a:latin typeface="TeXGyreSchola"/>
-              </a:rPr>
-              <a:t>n</a:t>
-            </a:r>
-            <a:r>
-              <a:rPr b="0" lang="en-US" sz="4800" spc="-1" strike="noStrike">
-                <a:solidFill>
-                  <a:srgbClr val="000000"/>
-                </a:solidFill>
-                <a:uFill>
-                  <a:solidFill>
-                    <a:srgbClr val="ffffff"/>
-                  </a:solidFill>
-                </a:uFill>
-                <a:latin typeface="TeXGyreSchola"/>
-              </a:rPr>
-              <a:t>e</a:t>
-            </a:r>
-            <a:r>
-              <a:rPr b="0" lang="en-US" sz="4800" spc="-1" strike="noStrike">
-                <a:solidFill>
-                  <a:srgbClr val="000000"/>
-                </a:solidFill>
-                <a:uFill>
-                  <a:solidFill>
-                    <a:srgbClr val="ffffff"/>
-                  </a:solidFill>
-                </a:uFill>
-                <a:latin typeface="TeXGyreSchola"/>
-              </a:rPr>
-              <a:t>i</a:t>
-            </a:r>
-            <a:r>
-              <a:rPr b="0" lang="en-US" sz="4800" spc="-1" strike="noStrike">
-                <a:solidFill>
-                  <a:srgbClr val="000000"/>
-                </a:solidFill>
-                <a:uFill>
-                  <a:solidFill>
-                    <a:srgbClr val="ffffff"/>
-                  </a:solidFill>
-                </a:uFill>
-                <a:latin typeface="TeXGyreSchola"/>
-              </a:rPr>
-              <a:t>n</a:t>
-            </a:r>
-            <a:r>
-              <a:rPr b="0" lang="en-US" sz="4800" spc="-1" strike="noStrike">
-                <a:solidFill>
-                  <a:srgbClr val="000000"/>
-                </a:solidFill>
-                <a:uFill>
-                  <a:solidFill>
-                    <a:srgbClr val="ffffff"/>
-                  </a:solidFill>
-                </a:uFill>
-                <a:latin typeface="TeXGyreSchola"/>
-              </a:rPr>
-              <a:t> </a:t>
-            </a:r>
-            <a:r>
-              <a:rPr b="0" lang="en-US" sz="4800" spc="-1" strike="noStrike">
-                <a:solidFill>
-                  <a:srgbClr val="000000"/>
-                </a:solidFill>
-                <a:uFill>
-                  <a:solidFill>
-                    <a:srgbClr val="ffffff"/>
-                  </a:solidFill>
-                </a:uFill>
-                <a:latin typeface="TeXGyreSchola"/>
-              </a:rPr>
-              <a:t>i</a:t>
-            </a:r>
-            <a:r>
-              <a:rPr b="0" lang="en-US" sz="4800" spc="-1" strike="noStrike">
-                <a:solidFill>
-                  <a:srgbClr val="000000"/>
-                </a:solidFill>
-                <a:uFill>
-                  <a:solidFill>
-                    <a:srgbClr val="ffffff"/>
-                  </a:solidFill>
-                </a:uFill>
-                <a:latin typeface="TeXGyreSchola"/>
-              </a:rPr>
-              <a:t>s</a:t>
-            </a:r>
-            <a:r>
-              <a:rPr b="0" lang="en-US" sz="4800" spc="-1" strike="noStrike">
-                <a:solidFill>
-                  <a:srgbClr val="000000"/>
-                </a:solidFill>
-                <a:uFill>
-                  <a:solidFill>
-                    <a:srgbClr val="ffffff"/>
-                  </a:solidFill>
-                </a:uFill>
-                <a:latin typeface="TeXGyreSchola"/>
-              </a:rPr>
-              <a:t> </a:t>
-            </a:r>
-            <a:r>
-              <a:rPr b="0" lang="en-US" sz="4800" spc="-1" strike="noStrike">
-                <a:solidFill>
-                  <a:srgbClr val="000000"/>
-                </a:solidFill>
-                <a:uFill>
-                  <a:solidFill>
-                    <a:srgbClr val="ffffff"/>
-                  </a:solidFill>
-                </a:uFill>
-                <a:latin typeface="TeXGyreSchola"/>
-              </a:rPr>
-              <a:t>o</a:t>
-            </a:r>
-            <a:r>
-              <a:rPr b="0" lang="en-US" sz="4800" spc="-1" strike="noStrike">
-                <a:solidFill>
-                  <a:srgbClr val="000000"/>
-                </a:solidFill>
-                <a:uFill>
-                  <a:solidFill>
-                    <a:srgbClr val="ffffff"/>
-                  </a:solidFill>
-                </a:uFill>
-                <a:latin typeface="TeXGyreSchola"/>
-              </a:rPr>
-              <a:t>n</a:t>
-            </a:r>
-            <a:r>
-              <a:rPr b="0" lang="en-US" sz="4800" spc="-1" strike="noStrike">
-                <a:solidFill>
-                  <a:srgbClr val="000000"/>
-                </a:solidFill>
-                <a:uFill>
-                  <a:solidFill>
-                    <a:srgbClr val="ffffff"/>
-                  </a:solidFill>
-                </a:uFill>
-                <a:latin typeface="TeXGyreSchola"/>
-              </a:rPr>
-              <a:t>e</a:t>
-            </a:r>
-            <a:r>
-              <a:rPr b="0" lang="en-US" sz="4800" spc="-1" strike="noStrike">
-                <a:solidFill>
-                  <a:srgbClr val="000000"/>
-                </a:solidFill>
-                <a:uFill>
-                  <a:solidFill>
-                    <a:srgbClr val="ffffff"/>
-                  </a:solidFill>
-                </a:uFill>
-                <a:latin typeface="TeXGyreSchola"/>
-              </a:rPr>
-              <a:t> </a:t>
-            </a:r>
-            <a:r>
-              <a:rPr b="0" lang="en-US" sz="4800" spc="-1" strike="noStrike">
-                <a:solidFill>
-                  <a:srgbClr val="000000"/>
-                </a:solidFill>
-                <a:uFill>
-                  <a:solidFill>
-                    <a:srgbClr val="ffffff"/>
-                  </a:solidFill>
-                </a:uFill>
-                <a:latin typeface="TeXGyreSchola"/>
-              </a:rPr>
-              <a:t>o</a:t>
-            </a:r>
-            <a:r>
-              <a:rPr b="0" lang="en-US" sz="4800" spc="-1" strike="noStrike">
-                <a:solidFill>
-                  <a:srgbClr val="000000"/>
-                </a:solidFill>
-                <a:uFill>
-                  <a:solidFill>
-                    <a:srgbClr val="ffffff"/>
-                  </a:solidFill>
-                </a:uFill>
-                <a:latin typeface="TeXGyreSchola"/>
-              </a:rPr>
-              <a:t>f</a:t>
-            </a:r>
-            <a:r>
-              <a:rPr b="0" lang="en-US" sz="4800" spc="-1" strike="noStrike">
-                <a:solidFill>
-                  <a:srgbClr val="000000"/>
-                </a:solidFill>
-                <a:uFill>
-                  <a:solidFill>
-                    <a:srgbClr val="ffffff"/>
-                  </a:solidFill>
-                </a:uFill>
-                <a:latin typeface="TeXGyreSchola"/>
-              </a:rPr>
-              <a:t> </a:t>
-            </a:r>
-            <a:r>
-              <a:rPr b="0" lang="en-US" sz="4800" spc="-1" strike="noStrike">
-                <a:solidFill>
-                  <a:srgbClr val="000000"/>
-                </a:solidFill>
-                <a:uFill>
-                  <a:solidFill>
-                    <a:srgbClr val="ffffff"/>
-                  </a:solidFill>
-                </a:uFill>
-                <a:latin typeface="TeXGyreSchola"/>
-              </a:rPr>
-              <a:t>t</a:t>
-            </a:r>
-            <a:r>
-              <a:rPr b="0" lang="en-US" sz="4800" spc="-1" strike="noStrike">
-                <a:solidFill>
-                  <a:srgbClr val="000000"/>
-                </a:solidFill>
-                <a:uFill>
-                  <a:solidFill>
-                    <a:srgbClr val="ffffff"/>
-                  </a:solidFill>
-                </a:uFill>
-                <a:latin typeface="TeXGyreSchola"/>
-              </a:rPr>
-              <a:t>h</a:t>
-            </a:r>
-            <a:r>
-              <a:rPr b="0" lang="en-US" sz="4800" spc="-1" strike="noStrike">
-                <a:solidFill>
-                  <a:srgbClr val="000000"/>
-                </a:solidFill>
-                <a:uFill>
-                  <a:solidFill>
-                    <a:srgbClr val="ffffff"/>
-                  </a:solidFill>
-                </a:uFill>
-                <a:latin typeface="TeXGyreSchola"/>
-              </a:rPr>
-              <a:t>e</a:t>
-            </a:r>
-            <a:r>
-              <a:rPr b="0" lang="en-US" sz="4800" spc="-1" strike="noStrike">
-                <a:solidFill>
-                  <a:srgbClr val="000000"/>
-                </a:solidFill>
-                <a:uFill>
-                  <a:solidFill>
-                    <a:srgbClr val="ffffff"/>
-                  </a:solidFill>
-                </a:uFill>
-                <a:latin typeface="TeXGyreSchola"/>
-              </a:rPr>
-              <a:t> </a:t>
-            </a:r>
-            <a:r>
-              <a:rPr b="0" lang="en-US" sz="4800" spc="-1" strike="noStrike">
-                <a:solidFill>
-                  <a:srgbClr val="000000"/>
-                </a:solidFill>
-                <a:uFill>
-                  <a:solidFill>
-                    <a:srgbClr val="ffffff"/>
-                  </a:solidFill>
-                </a:uFill>
-                <a:latin typeface="TeXGyreSchola"/>
-              </a:rPr>
-              <a:t>t</a:t>
-            </a:r>
-            <a:r>
-              <a:rPr b="0" lang="en-US" sz="4800" spc="-1" strike="noStrike">
-                <a:solidFill>
-                  <a:srgbClr val="000000"/>
-                </a:solidFill>
-                <a:uFill>
-                  <a:solidFill>
-                    <a:srgbClr val="ffffff"/>
-                  </a:solidFill>
-                </a:uFill>
-                <a:latin typeface="TeXGyreSchola"/>
-              </a:rPr>
-              <a:t>h</a:t>
-            </a:r>
-            <a:r>
-              <a:rPr b="0" lang="en-US" sz="4800" spc="-1" strike="noStrike">
-                <a:solidFill>
-                  <a:srgbClr val="000000"/>
-                </a:solidFill>
-                <a:uFill>
-                  <a:solidFill>
-                    <a:srgbClr val="ffffff"/>
-                  </a:solidFill>
-                </a:uFill>
-                <a:latin typeface="TeXGyreSchola"/>
-              </a:rPr>
-              <a:t>r</a:t>
-            </a:r>
-            <a:r>
-              <a:rPr b="0" lang="en-US" sz="4800" spc="-1" strike="noStrike">
-                <a:solidFill>
-                  <a:srgbClr val="000000"/>
-                </a:solidFill>
-                <a:uFill>
-                  <a:solidFill>
-                    <a:srgbClr val="ffffff"/>
-                  </a:solidFill>
-                </a:uFill>
-                <a:latin typeface="TeXGyreSchola"/>
-              </a:rPr>
-              <a:t>e</a:t>
-            </a:r>
-            <a:r>
-              <a:rPr b="0" lang="en-US" sz="4800" spc="-1" strike="noStrike">
-                <a:solidFill>
-                  <a:srgbClr val="000000"/>
-                </a:solidFill>
-                <a:uFill>
-                  <a:solidFill>
-                    <a:srgbClr val="ffffff"/>
-                  </a:solidFill>
-                </a:uFill>
-                <a:latin typeface="TeXGyreSchola"/>
-              </a:rPr>
-              <a:t>e</a:t>
-            </a:r>
-            <a:r>
-              <a:rPr b="0" lang="en-US" sz="4800" spc="-1" strike="noStrike">
-                <a:solidFill>
-                  <a:srgbClr val="000000"/>
-                </a:solidFill>
-                <a:uFill>
-                  <a:solidFill>
-                    <a:srgbClr val="ffffff"/>
-                  </a:solidFill>
-                </a:uFill>
-                <a:latin typeface="TeXGyreSchola"/>
-              </a:rPr>
-              <a:t> </a:t>
-            </a:r>
-            <a:r>
-              <a:rPr b="0" lang="en-US" sz="4800" spc="-1" strike="noStrike">
-                <a:solidFill>
-                  <a:srgbClr val="000000"/>
-                </a:solidFill>
-                <a:uFill>
-                  <a:solidFill>
-                    <a:srgbClr val="ffffff"/>
-                  </a:solidFill>
-                </a:uFill>
-                <a:latin typeface="TeXGyreSchola"/>
-              </a:rPr>
-              <a:t>m</a:t>
-            </a:r>
-            <a:r>
-              <a:rPr b="0" lang="en-US" sz="4800" spc="-1" strike="noStrike">
-                <a:solidFill>
-                  <a:srgbClr val="000000"/>
-                </a:solidFill>
-                <a:uFill>
-                  <a:solidFill>
-                    <a:srgbClr val="ffffff"/>
-                  </a:solidFill>
-                </a:uFill>
-                <a:latin typeface="TeXGyreSchola"/>
-              </a:rPr>
-              <a:t>o</a:t>
-            </a:r>
-            <a:r>
-              <a:rPr b="0" lang="en-US" sz="4800" spc="-1" strike="noStrike">
-                <a:solidFill>
-                  <a:srgbClr val="000000"/>
-                </a:solidFill>
-                <a:uFill>
-                  <a:solidFill>
-                    <a:srgbClr val="ffffff"/>
-                  </a:solidFill>
-                </a:uFill>
-                <a:latin typeface="TeXGyreSchola"/>
-              </a:rPr>
-              <a:t>t</a:t>
-            </a:r>
-            <a:r>
-              <a:rPr b="0" lang="en-US" sz="4800" spc="-1" strike="noStrike">
-                <a:solidFill>
-                  <a:srgbClr val="000000"/>
-                </a:solidFill>
-                <a:uFill>
-                  <a:solidFill>
-                    <a:srgbClr val="ffffff"/>
-                  </a:solidFill>
-                </a:uFill>
-                <a:latin typeface="TeXGyreSchola"/>
-              </a:rPr>
-              <a:t>o</a:t>
-            </a:r>
-            <a:r>
-              <a:rPr b="0" lang="en-US" sz="4800" spc="-1" strike="noStrike">
-                <a:solidFill>
-                  <a:srgbClr val="000000"/>
-                </a:solidFill>
-                <a:uFill>
-                  <a:solidFill>
-                    <a:srgbClr val="ffffff"/>
-                  </a:solidFill>
-                </a:uFill>
-                <a:latin typeface="TeXGyreSchola"/>
-              </a:rPr>
-              <a:t>r</a:t>
-            </a:r>
-            <a:r>
-              <a:rPr b="0" lang="en-US" sz="4800" spc="-1" strike="noStrike">
-                <a:solidFill>
-                  <a:srgbClr val="000000"/>
-                </a:solidFill>
-                <a:uFill>
-                  <a:solidFill>
-                    <a:srgbClr val="ffffff"/>
-                  </a:solidFill>
-                </a:uFill>
-                <a:latin typeface="TeXGyreSchola"/>
-              </a:rPr>
-              <a:t> </a:t>
-            </a:r>
-            <a:r>
-              <a:rPr b="0" lang="en-US" sz="4800" spc="-1" strike="noStrike">
-                <a:solidFill>
-                  <a:srgbClr val="000000"/>
-                </a:solidFill>
-                <a:uFill>
-                  <a:solidFill>
-                    <a:srgbClr val="ffffff"/>
-                  </a:solidFill>
-                </a:uFill>
-                <a:latin typeface="TeXGyreSchola"/>
-              </a:rPr>
-              <a:t>p</a:t>
-            </a:r>
-            <a:r>
-              <a:rPr b="0" lang="en-US" sz="4800" spc="-1" strike="noStrike">
-                <a:solidFill>
-                  <a:srgbClr val="000000"/>
-                </a:solidFill>
-                <a:uFill>
-                  <a:solidFill>
-                    <a:srgbClr val="ffffff"/>
-                  </a:solidFill>
-                </a:uFill>
-                <a:latin typeface="TeXGyreSchola"/>
-              </a:rPr>
-              <a:t>r</a:t>
-            </a:r>
-            <a:r>
-              <a:rPr b="0" lang="en-US" sz="4800" spc="-1" strike="noStrike">
-                <a:solidFill>
-                  <a:srgbClr val="000000"/>
-                </a:solidFill>
-                <a:uFill>
-                  <a:solidFill>
-                    <a:srgbClr val="ffffff"/>
-                  </a:solidFill>
-                </a:uFill>
-                <a:latin typeface="TeXGyreSchola"/>
-              </a:rPr>
-              <a:t>o</a:t>
-            </a:r>
-            <a:r>
-              <a:rPr b="0" lang="en-US" sz="4800" spc="-1" strike="noStrike">
-                <a:solidFill>
-                  <a:srgbClr val="000000"/>
-                </a:solidFill>
-                <a:uFill>
-                  <a:solidFill>
-                    <a:srgbClr val="ffffff"/>
-                  </a:solidFill>
-                </a:uFill>
-                <a:latin typeface="TeXGyreSchola"/>
-              </a:rPr>
-              <a:t>t</a:t>
-            </a:r>
-            <a:r>
-              <a:rPr b="0" lang="en-US" sz="4800" spc="-1" strike="noStrike">
-                <a:solidFill>
-                  <a:srgbClr val="000000"/>
-                </a:solidFill>
-                <a:uFill>
-                  <a:solidFill>
-                    <a:srgbClr val="ffffff"/>
-                  </a:solidFill>
-                </a:uFill>
-                <a:latin typeface="TeXGyreSchola"/>
-              </a:rPr>
-              <a:t>e</a:t>
-            </a:r>
-            <a:r>
-              <a:rPr b="0" lang="en-US" sz="4800" spc="-1" strike="noStrike">
-                <a:solidFill>
-                  <a:srgbClr val="000000"/>
-                </a:solidFill>
-                <a:uFill>
-                  <a:solidFill>
-                    <a:srgbClr val="ffffff"/>
-                  </a:solidFill>
-                </a:uFill>
-                <a:latin typeface="TeXGyreSchola"/>
-              </a:rPr>
-              <a:t>i</a:t>
-            </a:r>
-            <a:r>
-              <a:rPr b="0" lang="en-US" sz="4800" spc="-1" strike="noStrike">
-                <a:solidFill>
-                  <a:srgbClr val="000000"/>
-                </a:solidFill>
-                <a:uFill>
-                  <a:solidFill>
-                    <a:srgbClr val="ffffff"/>
-                  </a:solidFill>
-                </a:uFill>
-                <a:latin typeface="TeXGyreSchola"/>
-              </a:rPr>
-              <a:t>n</a:t>
-            </a:r>
-            <a:r>
-              <a:rPr b="0" lang="en-US" sz="4800" spc="-1" strike="noStrike">
-                <a:solidFill>
-                  <a:srgbClr val="000000"/>
-                </a:solidFill>
-                <a:uFill>
-                  <a:solidFill>
-                    <a:srgbClr val="ffffff"/>
-                  </a:solidFill>
-                </a:uFill>
-                <a:latin typeface="TeXGyreSchola"/>
-              </a:rPr>
-              <a:t>s</a:t>
-            </a:r>
-            <a:r>
-              <a:rPr b="0" lang="en-US" sz="4800" spc="-1" strike="noStrike">
-                <a:solidFill>
-                  <a:srgbClr val="000000"/>
-                </a:solidFill>
-                <a:uFill>
-                  <a:solidFill>
-                    <a:srgbClr val="ffffff"/>
-                  </a:solidFill>
-                </a:uFill>
-                <a:latin typeface="TeXGyreSchola"/>
-              </a:rPr>
-              <a:t> </a:t>
-            </a:r>
-            <a:r>
-              <a:rPr b="0" lang="en-US" sz="4800" spc="-1" strike="noStrike">
-                <a:solidFill>
-                  <a:srgbClr val="000000"/>
-                </a:solidFill>
-                <a:uFill>
-                  <a:solidFill>
-                    <a:srgbClr val="ffffff"/>
-                  </a:solidFill>
-                </a:uFill>
-                <a:latin typeface="TeXGyreSchola"/>
-              </a:rPr>
-              <a:t>t</a:t>
-            </a:r>
-            <a:r>
-              <a:rPr b="0" lang="en-US" sz="4800" spc="-1" strike="noStrike">
-                <a:solidFill>
-                  <a:srgbClr val="000000"/>
-                </a:solidFill>
-                <a:uFill>
-                  <a:solidFill>
-                    <a:srgbClr val="ffffff"/>
-                  </a:solidFill>
-                </a:uFill>
-                <a:latin typeface="TeXGyreSchola"/>
-              </a:rPr>
-              <a:t>h</a:t>
-            </a:r>
-            <a:r>
-              <a:rPr b="0" lang="en-US" sz="4800" spc="-1" strike="noStrike">
-                <a:solidFill>
-                  <a:srgbClr val="000000"/>
-                </a:solidFill>
-                <a:uFill>
-                  <a:solidFill>
-                    <a:srgbClr val="ffffff"/>
-                  </a:solidFill>
-                </a:uFill>
-                <a:latin typeface="TeXGyreSchola"/>
-              </a:rPr>
-              <a:t>a</a:t>
-            </a:r>
-            <a:r>
-              <a:rPr b="0" lang="en-US" sz="4800" spc="-1" strike="noStrike">
-                <a:solidFill>
-                  <a:srgbClr val="000000"/>
-                </a:solidFill>
-                <a:uFill>
-                  <a:solidFill>
-                    <a:srgbClr val="ffffff"/>
-                  </a:solidFill>
-                </a:uFill>
-                <a:latin typeface="TeXGyreSchola"/>
-              </a:rPr>
-              <a:t>t</a:t>
-            </a:r>
-            <a:r>
-              <a:rPr b="0" lang="en-US" sz="4800" spc="-1" strike="noStrike">
-                <a:solidFill>
-                  <a:srgbClr val="000000"/>
-                </a:solidFill>
-                <a:uFill>
-                  <a:solidFill>
-                    <a:srgbClr val="ffffff"/>
-                  </a:solidFill>
-                </a:uFill>
-                <a:latin typeface="TeXGyreSchola"/>
-              </a:rPr>
-              <a:t> </a:t>
-            </a:r>
-            <a:r>
-              <a:rPr b="0" lang="en-US" sz="4800" spc="-1" strike="noStrike">
-                <a:solidFill>
-                  <a:srgbClr val="000000"/>
-                </a:solidFill>
-                <a:uFill>
-                  <a:solidFill>
-                    <a:srgbClr val="ffffff"/>
-                  </a:solidFill>
-                </a:uFill>
-                <a:latin typeface="TeXGyreSchola"/>
-              </a:rPr>
-              <a:t>a</a:t>
-            </a:r>
-            <a:r>
-              <a:rPr b="0" lang="en-US" sz="4800" spc="-1" strike="noStrike">
-                <a:solidFill>
-                  <a:srgbClr val="000000"/>
-                </a:solidFill>
-                <a:uFill>
-                  <a:solidFill>
-                    <a:srgbClr val="ffffff"/>
-                  </a:solidFill>
-                </a:uFill>
-                <a:latin typeface="TeXGyreSchola"/>
-              </a:rPr>
-              <a:t>r</a:t>
-            </a:r>
-            <a:r>
-              <a:rPr b="0" lang="en-US" sz="4800" spc="-1" strike="noStrike">
-                <a:solidFill>
-                  <a:srgbClr val="000000"/>
-                </a:solidFill>
-                <a:uFill>
-                  <a:solidFill>
-                    <a:srgbClr val="ffffff"/>
-                  </a:solidFill>
-                </a:uFill>
-                <a:latin typeface="TeXGyreSchola"/>
-              </a:rPr>
-              <a:t>e</a:t>
-            </a:r>
-            <a:r>
-              <a:rPr b="0" lang="en-US" sz="4800" spc="-1" strike="noStrike">
-                <a:solidFill>
-                  <a:srgbClr val="000000"/>
-                </a:solidFill>
-                <a:uFill>
-                  <a:solidFill>
-                    <a:srgbClr val="ffffff"/>
-                  </a:solidFill>
-                </a:uFill>
-                <a:latin typeface="TeXGyreSchola"/>
-              </a:rPr>
-              <a:t> </a:t>
-            </a:r>
-            <a:r>
-              <a:rPr b="0" lang="en-US" sz="4800" spc="-1" strike="noStrike">
-                <a:solidFill>
-                  <a:srgbClr val="000000"/>
-                </a:solidFill>
-                <a:uFill>
-                  <a:solidFill>
-                    <a:srgbClr val="ffffff"/>
-                  </a:solidFill>
-                </a:uFill>
-                <a:latin typeface="TeXGyreSchola"/>
-              </a:rPr>
-              <a:t>r</a:t>
-            </a:r>
-            <a:r>
-              <a:rPr b="0" lang="en-US" sz="4800" spc="-1" strike="noStrike">
-                <a:solidFill>
-                  <a:srgbClr val="000000"/>
-                </a:solidFill>
-                <a:uFill>
-                  <a:solidFill>
-                    <a:srgbClr val="ffffff"/>
-                  </a:solidFill>
-                </a:uFill>
-                <a:latin typeface="TeXGyreSchola"/>
-              </a:rPr>
-              <a:t>e</a:t>
-            </a:r>
-            <a:r>
-              <a:rPr b="0" lang="en-US" sz="4800" spc="-1" strike="noStrike">
-                <a:solidFill>
-                  <a:srgbClr val="000000"/>
-                </a:solidFill>
-                <a:uFill>
-                  <a:solidFill>
-                    <a:srgbClr val="ffffff"/>
-                  </a:solidFill>
-                </a:uFill>
-                <a:latin typeface="TeXGyreSchola"/>
-              </a:rPr>
-              <a:t>s</a:t>
-            </a:r>
-            <a:r>
-              <a:rPr b="0" lang="en-US" sz="4800" spc="-1" strike="noStrike">
-                <a:solidFill>
-                  <a:srgbClr val="000000"/>
-                </a:solidFill>
-                <a:uFill>
-                  <a:solidFill>
-                    <a:srgbClr val="ffffff"/>
-                  </a:solidFill>
-                </a:uFill>
-                <a:latin typeface="TeXGyreSchola"/>
-              </a:rPr>
-              <a:t>p</a:t>
-            </a:r>
-            <a:r>
-              <a:rPr b="0" lang="en-US" sz="4800" spc="-1" strike="noStrike">
-                <a:solidFill>
-                  <a:srgbClr val="000000"/>
-                </a:solidFill>
-                <a:uFill>
-                  <a:solidFill>
-                    <a:srgbClr val="ffffff"/>
-                  </a:solidFill>
-                </a:uFill>
-                <a:latin typeface="TeXGyreSchola"/>
-              </a:rPr>
-              <a:t>o</a:t>
-            </a:r>
-            <a:r>
-              <a:rPr b="0" lang="en-US" sz="4800" spc="-1" strike="noStrike">
-                <a:solidFill>
-                  <a:srgbClr val="000000"/>
-                </a:solidFill>
-                <a:uFill>
-                  <a:solidFill>
-                    <a:srgbClr val="ffffff"/>
-                  </a:solidFill>
-                </a:uFill>
-                <a:latin typeface="TeXGyreSchola"/>
-              </a:rPr>
-              <a:t>n</a:t>
-            </a:r>
-            <a:r>
-              <a:rPr b="0" lang="en-US" sz="4800" spc="-1" strike="noStrike">
-                <a:solidFill>
-                  <a:srgbClr val="000000"/>
-                </a:solidFill>
-                <a:uFill>
-                  <a:solidFill>
-                    <a:srgbClr val="ffffff"/>
-                  </a:solidFill>
-                </a:uFill>
-                <a:latin typeface="TeXGyreSchola"/>
-              </a:rPr>
-              <a:t>s</a:t>
-            </a:r>
-            <a:r>
-              <a:rPr b="0" lang="en-US" sz="4800" spc="-1" strike="noStrike">
-                <a:solidFill>
-                  <a:srgbClr val="000000"/>
-                </a:solidFill>
-                <a:uFill>
-                  <a:solidFill>
-                    <a:srgbClr val="ffffff"/>
-                  </a:solidFill>
-                </a:uFill>
-                <a:latin typeface="TeXGyreSchola"/>
-              </a:rPr>
-              <a:t>i</a:t>
-            </a:r>
-            <a:r>
-              <a:rPr b="0" lang="en-US" sz="4800" spc="-1" strike="noStrike">
-                <a:solidFill>
-                  <a:srgbClr val="000000"/>
-                </a:solidFill>
-                <a:uFill>
-                  <a:solidFill>
-                    <a:srgbClr val="ffffff"/>
-                  </a:solidFill>
-                </a:uFill>
-                <a:latin typeface="TeXGyreSchola"/>
-              </a:rPr>
-              <a:t>b</a:t>
-            </a:r>
-            <a:r>
-              <a:rPr b="0" lang="en-US" sz="4800" spc="-1" strike="noStrike">
-                <a:solidFill>
-                  <a:srgbClr val="000000"/>
-                </a:solidFill>
-                <a:uFill>
-                  <a:solidFill>
-                    <a:srgbClr val="ffffff"/>
-                  </a:solidFill>
-                </a:uFill>
-                <a:latin typeface="TeXGyreSchola"/>
-              </a:rPr>
-              <a:t>l</a:t>
-            </a:r>
-            <a:r>
-              <a:rPr b="0" lang="en-US" sz="4800" spc="-1" strike="noStrike">
-                <a:solidFill>
-                  <a:srgbClr val="000000"/>
-                </a:solidFill>
-                <a:uFill>
-                  <a:solidFill>
-                    <a:srgbClr val="ffffff"/>
-                  </a:solidFill>
-                </a:uFill>
-                <a:latin typeface="TeXGyreSchola"/>
-              </a:rPr>
-              <a:t>e</a:t>
-            </a:r>
-            <a:r>
-              <a:rPr b="0" lang="en-US" sz="4800" spc="-1" strike="noStrike">
-                <a:solidFill>
-                  <a:srgbClr val="000000"/>
-                </a:solidFill>
-                <a:uFill>
-                  <a:solidFill>
-                    <a:srgbClr val="ffffff"/>
-                  </a:solidFill>
-                </a:uFill>
-                <a:latin typeface="TeXGyreSchola"/>
-              </a:rPr>
-              <a:t> </a:t>
-            </a:r>
-            <a:r>
-              <a:rPr b="0" lang="en-US" sz="4800" spc="-1" strike="noStrike">
-                <a:solidFill>
-                  <a:srgbClr val="000000"/>
-                </a:solidFill>
-                <a:uFill>
-                  <a:solidFill>
-                    <a:srgbClr val="ffffff"/>
-                  </a:solidFill>
-                </a:uFill>
-                <a:latin typeface="TeXGyreSchola"/>
-              </a:rPr>
-              <a:t>f</a:t>
-            </a:r>
-            <a:r>
-              <a:rPr b="0" lang="en-US" sz="4800" spc="-1" strike="noStrike">
-                <a:solidFill>
-                  <a:srgbClr val="000000"/>
-                </a:solidFill>
-                <a:uFill>
-                  <a:solidFill>
-                    <a:srgbClr val="ffffff"/>
-                  </a:solidFill>
-                </a:uFill>
-                <a:latin typeface="TeXGyreSchola"/>
-              </a:rPr>
-              <a:t>o</a:t>
-            </a:r>
-            <a:r>
-              <a:rPr b="0" lang="en-US" sz="4800" spc="-1" strike="noStrike">
-                <a:solidFill>
-                  <a:srgbClr val="000000"/>
-                </a:solidFill>
-                <a:uFill>
-                  <a:solidFill>
-                    <a:srgbClr val="ffffff"/>
-                  </a:solidFill>
-                </a:uFill>
-                <a:latin typeface="TeXGyreSchola"/>
-              </a:rPr>
-              <a:t>r</a:t>
-            </a:r>
-            <a:r>
-              <a:rPr b="0" lang="en-US" sz="4800" spc="-1" strike="noStrike">
-                <a:solidFill>
-                  <a:srgbClr val="000000"/>
-                </a:solidFill>
-                <a:uFill>
-                  <a:solidFill>
-                    <a:srgbClr val="ffffff"/>
-                  </a:solidFill>
-                </a:uFill>
-                <a:latin typeface="TeXGyreSchola"/>
-              </a:rPr>
-              <a:t> </a:t>
-            </a:r>
-            <a:r>
-              <a:rPr b="0" lang="en-US" sz="4800" spc="-1" strike="noStrike">
-                <a:solidFill>
-                  <a:srgbClr val="000000"/>
-                </a:solidFill>
-                <a:uFill>
-                  <a:solidFill>
-                    <a:srgbClr val="ffffff"/>
-                  </a:solidFill>
-                </a:uFill>
-                <a:latin typeface="TeXGyreSchola"/>
-              </a:rPr>
-              <a:t>t</a:t>
-            </a:r>
-            <a:r>
-              <a:rPr b="0" lang="en-US" sz="4800" spc="-1" strike="noStrike">
-                <a:solidFill>
-                  <a:srgbClr val="000000"/>
-                </a:solidFill>
-                <a:uFill>
-                  <a:solidFill>
-                    <a:srgbClr val="ffffff"/>
-                  </a:solidFill>
-                </a:uFill>
-                <a:latin typeface="TeXGyreSchola"/>
-              </a:rPr>
-              <a:t>h</a:t>
-            </a:r>
-            <a:r>
-              <a:rPr b="0" lang="en-US" sz="4800" spc="-1" strike="noStrike">
-                <a:solidFill>
-                  <a:srgbClr val="000000"/>
-                </a:solidFill>
-                <a:uFill>
-                  <a:solidFill>
-                    <a:srgbClr val="ffffff"/>
-                  </a:solidFill>
-                </a:uFill>
-                <a:latin typeface="TeXGyreSchola"/>
-              </a:rPr>
-              <a:t>e</a:t>
-            </a:r>
-            <a:r>
-              <a:rPr b="0" lang="en-US" sz="4800" spc="-1" strike="noStrike">
-                <a:solidFill>
-                  <a:srgbClr val="000000"/>
-                </a:solidFill>
-                <a:uFill>
-                  <a:solidFill>
-                    <a:srgbClr val="ffffff"/>
-                  </a:solidFill>
-                </a:uFill>
-                <a:latin typeface="TeXGyreSchola"/>
-              </a:rPr>
-              <a:t> </a:t>
-            </a:r>
-            <a:r>
-              <a:rPr b="0" lang="en-US" sz="4800" spc="-1" strike="noStrike">
-                <a:solidFill>
-                  <a:srgbClr val="000000"/>
-                </a:solidFill>
-                <a:uFill>
-                  <a:solidFill>
-                    <a:srgbClr val="ffffff"/>
-                  </a:solidFill>
-                </a:uFill>
-                <a:latin typeface="TeXGyreSchola"/>
-              </a:rPr>
-              <a:t>c</a:t>
-            </a:r>
-            <a:r>
-              <a:rPr b="0" lang="en-US" sz="4800" spc="-1" strike="noStrike">
-                <a:solidFill>
-                  <a:srgbClr val="000000"/>
-                </a:solidFill>
-                <a:uFill>
-                  <a:solidFill>
-                    <a:srgbClr val="ffffff"/>
-                  </a:solidFill>
-                </a:uFill>
-                <a:latin typeface="TeXGyreSchola"/>
-              </a:rPr>
-              <a:t>e</a:t>
-            </a:r>
-            <a:r>
-              <a:rPr b="0" lang="en-US" sz="4800" spc="-1" strike="noStrike">
-                <a:solidFill>
-                  <a:srgbClr val="000000"/>
-                </a:solidFill>
-                <a:uFill>
-                  <a:solidFill>
-                    <a:srgbClr val="ffffff"/>
-                  </a:solidFill>
-                </a:uFill>
-                <a:latin typeface="TeXGyreSchola"/>
-              </a:rPr>
-              <a:t>l</a:t>
-            </a:r>
-            <a:r>
-              <a:rPr b="0" lang="en-US" sz="4800" spc="-1" strike="noStrike">
-                <a:solidFill>
-                  <a:srgbClr val="000000"/>
-                </a:solidFill>
-                <a:uFill>
-                  <a:solidFill>
-                    <a:srgbClr val="ffffff"/>
-                  </a:solidFill>
-                </a:uFill>
-                <a:latin typeface="TeXGyreSchola"/>
-              </a:rPr>
-              <a:t>l</a:t>
-            </a:r>
-            <a:r>
-              <a:rPr b="0" lang="en-US" sz="4800" spc="-1" strike="noStrike">
-                <a:solidFill>
-                  <a:srgbClr val="000000"/>
-                </a:solidFill>
-                <a:uFill>
-                  <a:solidFill>
-                    <a:srgbClr val="ffffff"/>
-                  </a:solidFill>
-                </a:uFill>
-                <a:latin typeface="TeXGyreSchola"/>
-              </a:rPr>
-              <a:t>’</a:t>
-            </a:r>
-            <a:r>
-              <a:rPr b="0" lang="en-US" sz="4800" spc="-1" strike="noStrike">
-                <a:solidFill>
-                  <a:srgbClr val="000000"/>
-                </a:solidFill>
-                <a:uFill>
-                  <a:solidFill>
-                    <a:srgbClr val="ffffff"/>
-                  </a:solidFill>
-                </a:uFill>
-                <a:latin typeface="TeXGyreSchola"/>
-              </a:rPr>
-              <a:t>s</a:t>
-            </a:r>
-            <a:r>
-              <a:rPr b="0" lang="en-US" sz="4800" spc="-1" strike="noStrike">
-                <a:solidFill>
-                  <a:srgbClr val="000000"/>
-                </a:solidFill>
-                <a:uFill>
-                  <a:solidFill>
-                    <a:srgbClr val="ffffff"/>
-                  </a:solidFill>
-                </a:uFill>
-                <a:latin typeface="TeXGyreSchola"/>
-              </a:rPr>
-              <a:t> </a:t>
-            </a:r>
-            <a:r>
-              <a:rPr b="0" lang="en-US" sz="4800" spc="-1" strike="noStrike">
-                <a:solidFill>
-                  <a:srgbClr val="000000"/>
-                </a:solidFill>
-                <a:uFill>
-                  <a:solidFill>
-                    <a:srgbClr val="ffffff"/>
-                  </a:solidFill>
-                </a:uFill>
-                <a:latin typeface="TeXGyreSchola"/>
-              </a:rPr>
-              <a:t>a</a:t>
-            </a:r>
-            <a:r>
-              <a:rPr b="0" lang="en-US" sz="4800" spc="-1" strike="noStrike">
-                <a:solidFill>
-                  <a:srgbClr val="000000"/>
-                </a:solidFill>
-                <a:uFill>
-                  <a:solidFill>
-                    <a:srgbClr val="ffffff"/>
-                  </a:solidFill>
-                </a:uFill>
-                <a:latin typeface="TeXGyreSchola"/>
-              </a:rPr>
-              <a:t>b</a:t>
-            </a:r>
-            <a:r>
-              <a:rPr b="0" lang="en-US" sz="4800" spc="-1" strike="noStrike">
-                <a:solidFill>
-                  <a:srgbClr val="000000"/>
-                </a:solidFill>
-                <a:uFill>
-                  <a:solidFill>
-                    <a:srgbClr val="ffffff"/>
-                  </a:solidFill>
-                </a:uFill>
-                <a:latin typeface="TeXGyreSchola"/>
-              </a:rPr>
-              <a:t>i</a:t>
-            </a:r>
-            <a:r>
-              <a:rPr b="0" lang="en-US" sz="4800" spc="-1" strike="noStrike">
-                <a:solidFill>
-                  <a:srgbClr val="000000"/>
-                </a:solidFill>
-                <a:uFill>
-                  <a:solidFill>
-                    <a:srgbClr val="ffffff"/>
-                  </a:solidFill>
-                </a:uFill>
-                <a:latin typeface="TeXGyreSchola"/>
-              </a:rPr>
-              <a:t>l</a:t>
-            </a:r>
-            <a:r>
-              <a:rPr b="0" lang="en-US" sz="4800" spc="-1" strike="noStrike">
-                <a:solidFill>
-                  <a:srgbClr val="000000"/>
-                </a:solidFill>
-                <a:uFill>
-                  <a:solidFill>
-                    <a:srgbClr val="ffffff"/>
-                  </a:solidFill>
-                </a:uFill>
-                <a:latin typeface="TeXGyreSchola"/>
-              </a:rPr>
-              <a:t>i</a:t>
-            </a:r>
-            <a:r>
-              <a:rPr b="0" lang="en-US" sz="4800" spc="-1" strike="noStrike">
-                <a:solidFill>
-                  <a:srgbClr val="000000"/>
-                </a:solidFill>
-                <a:uFill>
-                  <a:solidFill>
-                    <a:srgbClr val="ffffff"/>
-                  </a:solidFill>
-                </a:uFill>
-                <a:latin typeface="TeXGyreSchola"/>
-              </a:rPr>
-              <a:t>t</a:t>
-            </a:r>
-            <a:r>
-              <a:rPr b="0" lang="en-US" sz="4800" spc="-1" strike="noStrike">
-                <a:solidFill>
-                  <a:srgbClr val="000000"/>
-                </a:solidFill>
-                <a:uFill>
-                  <a:solidFill>
-                    <a:srgbClr val="ffffff"/>
-                  </a:solidFill>
-                </a:uFill>
-                <a:latin typeface="TeXGyreSchola"/>
-              </a:rPr>
-              <a:t>y</a:t>
-            </a:r>
-            <a:r>
-              <a:rPr b="0" lang="en-US" sz="4800" spc="-1" strike="noStrike">
-                <a:solidFill>
-                  <a:srgbClr val="000000"/>
-                </a:solidFill>
-                <a:uFill>
-                  <a:solidFill>
-                    <a:srgbClr val="ffffff"/>
-                  </a:solidFill>
-                </a:uFill>
-                <a:latin typeface="TeXGyreSchola"/>
-              </a:rPr>
-              <a:t> </a:t>
-            </a:r>
-            <a:r>
-              <a:rPr b="0" lang="en-US" sz="4800" spc="-1" strike="noStrike">
-                <a:solidFill>
-                  <a:srgbClr val="000000"/>
-                </a:solidFill>
-                <a:uFill>
-                  <a:solidFill>
-                    <a:srgbClr val="ffffff"/>
-                  </a:solidFill>
-                </a:uFill>
-                <a:latin typeface="TeXGyreSchola"/>
-              </a:rPr>
-              <a:t>t</a:t>
-            </a:r>
-            <a:r>
-              <a:rPr b="0" lang="en-US" sz="4800" spc="-1" strike="noStrike">
-                <a:solidFill>
-                  <a:srgbClr val="000000"/>
-                </a:solidFill>
-                <a:uFill>
-                  <a:solidFill>
-                    <a:srgbClr val="ffffff"/>
-                  </a:solidFill>
-                </a:uFill>
-                <a:latin typeface="TeXGyreSchola"/>
-              </a:rPr>
-              <a:t>o</a:t>
-            </a:r>
-            <a:r>
-              <a:rPr b="0" lang="en-US" sz="4800" spc="-1" strike="noStrike">
-                <a:solidFill>
-                  <a:srgbClr val="000000"/>
-                </a:solidFill>
-                <a:uFill>
-                  <a:solidFill>
-                    <a:srgbClr val="ffffff"/>
-                  </a:solidFill>
-                </a:uFill>
-                <a:latin typeface="TeXGyreSchola"/>
-              </a:rPr>
-              <a:t> </a:t>
-            </a:r>
-            <a:r>
-              <a:rPr b="0" lang="en-US" sz="4800" spc="-1" strike="noStrike">
-                <a:solidFill>
-                  <a:srgbClr val="000000"/>
-                </a:solidFill>
-                <a:uFill>
-                  <a:solidFill>
-                    <a:srgbClr val="ffffff"/>
-                  </a:solidFill>
-                </a:uFill>
-                <a:latin typeface="TeXGyreSchola"/>
-              </a:rPr>
-              <a:t>m</a:t>
-            </a:r>
-            <a:r>
-              <a:rPr b="0" lang="en-US" sz="4800" spc="-1" strike="noStrike">
-                <a:solidFill>
-                  <a:srgbClr val="000000"/>
-                </a:solidFill>
-                <a:uFill>
-                  <a:solidFill>
-                    <a:srgbClr val="ffffff"/>
-                  </a:solidFill>
-                </a:uFill>
-                <a:latin typeface="TeXGyreSchola"/>
-              </a:rPr>
-              <a:t>o</a:t>
-            </a:r>
-            <a:r>
-              <a:rPr b="0" lang="en-US" sz="4800" spc="-1" strike="noStrike">
-                <a:solidFill>
-                  <a:srgbClr val="000000"/>
-                </a:solidFill>
-                <a:uFill>
-                  <a:solidFill>
-                    <a:srgbClr val="ffffff"/>
-                  </a:solidFill>
-                </a:uFill>
-                <a:latin typeface="TeXGyreSchola"/>
-              </a:rPr>
-              <a:t>v</a:t>
-            </a:r>
-            <a:r>
-              <a:rPr b="0" lang="en-US" sz="4800" spc="-1" strike="noStrike">
-                <a:solidFill>
-                  <a:srgbClr val="000000"/>
-                </a:solidFill>
-                <a:uFill>
-                  <a:solidFill>
-                    <a:srgbClr val="ffffff"/>
-                  </a:solidFill>
-                </a:uFill>
-                <a:latin typeface="TeXGyreSchola"/>
-              </a:rPr>
-              <a:t>e</a:t>
-            </a:r>
-            <a:r>
-              <a:rPr b="0" lang="en-US" sz="4800" spc="-1" strike="noStrike">
-                <a:solidFill>
-                  <a:srgbClr val="000000"/>
-                </a:solidFill>
-                <a:uFill>
-                  <a:solidFill>
-                    <a:srgbClr val="ffffff"/>
-                  </a:solidFill>
-                </a:uFill>
-                <a:latin typeface="TeXGyreSchola"/>
-              </a:rPr>
-              <a:t>,</a:t>
-            </a:r>
-            <a:r>
-              <a:rPr b="0" lang="en-US" sz="4800" spc="-1" strike="noStrike">
-                <a:solidFill>
-                  <a:srgbClr val="000000"/>
-                </a:solidFill>
-                <a:uFill>
-                  <a:solidFill>
-                    <a:srgbClr val="ffffff"/>
-                  </a:solidFill>
-                </a:uFill>
-                <a:latin typeface="TeXGyreSchola"/>
-              </a:rPr>
-              <a:t> </a:t>
-            </a:r>
-            <a:r>
-              <a:rPr b="0" lang="en-US" sz="4800" spc="-1" strike="noStrike">
-                <a:solidFill>
-                  <a:srgbClr val="000000"/>
-                </a:solidFill>
-                <a:uFill>
-                  <a:solidFill>
-                    <a:srgbClr val="ffffff"/>
-                  </a:solidFill>
-                </a:uFill>
-                <a:latin typeface="TeXGyreSchola"/>
-              </a:rPr>
-              <a:t>d</a:t>
-            </a:r>
-            <a:r>
-              <a:rPr b="0" lang="en-US" sz="4800" spc="-1" strike="noStrike">
-                <a:solidFill>
-                  <a:srgbClr val="000000"/>
-                </a:solidFill>
-                <a:uFill>
-                  <a:solidFill>
-                    <a:srgbClr val="ffffff"/>
-                  </a:solidFill>
-                </a:uFill>
-                <a:latin typeface="TeXGyreSchola"/>
-              </a:rPr>
-              <a:t>i</a:t>
-            </a:r>
-            <a:r>
-              <a:rPr b="0" lang="en-US" sz="4800" spc="-1" strike="noStrike">
-                <a:solidFill>
-                  <a:srgbClr val="000000"/>
-                </a:solidFill>
-                <a:uFill>
-                  <a:solidFill>
-                    <a:srgbClr val="ffffff"/>
-                  </a:solidFill>
-                </a:uFill>
-                <a:latin typeface="TeXGyreSchola"/>
-              </a:rPr>
-              <a:t>v</a:t>
-            </a:r>
-            <a:r>
-              <a:rPr b="0" lang="en-US" sz="4800" spc="-1" strike="noStrike">
-                <a:solidFill>
-                  <a:srgbClr val="000000"/>
-                </a:solidFill>
-                <a:uFill>
-                  <a:solidFill>
-                    <a:srgbClr val="ffffff"/>
-                  </a:solidFill>
-                </a:uFill>
-                <a:latin typeface="TeXGyreSchola"/>
-              </a:rPr>
-              <a:t>i</a:t>
-            </a:r>
-            <a:r>
-              <a:rPr b="0" lang="en-US" sz="4800" spc="-1" strike="noStrike">
-                <a:solidFill>
-                  <a:srgbClr val="000000"/>
-                </a:solidFill>
-                <a:uFill>
-                  <a:solidFill>
-                    <a:srgbClr val="ffffff"/>
-                  </a:solidFill>
-                </a:uFill>
-                <a:latin typeface="TeXGyreSchola"/>
-              </a:rPr>
-              <a:t>d</a:t>
-            </a:r>
-            <a:r>
-              <a:rPr b="0" lang="en-US" sz="4800" spc="-1" strike="noStrike">
-                <a:solidFill>
-                  <a:srgbClr val="000000"/>
-                </a:solidFill>
-                <a:uFill>
-                  <a:solidFill>
-                    <a:srgbClr val="ffffff"/>
-                  </a:solidFill>
-                </a:uFill>
-                <a:latin typeface="TeXGyreSchola"/>
-              </a:rPr>
-              <a:t>e</a:t>
-            </a:r>
-            <a:r>
-              <a:rPr b="0" lang="en-US" sz="4800" spc="-1" strike="noStrike">
-                <a:solidFill>
-                  <a:srgbClr val="000000"/>
-                </a:solidFill>
-                <a:uFill>
-                  <a:solidFill>
-                    <a:srgbClr val="ffffff"/>
-                  </a:solidFill>
-                </a:uFill>
-                <a:latin typeface="TeXGyreSchola"/>
-              </a:rPr>
-              <a:t>,</a:t>
-            </a:r>
-            <a:r>
-              <a:rPr b="0" lang="en-US" sz="4800" spc="-1" strike="noStrike">
-                <a:solidFill>
-                  <a:srgbClr val="000000"/>
-                </a:solidFill>
-                <a:uFill>
-                  <a:solidFill>
-                    <a:srgbClr val="ffffff"/>
-                  </a:solidFill>
-                </a:uFill>
-                <a:latin typeface="TeXGyreSchola"/>
-              </a:rPr>
-              <a:t> </a:t>
-            </a:r>
-            <a:r>
-              <a:rPr b="0" lang="en-US" sz="4800" spc="-1" strike="noStrike">
-                <a:solidFill>
-                  <a:srgbClr val="000000"/>
-                </a:solidFill>
-                <a:uFill>
-                  <a:solidFill>
-                    <a:srgbClr val="ffffff"/>
-                  </a:solidFill>
-                </a:uFill>
-                <a:latin typeface="TeXGyreSchola"/>
-              </a:rPr>
-              <a:t>a</a:t>
-            </a:r>
-            <a:r>
-              <a:rPr b="0" lang="en-US" sz="4800" spc="-1" strike="noStrike">
-                <a:solidFill>
-                  <a:srgbClr val="000000"/>
-                </a:solidFill>
-                <a:uFill>
-                  <a:solidFill>
-                    <a:srgbClr val="ffffff"/>
-                  </a:solidFill>
-                </a:uFill>
-                <a:latin typeface="TeXGyreSchola"/>
-              </a:rPr>
-              <a:t>n</a:t>
-            </a:r>
-            <a:r>
-              <a:rPr b="0" lang="en-US" sz="4800" spc="-1" strike="noStrike">
-                <a:solidFill>
-                  <a:srgbClr val="000000"/>
-                </a:solidFill>
-                <a:uFill>
-                  <a:solidFill>
-                    <a:srgbClr val="ffffff"/>
-                  </a:solidFill>
-                </a:uFill>
-                <a:latin typeface="TeXGyreSchola"/>
-              </a:rPr>
-              <a:t>d</a:t>
-            </a:r>
-            <a:r>
-              <a:rPr b="0" lang="en-US" sz="4800" spc="-1" strike="noStrike">
-                <a:solidFill>
-                  <a:srgbClr val="000000"/>
-                </a:solidFill>
-                <a:uFill>
-                  <a:solidFill>
-                    <a:srgbClr val="ffffff"/>
-                  </a:solidFill>
-                </a:uFill>
-                <a:latin typeface="TeXGyreSchola"/>
-              </a:rPr>
-              <a:t> </a:t>
-            </a:r>
-            <a:r>
-              <a:rPr b="0" lang="en-US" sz="4800" spc="-1" strike="noStrike">
-                <a:solidFill>
-                  <a:srgbClr val="000000"/>
-                </a:solidFill>
-                <a:uFill>
-                  <a:solidFill>
-                    <a:srgbClr val="ffffff"/>
-                  </a:solidFill>
-                </a:uFill>
-                <a:latin typeface="TeXGyreSchola"/>
-              </a:rPr>
-              <a:t>s</a:t>
-            </a:r>
-            <a:r>
-              <a:rPr b="0" lang="en-US" sz="4800" spc="-1" strike="noStrike">
-                <a:solidFill>
-                  <a:srgbClr val="000000"/>
-                </a:solidFill>
-                <a:uFill>
-                  <a:solidFill>
-                    <a:srgbClr val="ffffff"/>
-                  </a:solidFill>
-                </a:uFill>
-                <a:latin typeface="TeXGyreSchola"/>
-              </a:rPr>
-              <a:t>p</a:t>
-            </a:r>
-            <a:r>
-              <a:rPr b="0" lang="en-US" sz="4800" spc="-1" strike="noStrike">
-                <a:solidFill>
-                  <a:srgbClr val="000000"/>
-                </a:solidFill>
-                <a:uFill>
-                  <a:solidFill>
-                    <a:srgbClr val="ffffff"/>
-                  </a:solidFill>
-                </a:uFill>
-                <a:latin typeface="TeXGyreSchola"/>
-              </a:rPr>
-              <a:t>a</a:t>
-            </a:r>
-            <a:r>
-              <a:rPr b="0" lang="en-US" sz="4800" spc="-1" strike="noStrike">
-                <a:solidFill>
-                  <a:srgbClr val="000000"/>
-                </a:solidFill>
-                <a:uFill>
-                  <a:solidFill>
-                    <a:srgbClr val="ffffff"/>
-                  </a:solidFill>
-                </a:uFill>
-                <a:latin typeface="TeXGyreSchola"/>
-              </a:rPr>
-              <a:t>t</a:t>
-            </a:r>
-            <a:r>
-              <a:rPr b="0" lang="en-US" sz="4800" spc="-1" strike="noStrike">
-                <a:solidFill>
-                  <a:srgbClr val="000000"/>
-                </a:solidFill>
-                <a:uFill>
-                  <a:solidFill>
-                    <a:srgbClr val="ffffff"/>
-                  </a:solidFill>
-                </a:uFill>
-                <a:latin typeface="TeXGyreSchola"/>
-              </a:rPr>
-              <a:t>i</a:t>
-            </a:r>
-            <a:r>
-              <a:rPr b="0" lang="en-US" sz="4800" spc="-1" strike="noStrike">
-                <a:solidFill>
-                  <a:srgbClr val="000000"/>
-                </a:solidFill>
-                <a:uFill>
-                  <a:solidFill>
-                    <a:srgbClr val="ffffff"/>
-                  </a:solidFill>
-                </a:uFill>
-                <a:latin typeface="TeXGyreSchola"/>
-              </a:rPr>
-              <a:t>a</a:t>
-            </a:r>
-            <a:r>
-              <a:rPr b="0" lang="en-US" sz="4800" spc="-1" strike="noStrike">
-                <a:solidFill>
-                  <a:srgbClr val="000000"/>
-                </a:solidFill>
-                <a:uFill>
-                  <a:solidFill>
-                    <a:srgbClr val="ffffff"/>
-                  </a:solidFill>
-                </a:uFill>
-                <a:latin typeface="TeXGyreSchola"/>
-              </a:rPr>
-              <a:t>l</a:t>
-            </a:r>
-            <a:r>
-              <a:rPr b="0" lang="en-US" sz="4800" spc="-1" strike="noStrike">
-                <a:solidFill>
-                  <a:srgbClr val="000000"/>
-                </a:solidFill>
-                <a:uFill>
-                  <a:solidFill>
-                    <a:srgbClr val="ffffff"/>
-                  </a:solidFill>
-                </a:uFill>
-                <a:latin typeface="TeXGyreSchola"/>
-              </a:rPr>
-              <a:t>l</a:t>
-            </a:r>
-            <a:r>
-              <a:rPr b="0" lang="en-US" sz="4800" spc="-1" strike="noStrike">
-                <a:solidFill>
-                  <a:srgbClr val="000000"/>
-                </a:solidFill>
-                <a:uFill>
-                  <a:solidFill>
-                    <a:srgbClr val="ffffff"/>
-                  </a:solidFill>
-                </a:uFill>
-                <a:latin typeface="TeXGyreSchola"/>
-              </a:rPr>
-              <a:t>y</a:t>
-            </a:r>
-            <a:r>
-              <a:rPr b="0" lang="en-US" sz="4800" spc="-1" strike="noStrike">
-                <a:solidFill>
-                  <a:srgbClr val="000000"/>
-                </a:solidFill>
-                <a:uFill>
-                  <a:solidFill>
-                    <a:srgbClr val="ffffff"/>
-                  </a:solidFill>
-                </a:uFill>
-                <a:latin typeface="TeXGyreSchola"/>
-              </a:rPr>
-              <a:t> </a:t>
-            </a:r>
-            <a:r>
-              <a:rPr b="0" lang="en-US" sz="4800" spc="-1" strike="noStrike">
-                <a:solidFill>
-                  <a:srgbClr val="000000"/>
-                </a:solidFill>
-                <a:uFill>
-                  <a:solidFill>
-                    <a:srgbClr val="ffffff"/>
-                  </a:solidFill>
-                </a:uFill>
-                <a:latin typeface="TeXGyreSchola"/>
-              </a:rPr>
-              <a:t>o</a:t>
-            </a:r>
-            <a:r>
-              <a:rPr b="0" lang="en-US" sz="4800" spc="-1" strike="noStrike">
-                <a:solidFill>
-                  <a:srgbClr val="000000"/>
-                </a:solidFill>
-                <a:uFill>
-                  <a:solidFill>
-                    <a:srgbClr val="ffffff"/>
-                  </a:solidFill>
-                </a:uFill>
-                <a:latin typeface="TeXGyreSchola"/>
-              </a:rPr>
-              <a:t>r</a:t>
-            </a:r>
-            <a:r>
-              <a:rPr b="0" lang="en-US" sz="4800" spc="-1" strike="noStrike">
-                <a:solidFill>
-                  <a:srgbClr val="000000"/>
-                </a:solidFill>
-                <a:uFill>
-                  <a:solidFill>
-                    <a:srgbClr val="ffffff"/>
-                  </a:solidFill>
-                </a:uFill>
-                <a:latin typeface="TeXGyreSchola"/>
-              </a:rPr>
-              <a:t>g</a:t>
-            </a:r>
-            <a:r>
-              <a:rPr b="0" lang="en-US" sz="4800" spc="-1" strike="noStrike">
-                <a:solidFill>
-                  <a:srgbClr val="000000"/>
-                </a:solidFill>
-                <a:uFill>
-                  <a:solidFill>
-                    <a:srgbClr val="ffffff"/>
-                  </a:solidFill>
-                </a:uFill>
-                <a:latin typeface="TeXGyreSchola"/>
-              </a:rPr>
-              <a:t>a</a:t>
-            </a:r>
-            <a:r>
-              <a:rPr b="0" lang="en-US" sz="4800" spc="-1" strike="noStrike">
-                <a:solidFill>
-                  <a:srgbClr val="000000"/>
-                </a:solidFill>
-                <a:uFill>
-                  <a:solidFill>
-                    <a:srgbClr val="ffffff"/>
-                  </a:solidFill>
-                </a:uFill>
-                <a:latin typeface="TeXGyreSchola"/>
-              </a:rPr>
-              <a:t>n</a:t>
-            </a:r>
-            <a:r>
-              <a:rPr b="0" lang="en-US" sz="4800" spc="-1" strike="noStrike">
-                <a:solidFill>
-                  <a:srgbClr val="000000"/>
-                </a:solidFill>
-                <a:uFill>
-                  <a:solidFill>
-                    <a:srgbClr val="ffffff"/>
-                  </a:solidFill>
-                </a:uFill>
-                <a:latin typeface="TeXGyreSchola"/>
-              </a:rPr>
-              <a:t>i</a:t>
-            </a:r>
-            <a:r>
-              <a:rPr b="0" lang="en-US" sz="4800" spc="-1" strike="noStrike">
-                <a:solidFill>
-                  <a:srgbClr val="000000"/>
-                </a:solidFill>
-                <a:uFill>
-                  <a:solidFill>
-                    <a:srgbClr val="ffffff"/>
-                  </a:solidFill>
-                </a:uFill>
-                <a:latin typeface="TeXGyreSchola"/>
-              </a:rPr>
-              <a:t>z</a:t>
-            </a:r>
-            <a:r>
-              <a:rPr b="0" lang="en-US" sz="4800" spc="-1" strike="noStrike">
-                <a:solidFill>
-                  <a:srgbClr val="000000"/>
-                </a:solidFill>
-                <a:uFill>
-                  <a:solidFill>
-                    <a:srgbClr val="ffffff"/>
-                  </a:solidFill>
-                </a:uFill>
-                <a:latin typeface="TeXGyreSchola"/>
-              </a:rPr>
-              <a:t>e</a:t>
-            </a:r>
-            <a:r>
-              <a:rPr b="0" lang="en-US" sz="4800" spc="-1" strike="noStrike">
-                <a:solidFill>
-                  <a:srgbClr val="000000"/>
-                </a:solidFill>
-                <a:uFill>
-                  <a:solidFill>
-                    <a:srgbClr val="ffffff"/>
-                  </a:solidFill>
-                </a:uFill>
-                <a:latin typeface="TeXGyreSchola"/>
-              </a:rPr>
-              <a:t> </a:t>
-            </a:r>
-            <a:r>
-              <a:rPr b="0" lang="en-US" sz="4800" spc="-1" strike="noStrike">
-                <a:solidFill>
-                  <a:srgbClr val="000000"/>
-                </a:solidFill>
-                <a:uFill>
-                  <a:solidFill>
-                    <a:srgbClr val="ffffff"/>
-                  </a:solidFill>
-                </a:uFill>
-                <a:latin typeface="TeXGyreSchola"/>
-              </a:rPr>
-              <a:t>i</a:t>
-            </a:r>
-            <a:r>
-              <a:rPr b="0" lang="en-US" sz="4800" spc="-1" strike="noStrike">
-                <a:solidFill>
-                  <a:srgbClr val="000000"/>
-                </a:solidFill>
-                <a:uFill>
-                  <a:solidFill>
-                    <a:srgbClr val="ffffff"/>
-                  </a:solidFill>
-                </a:uFill>
-                <a:latin typeface="TeXGyreSchola"/>
-              </a:rPr>
-              <a:t>t</a:t>
-            </a:r>
-            <a:r>
-              <a:rPr b="0" lang="en-US" sz="4800" spc="-1" strike="noStrike">
-                <a:solidFill>
-                  <a:srgbClr val="000000"/>
-                </a:solidFill>
-                <a:uFill>
-                  <a:solidFill>
-                    <a:srgbClr val="ffffff"/>
-                  </a:solidFill>
-                </a:uFill>
-                <a:latin typeface="TeXGyreSchola"/>
-              </a:rPr>
-              <a:t>s</a:t>
-            </a:r>
-            <a:r>
-              <a:rPr b="0" lang="en-US" sz="4800" spc="-1" strike="noStrike">
-                <a:solidFill>
-                  <a:srgbClr val="000000"/>
-                </a:solidFill>
-                <a:uFill>
-                  <a:solidFill>
-                    <a:srgbClr val="ffffff"/>
-                  </a:solidFill>
-                </a:uFill>
-                <a:latin typeface="TeXGyreSchola"/>
-              </a:rPr>
-              <a:t>e</a:t>
-            </a:r>
-            <a:r>
-              <a:rPr b="0" lang="en-US" sz="4800" spc="-1" strike="noStrike">
-                <a:solidFill>
-                  <a:srgbClr val="000000"/>
-                </a:solidFill>
-                <a:uFill>
-                  <a:solidFill>
-                    <a:srgbClr val="ffffff"/>
-                  </a:solidFill>
-                </a:uFill>
-                <a:latin typeface="TeXGyreSchola"/>
-              </a:rPr>
-              <a:t>l</a:t>
-            </a:r>
-            <a:r>
-              <a:rPr b="0" lang="en-US" sz="4800" spc="-1" strike="noStrike">
-                <a:solidFill>
-                  <a:srgbClr val="000000"/>
-                </a:solidFill>
-                <a:uFill>
-                  <a:solidFill>
-                    <a:srgbClr val="ffffff"/>
-                  </a:solidFill>
-                </a:uFill>
-                <a:latin typeface="TeXGyreSchola"/>
-              </a:rPr>
-              <a:t>f</a:t>
-            </a:r>
-            <a:r>
-              <a:rPr b="0" lang="en-US" sz="4800" spc="-1" strike="noStrike">
-                <a:solidFill>
-                  <a:srgbClr val="000000"/>
-                </a:solidFill>
-                <a:uFill>
-                  <a:solidFill>
-                    <a:srgbClr val="ffffff"/>
-                  </a:solidFill>
-                </a:uFill>
-                <a:latin typeface="TeXGyreSchola"/>
-              </a:rPr>
-              <a:t>.</a:t>
-            </a:r>
-            <a:r>
-              <a:rPr b="0" lang="en-US" sz="4800" spc="-1" strike="noStrike">
-                <a:solidFill>
-                  <a:srgbClr val="000000"/>
-                </a:solidFill>
-                <a:uFill>
-                  <a:solidFill>
-                    <a:srgbClr val="ffffff"/>
-                  </a:solidFill>
-                </a:uFill>
-                <a:latin typeface="TeXGyreSchola"/>
-              </a:rPr>
-              <a:t> </a:t>
-            </a:r>
-            <a:r>
-              <a:rPr b="0" lang="en-US" sz="4800" spc="-1" strike="noStrike">
-                <a:solidFill>
-                  <a:srgbClr val="000000"/>
-                </a:solidFill>
-                <a:uFill>
-                  <a:solidFill>
-                    <a:srgbClr val="ffffff"/>
-                  </a:solidFill>
-                </a:uFill>
-                <a:latin typeface="TeXGyreSchola"/>
-              </a:rPr>
-              <a:t>T</a:t>
-            </a:r>
-            <a:r>
-              <a:rPr b="0" lang="en-US" sz="4800" spc="-1" strike="noStrike">
-                <a:solidFill>
-                  <a:srgbClr val="000000"/>
-                </a:solidFill>
-                <a:uFill>
-                  <a:solidFill>
-                    <a:srgbClr val="ffffff"/>
-                  </a:solidFill>
-                </a:uFill>
-                <a:latin typeface="TeXGyreSchola"/>
-              </a:rPr>
-              <a:t>h</a:t>
-            </a:r>
-            <a:r>
-              <a:rPr b="0" lang="en-US" sz="4800" spc="-1" strike="noStrike">
-                <a:solidFill>
-                  <a:srgbClr val="000000"/>
-                </a:solidFill>
-                <a:uFill>
-                  <a:solidFill>
-                    <a:srgbClr val="ffffff"/>
-                  </a:solidFill>
-                </a:uFill>
-                <a:latin typeface="TeXGyreSchola"/>
-              </a:rPr>
-              <a:t>e</a:t>
-            </a:r>
-            <a:r>
-              <a:rPr b="0" lang="en-US" sz="4800" spc="-1" strike="noStrike">
-                <a:solidFill>
-                  <a:srgbClr val="000000"/>
-                </a:solidFill>
-                <a:uFill>
-                  <a:solidFill>
-                    <a:srgbClr val="ffffff"/>
-                  </a:solidFill>
-                </a:uFill>
-                <a:latin typeface="TeXGyreSchola"/>
-              </a:rPr>
-              <a:t>y</a:t>
-            </a:r>
-            <a:r>
-              <a:rPr b="0" lang="en-US" sz="4800" spc="-1" strike="noStrike">
-                <a:solidFill>
-                  <a:srgbClr val="000000"/>
-                </a:solidFill>
-                <a:uFill>
-                  <a:solidFill>
-                    <a:srgbClr val="ffffff"/>
-                  </a:solidFill>
-                </a:uFill>
-                <a:latin typeface="TeXGyreSchola"/>
-              </a:rPr>
-              <a:t> </a:t>
-            </a:r>
-            <a:r>
-              <a:rPr b="0" lang="en-US" sz="4800" spc="-1" strike="noStrike">
-                <a:solidFill>
-                  <a:srgbClr val="000000"/>
-                </a:solidFill>
-                <a:uFill>
-                  <a:solidFill>
-                    <a:srgbClr val="ffffff"/>
-                  </a:solidFill>
-                </a:uFill>
-                <a:latin typeface="TeXGyreSchola"/>
-              </a:rPr>
-              <a:t>c</a:t>
-            </a:r>
-            <a:r>
-              <a:rPr b="0" lang="en-US" sz="4800" spc="-1" strike="noStrike">
-                <a:solidFill>
-                  <a:srgbClr val="000000"/>
-                </a:solidFill>
-                <a:uFill>
-                  <a:solidFill>
-                    <a:srgbClr val="ffffff"/>
-                  </a:solidFill>
-                </a:uFill>
-                <a:latin typeface="TeXGyreSchola"/>
-              </a:rPr>
-              <a:t>o</a:t>
-            </a:r>
-            <a:r>
-              <a:rPr b="0" lang="en-US" sz="4800" spc="-1" strike="noStrike">
-                <a:solidFill>
-                  <a:srgbClr val="000000"/>
-                </a:solidFill>
-                <a:uFill>
-                  <a:solidFill>
-                    <a:srgbClr val="ffffff"/>
-                  </a:solidFill>
-                </a:uFill>
-                <a:latin typeface="TeXGyreSchola"/>
-              </a:rPr>
-              <a:t>n</a:t>
-            </a:r>
-            <a:r>
-              <a:rPr b="0" lang="en-US" sz="4800" spc="-1" strike="noStrike">
-                <a:solidFill>
-                  <a:srgbClr val="000000"/>
-                </a:solidFill>
-                <a:uFill>
-                  <a:solidFill>
-                    <a:srgbClr val="ffffff"/>
-                  </a:solidFill>
-                </a:uFill>
-                <a:latin typeface="TeXGyreSchola"/>
-              </a:rPr>
-              <a:t>v</a:t>
-            </a:r>
-            <a:r>
-              <a:rPr b="0" lang="en-US" sz="4800" spc="-1" strike="noStrike">
-                <a:solidFill>
-                  <a:srgbClr val="000000"/>
-                </a:solidFill>
-                <a:uFill>
-                  <a:solidFill>
-                    <a:srgbClr val="ffffff"/>
-                  </a:solidFill>
-                </a:uFill>
-                <a:latin typeface="TeXGyreSchola"/>
-              </a:rPr>
-              <a:t>e</a:t>
-            </a:r>
-            <a:r>
-              <a:rPr b="0" lang="en-US" sz="4800" spc="-1" strike="noStrike">
-                <a:solidFill>
-                  <a:srgbClr val="000000"/>
-                </a:solidFill>
-                <a:uFill>
-                  <a:solidFill>
-                    <a:srgbClr val="ffffff"/>
-                  </a:solidFill>
-                </a:uFill>
-                <a:latin typeface="TeXGyreSchola"/>
-              </a:rPr>
-              <a:t>y</a:t>
-            </a:r>
-            <a:r>
-              <a:rPr b="0" lang="en-US" sz="4800" spc="-1" strike="noStrike">
-                <a:solidFill>
-                  <a:srgbClr val="000000"/>
-                </a:solidFill>
-                <a:uFill>
-                  <a:solidFill>
-                    <a:srgbClr val="ffffff"/>
-                  </a:solidFill>
-                </a:uFill>
-                <a:latin typeface="TeXGyreSchola"/>
-              </a:rPr>
-              <a:t> </a:t>
-            </a:r>
-            <a:r>
-              <a:rPr b="0" lang="en-US" sz="4800" spc="-1" strike="noStrike">
-                <a:solidFill>
-                  <a:srgbClr val="000000"/>
-                </a:solidFill>
-                <a:uFill>
-                  <a:solidFill>
-                    <a:srgbClr val="ffffff"/>
-                  </a:solidFill>
-                </a:uFill>
-                <a:latin typeface="TeXGyreSchola"/>
-              </a:rPr>
-              <a:t>c</a:t>
-            </a:r>
-            <a:r>
-              <a:rPr b="0" lang="en-US" sz="4800" spc="-1" strike="noStrike">
-                <a:solidFill>
-                  <a:srgbClr val="000000"/>
-                </a:solidFill>
-                <a:uFill>
-                  <a:solidFill>
-                    <a:srgbClr val="ffffff"/>
-                  </a:solidFill>
-                </a:uFill>
-                <a:latin typeface="TeXGyreSchola"/>
-              </a:rPr>
-              <a:t>a</a:t>
-            </a:r>
-            <a:r>
-              <a:rPr b="0" lang="en-US" sz="4800" spc="-1" strike="noStrike">
-                <a:solidFill>
-                  <a:srgbClr val="000000"/>
-                </a:solidFill>
-                <a:uFill>
-                  <a:solidFill>
-                    <a:srgbClr val="ffffff"/>
-                  </a:solidFill>
-                </a:uFill>
-                <a:latin typeface="TeXGyreSchola"/>
-              </a:rPr>
-              <a:t>r</a:t>
-            </a:r>
-            <a:r>
-              <a:rPr b="0" lang="en-US" sz="4800" spc="-1" strike="noStrike">
-                <a:solidFill>
-                  <a:srgbClr val="000000"/>
-                </a:solidFill>
-                <a:uFill>
-                  <a:solidFill>
-                    <a:srgbClr val="ffffff"/>
-                  </a:solidFill>
-                </a:uFill>
-                <a:latin typeface="TeXGyreSchola"/>
-              </a:rPr>
-              <a:t>g</a:t>
-            </a:r>
-            <a:r>
-              <a:rPr b="0" lang="en-US" sz="4800" spc="-1" strike="noStrike">
-                <a:solidFill>
-                  <a:srgbClr val="000000"/>
-                </a:solidFill>
-                <a:uFill>
-                  <a:solidFill>
-                    <a:srgbClr val="ffffff"/>
-                  </a:solidFill>
-                </a:uFill>
-                <a:latin typeface="TeXGyreSchola"/>
-              </a:rPr>
-              <a:t>o</a:t>
-            </a:r>
-            <a:r>
-              <a:rPr b="0" lang="en-US" sz="4800" spc="-1" strike="noStrike">
-                <a:solidFill>
-                  <a:srgbClr val="000000"/>
-                </a:solidFill>
-                <a:uFill>
-                  <a:solidFill>
-                    <a:srgbClr val="ffffff"/>
-                  </a:solidFill>
-                </a:uFill>
-                <a:latin typeface="TeXGyreSchola"/>
-              </a:rPr>
-              <a:t> </a:t>
-            </a:r>
-            <a:r>
-              <a:rPr b="0" lang="en-US" sz="4800" spc="-1" strike="noStrike">
-                <a:solidFill>
-                  <a:srgbClr val="000000"/>
-                </a:solidFill>
-                <a:uFill>
-                  <a:solidFill>
-                    <a:srgbClr val="ffffff"/>
-                  </a:solidFill>
-                </a:uFill>
-                <a:latin typeface="TeXGyreSchola"/>
-              </a:rPr>
-              <a:t>a</a:t>
-            </a:r>
-            <a:r>
-              <a:rPr b="0" lang="en-US" sz="4800" spc="-1" strike="noStrike">
-                <a:solidFill>
-                  <a:srgbClr val="000000"/>
-                </a:solidFill>
-                <a:uFill>
-                  <a:solidFill>
-                    <a:srgbClr val="ffffff"/>
-                  </a:solidFill>
-                </a:uFill>
-                <a:latin typeface="TeXGyreSchola"/>
-              </a:rPr>
-              <a:t>l</a:t>
-            </a:r>
-            <a:r>
-              <a:rPr b="0" lang="en-US" sz="4800" spc="-1" strike="noStrike">
-                <a:solidFill>
-                  <a:srgbClr val="000000"/>
-                </a:solidFill>
-                <a:uFill>
-                  <a:solidFill>
-                    <a:srgbClr val="ffffff"/>
-                  </a:solidFill>
-                </a:uFill>
-                <a:latin typeface="TeXGyreSchola"/>
-              </a:rPr>
-              <a:t>o</a:t>
-            </a:r>
-            <a:r>
-              <a:rPr b="0" lang="en-US" sz="4800" spc="-1" strike="noStrike">
-                <a:solidFill>
-                  <a:srgbClr val="000000"/>
-                </a:solidFill>
-                <a:uFill>
-                  <a:solidFill>
-                    <a:srgbClr val="ffffff"/>
-                  </a:solidFill>
-                </a:uFill>
-                <a:latin typeface="TeXGyreSchola"/>
-              </a:rPr>
-              <a:t>n</a:t>
-            </a:r>
-            <a:r>
-              <a:rPr b="0" lang="en-US" sz="4800" spc="-1" strike="noStrike">
-                <a:solidFill>
-                  <a:srgbClr val="000000"/>
-                </a:solidFill>
-                <a:uFill>
-                  <a:solidFill>
-                    <a:srgbClr val="ffffff"/>
-                  </a:solidFill>
-                </a:uFill>
-                <a:latin typeface="TeXGyreSchola"/>
-              </a:rPr>
-              <a:t>g</a:t>
-            </a:r>
-            <a:r>
-              <a:rPr b="0" lang="en-US" sz="4800" spc="-1" strike="noStrike">
-                <a:solidFill>
-                  <a:srgbClr val="000000"/>
-                </a:solidFill>
-                <a:uFill>
-                  <a:solidFill>
-                    <a:srgbClr val="ffffff"/>
-                  </a:solidFill>
-                </a:uFill>
-                <a:latin typeface="TeXGyreSchola"/>
-              </a:rPr>
-              <a:t> </a:t>
-            </a:r>
-            <a:r>
-              <a:rPr b="0" lang="en-US" sz="4800" spc="-1" strike="noStrike">
-                <a:solidFill>
-                  <a:srgbClr val="000000"/>
-                </a:solidFill>
-                <a:uFill>
-                  <a:solidFill>
-                    <a:srgbClr val="ffffff"/>
-                  </a:solidFill>
-                </a:uFill>
-                <a:latin typeface="TeXGyreSchola"/>
-              </a:rPr>
-              <a:t>a</a:t>
-            </a:r>
-            <a:r>
-              <a:rPr b="0" lang="en-US" sz="4800" spc="-1" strike="noStrike">
-                <a:solidFill>
-                  <a:srgbClr val="000000"/>
-                </a:solidFill>
-                <a:uFill>
-                  <a:solidFill>
-                    <a:srgbClr val="ffffff"/>
-                  </a:solidFill>
-                </a:uFill>
-                <a:latin typeface="TeXGyreSchola"/>
-              </a:rPr>
-              <a:t> </a:t>
-            </a:r>
-            <a:r>
-              <a:rPr b="0" lang="en-US" sz="4800" spc="-1" strike="noStrike">
-                <a:solidFill>
-                  <a:srgbClr val="000000"/>
-                </a:solidFill>
-                <a:uFill>
-                  <a:solidFill>
-                    <a:srgbClr val="ffffff"/>
-                  </a:solidFill>
-                </a:uFill>
-                <a:latin typeface="TeXGyreSchola"/>
-              </a:rPr>
-              <a:t>p</a:t>
-            </a:r>
-            <a:r>
-              <a:rPr b="0" lang="en-US" sz="4800" spc="-1" strike="noStrike">
-                <a:solidFill>
-                  <a:srgbClr val="000000"/>
-                </a:solidFill>
-                <a:uFill>
-                  <a:solidFill>
-                    <a:srgbClr val="ffffff"/>
-                  </a:solidFill>
-                </a:uFill>
-                <a:latin typeface="TeXGyreSchola"/>
-              </a:rPr>
-              <a:t>r</a:t>
-            </a:r>
-            <a:r>
-              <a:rPr b="0" lang="en-US" sz="4800" spc="-1" strike="noStrike">
-                <a:solidFill>
-                  <a:srgbClr val="000000"/>
-                </a:solidFill>
-                <a:uFill>
-                  <a:solidFill>
-                    <a:srgbClr val="ffffff"/>
-                  </a:solidFill>
-                </a:uFill>
-                <a:latin typeface="TeXGyreSchola"/>
-              </a:rPr>
-              <a:t>o</a:t>
-            </a:r>
-            <a:r>
-              <a:rPr b="0" lang="en-US" sz="4800" spc="-1" strike="noStrike">
-                <a:solidFill>
-                  <a:srgbClr val="000000"/>
-                </a:solidFill>
-                <a:uFill>
-                  <a:solidFill>
-                    <a:srgbClr val="ffffff"/>
-                  </a:solidFill>
-                </a:uFill>
-                <a:latin typeface="TeXGyreSchola"/>
-              </a:rPr>
-              <a:t>t</a:t>
-            </a:r>
-            <a:r>
-              <a:rPr b="0" lang="en-US" sz="4800" spc="-1" strike="noStrike">
-                <a:solidFill>
-                  <a:srgbClr val="000000"/>
-                </a:solidFill>
-                <a:uFill>
-                  <a:solidFill>
-                    <a:srgbClr val="ffffff"/>
-                  </a:solidFill>
-                </a:uFill>
-                <a:latin typeface="TeXGyreSchola"/>
-              </a:rPr>
-              <a:t>e</a:t>
-            </a:r>
-            <a:r>
-              <a:rPr b="0" lang="en-US" sz="4800" spc="-1" strike="noStrike">
-                <a:solidFill>
-                  <a:srgbClr val="000000"/>
-                </a:solidFill>
-                <a:uFill>
-                  <a:solidFill>
-                    <a:srgbClr val="ffffff"/>
-                  </a:solidFill>
-                </a:uFill>
-                <a:latin typeface="TeXGyreSchola"/>
-              </a:rPr>
-              <a:t>i</a:t>
-            </a:r>
-            <a:r>
-              <a:rPr b="0" lang="en-US" sz="4800" spc="-1" strike="noStrike">
-                <a:solidFill>
-                  <a:srgbClr val="000000"/>
-                </a:solidFill>
-                <a:uFill>
-                  <a:solidFill>
-                    <a:srgbClr val="ffffff"/>
-                  </a:solidFill>
-                </a:uFill>
-                <a:latin typeface="TeXGyreSchola"/>
-              </a:rPr>
-              <a:t>n</a:t>
-            </a:r>
-            <a:r>
-              <a:rPr b="0" lang="en-US" sz="4800" spc="-1" strike="noStrike">
-                <a:solidFill>
-                  <a:srgbClr val="000000"/>
-                </a:solidFill>
-                <a:uFill>
-                  <a:solidFill>
-                    <a:srgbClr val="ffffff"/>
-                  </a:solidFill>
-                </a:uFill>
-                <a:latin typeface="TeXGyreSchola"/>
-              </a:rPr>
-              <a:t> </a:t>
-            </a:r>
-            <a:r>
-              <a:rPr b="0" lang="en-US" sz="4800" spc="-1" strike="noStrike">
-                <a:solidFill>
-                  <a:srgbClr val="000000"/>
-                </a:solidFill>
-                <a:uFill>
-                  <a:solidFill>
-                    <a:srgbClr val="ffffff"/>
-                  </a:solidFill>
-                </a:uFill>
-                <a:latin typeface="TeXGyreSchola"/>
-              </a:rPr>
-              <a:t>h</a:t>
-            </a:r>
-            <a:r>
-              <a:rPr b="0" lang="en-US" sz="4800" spc="-1" strike="noStrike">
-                <a:solidFill>
-                  <a:srgbClr val="000000"/>
-                </a:solidFill>
-                <a:uFill>
-                  <a:solidFill>
-                    <a:srgbClr val="ffffff"/>
-                  </a:solidFill>
-                </a:uFill>
-                <a:latin typeface="TeXGyreSchola"/>
-              </a:rPr>
-              <a:t>i</a:t>
-            </a:r>
-            <a:r>
-              <a:rPr b="0" lang="en-US" sz="4800" spc="-1" strike="noStrike">
-                <a:solidFill>
-                  <a:srgbClr val="000000"/>
-                </a:solidFill>
-                <a:uFill>
-                  <a:solidFill>
-                    <a:srgbClr val="ffffff"/>
-                  </a:solidFill>
-                </a:uFill>
-                <a:latin typeface="TeXGyreSchola"/>
-              </a:rPr>
-              <a:t>g</a:t>
-            </a:r>
-            <a:r>
-              <a:rPr b="0" lang="en-US" sz="4800" spc="-1" strike="noStrike">
-                <a:solidFill>
-                  <a:srgbClr val="000000"/>
-                </a:solidFill>
-                <a:uFill>
-                  <a:solidFill>
-                    <a:srgbClr val="ffffff"/>
-                  </a:solidFill>
-                </a:uFill>
-                <a:latin typeface="TeXGyreSchola"/>
-              </a:rPr>
-              <a:t>h</a:t>
-            </a:r>
-            <a:r>
-              <a:rPr b="0" lang="en-US" sz="4800" spc="-1" strike="noStrike">
-                <a:solidFill>
-                  <a:srgbClr val="000000"/>
-                </a:solidFill>
-                <a:uFill>
-                  <a:solidFill>
-                    <a:srgbClr val="ffffff"/>
-                  </a:solidFill>
-                </a:uFill>
-                <a:latin typeface="TeXGyreSchola"/>
-              </a:rPr>
-              <a:t>w</a:t>
-            </a:r>
-            <a:r>
-              <a:rPr b="0" lang="en-US" sz="4800" spc="-1" strike="noStrike">
-                <a:solidFill>
-                  <a:srgbClr val="000000"/>
-                </a:solidFill>
-                <a:uFill>
-                  <a:solidFill>
-                    <a:srgbClr val="ffffff"/>
-                  </a:solidFill>
-                </a:uFill>
-                <a:latin typeface="TeXGyreSchola"/>
-              </a:rPr>
-              <a:t>a</a:t>
-            </a:r>
-            <a:r>
-              <a:rPr b="0" lang="en-US" sz="4800" spc="-1" strike="noStrike">
-                <a:solidFill>
-                  <a:srgbClr val="000000"/>
-                </a:solidFill>
-                <a:uFill>
-                  <a:solidFill>
-                    <a:srgbClr val="ffffff"/>
-                  </a:solidFill>
-                </a:uFill>
-                <a:latin typeface="TeXGyreSchola"/>
-              </a:rPr>
-              <a:t>y</a:t>
-            </a:r>
-            <a:r>
-              <a:rPr b="0" lang="en-US" sz="4800" spc="-1" strike="noStrike">
-                <a:solidFill>
-                  <a:srgbClr val="000000"/>
-                </a:solidFill>
-                <a:uFill>
-                  <a:solidFill>
-                    <a:srgbClr val="ffffff"/>
-                  </a:solidFill>
-                </a:uFill>
-                <a:latin typeface="TeXGyreSchola"/>
-              </a:rPr>
-              <a:t> </a:t>
-            </a:r>
-            <a:r>
-              <a:rPr b="0" lang="en-US" sz="4800" spc="-1" strike="noStrike">
-                <a:solidFill>
-                  <a:srgbClr val="000000"/>
-                </a:solidFill>
-                <a:uFill>
-                  <a:solidFill>
-                    <a:srgbClr val="ffffff"/>
-                  </a:solidFill>
-                </a:uFill>
-                <a:latin typeface="TeXGyreSchola"/>
-              </a:rPr>
-              <a:t>(</a:t>
-            </a:r>
-            <a:r>
-              <a:rPr b="0" lang="en-US" sz="4800" spc="-1" strike="noStrike">
-                <a:solidFill>
-                  <a:srgbClr val="000000"/>
-                </a:solidFill>
-                <a:uFill>
-                  <a:solidFill>
-                    <a:srgbClr val="ffffff"/>
-                  </a:solidFill>
-                </a:uFill>
-                <a:latin typeface="TeXGyreSchola"/>
-              </a:rPr>
-              <a:t>m</a:t>
-            </a:r>
-            <a:r>
-              <a:rPr b="0" lang="en-US" sz="4800" spc="-1" strike="noStrike">
-                <a:solidFill>
-                  <a:srgbClr val="000000"/>
-                </a:solidFill>
-                <a:uFill>
-                  <a:solidFill>
-                    <a:srgbClr val="ffffff"/>
-                  </a:solidFill>
-                </a:uFill>
-                <a:latin typeface="TeXGyreSchola"/>
-              </a:rPr>
-              <a:t>i</a:t>
-            </a:r>
-            <a:r>
-              <a:rPr b="0" lang="en-US" sz="4800" spc="-1" strike="noStrike">
-                <a:solidFill>
-                  <a:srgbClr val="000000"/>
-                </a:solidFill>
-                <a:uFill>
-                  <a:solidFill>
-                    <a:srgbClr val="ffffff"/>
-                  </a:solidFill>
-                </a:uFill>
-                <a:latin typeface="TeXGyreSchola"/>
-              </a:rPr>
-              <a:t>c</a:t>
-            </a:r>
-            <a:r>
-              <a:rPr b="0" lang="en-US" sz="4800" spc="-1" strike="noStrike">
-                <a:solidFill>
-                  <a:srgbClr val="000000"/>
-                </a:solidFill>
-                <a:uFill>
-                  <a:solidFill>
-                    <a:srgbClr val="ffffff"/>
-                  </a:solidFill>
-                </a:uFill>
-                <a:latin typeface="TeXGyreSchola"/>
-              </a:rPr>
-              <a:t>r</a:t>
-            </a:r>
-            <a:r>
-              <a:rPr b="0" lang="en-US" sz="4800" spc="-1" strike="noStrike">
-                <a:solidFill>
-                  <a:srgbClr val="000000"/>
-                </a:solidFill>
-                <a:uFill>
-                  <a:solidFill>
-                    <a:srgbClr val="ffffff"/>
-                  </a:solidFill>
-                </a:uFill>
-                <a:latin typeface="TeXGyreSchola"/>
-              </a:rPr>
-              <a:t>o</a:t>
-            </a:r>
-            <a:r>
-              <a:rPr b="0" lang="en-US" sz="4800" spc="-1" strike="noStrike">
-                <a:solidFill>
-                  <a:srgbClr val="000000"/>
-                </a:solidFill>
-                <a:uFill>
-                  <a:solidFill>
-                    <a:srgbClr val="ffffff"/>
-                  </a:solidFill>
-                </a:uFill>
-                <a:latin typeface="TeXGyreSchola"/>
-              </a:rPr>
-              <a:t>t</a:t>
-            </a:r>
-            <a:r>
-              <a:rPr b="0" lang="en-US" sz="4800" spc="-1" strike="noStrike">
-                <a:solidFill>
-                  <a:srgbClr val="000000"/>
-                </a:solidFill>
-                <a:uFill>
-                  <a:solidFill>
-                    <a:srgbClr val="ffffff"/>
-                  </a:solidFill>
-                </a:uFill>
-                <a:latin typeface="TeXGyreSchola"/>
-              </a:rPr>
-              <a:t>u</a:t>
-            </a:r>
-            <a:r>
-              <a:rPr b="0" lang="en-US" sz="4800" spc="-1" strike="noStrike">
-                <a:solidFill>
-                  <a:srgbClr val="000000"/>
-                </a:solidFill>
-                <a:uFill>
-                  <a:solidFill>
-                    <a:srgbClr val="ffffff"/>
-                  </a:solidFill>
-                </a:uFill>
-                <a:latin typeface="TeXGyreSchola"/>
-              </a:rPr>
-              <a:t>b</a:t>
-            </a:r>
-            <a:r>
-              <a:rPr b="0" lang="en-US" sz="4800" spc="-1" strike="noStrike">
-                <a:solidFill>
-                  <a:srgbClr val="000000"/>
-                </a:solidFill>
-                <a:uFill>
-                  <a:solidFill>
-                    <a:srgbClr val="ffffff"/>
-                  </a:solidFill>
-                </a:uFill>
-                <a:latin typeface="TeXGyreSchola"/>
-              </a:rPr>
-              <a:t>u</a:t>
-            </a:r>
-            <a:r>
-              <a:rPr b="0" lang="en-US" sz="4800" spc="-1" strike="noStrike">
-                <a:solidFill>
-                  <a:srgbClr val="000000"/>
-                </a:solidFill>
-                <a:uFill>
-                  <a:solidFill>
-                    <a:srgbClr val="ffffff"/>
-                  </a:solidFill>
-                </a:uFill>
-                <a:latin typeface="TeXGyreSchola"/>
-              </a:rPr>
-              <a:t>l</a:t>
-            </a:r>
-            <a:r>
-              <a:rPr b="0" lang="en-US" sz="4800" spc="-1" strike="noStrike">
-                <a:solidFill>
-                  <a:srgbClr val="000000"/>
-                </a:solidFill>
-                <a:uFill>
-                  <a:solidFill>
-                    <a:srgbClr val="ffffff"/>
-                  </a:solidFill>
-                </a:uFill>
-                <a:latin typeface="TeXGyreSchola"/>
-              </a:rPr>
-              <a:t>e</a:t>
-            </a:r>
-            <a:r>
-              <a:rPr b="0" lang="en-US" sz="4800" spc="-1" strike="noStrike">
-                <a:solidFill>
-                  <a:srgbClr val="000000"/>
-                </a:solidFill>
-                <a:uFill>
-                  <a:solidFill>
-                    <a:srgbClr val="ffffff"/>
-                  </a:solidFill>
-                </a:uFill>
-                <a:latin typeface="TeXGyreSchola"/>
-              </a:rPr>
-              <a:t>)</a:t>
-            </a:r>
-            <a:r>
-              <a:rPr b="0" lang="en-US" sz="4800" spc="-1" strike="noStrike">
-                <a:solidFill>
-                  <a:srgbClr val="000000"/>
-                </a:solidFill>
-                <a:uFill>
-                  <a:solidFill>
-                    <a:srgbClr val="ffffff"/>
-                  </a:solidFill>
-                </a:uFill>
-                <a:latin typeface="TeXGyreSchola"/>
-              </a:rPr>
-              <a:t> </a:t>
-            </a:r>
-            <a:r>
-              <a:rPr b="0" lang="en-US" sz="4800" spc="-1" strike="noStrike">
-                <a:solidFill>
-                  <a:srgbClr val="000000"/>
-                </a:solidFill>
-                <a:uFill>
-                  <a:solidFill>
-                    <a:srgbClr val="ffffff"/>
-                  </a:solidFill>
-                </a:uFill>
-                <a:latin typeface="TeXGyreSchola"/>
-              </a:rPr>
-              <a:t>b</a:t>
-            </a:r>
-            <a:r>
-              <a:rPr b="0" lang="en-US" sz="4800" spc="-1" strike="noStrike">
-                <a:solidFill>
-                  <a:srgbClr val="000000"/>
-                </a:solidFill>
-                <a:uFill>
-                  <a:solidFill>
-                    <a:srgbClr val="ffffff"/>
-                  </a:solidFill>
-                </a:uFill>
-                <a:latin typeface="TeXGyreSchola"/>
-              </a:rPr>
-              <a:t>y</a:t>
-            </a:r>
-            <a:r>
-              <a:rPr b="0" lang="en-US" sz="4800" spc="-1" strike="noStrike">
-                <a:solidFill>
-                  <a:srgbClr val="000000"/>
-                </a:solidFill>
-                <a:uFill>
-                  <a:solidFill>
-                    <a:srgbClr val="ffffff"/>
-                  </a:solidFill>
-                </a:uFill>
-                <a:latin typeface="TeXGyreSchola"/>
-              </a:rPr>
-              <a:t> </a:t>
-            </a:r>
-            <a:r>
-              <a:rPr b="0" lang="en-US" sz="4800" spc="-1" strike="noStrike">
-                <a:solidFill>
-                  <a:srgbClr val="000000"/>
-                </a:solidFill>
-                <a:uFill>
-                  <a:solidFill>
-                    <a:srgbClr val="ffffff"/>
-                  </a:solidFill>
-                </a:uFill>
-                <a:latin typeface="TeXGyreSchola"/>
-              </a:rPr>
-              <a:t>u</a:t>
-            </a:r>
-            <a:r>
-              <a:rPr b="0" lang="en-US" sz="4800" spc="-1" strike="noStrike">
-                <a:solidFill>
-                  <a:srgbClr val="000000"/>
-                </a:solidFill>
-                <a:uFill>
-                  <a:solidFill>
-                    <a:srgbClr val="ffffff"/>
-                  </a:solidFill>
-                </a:uFill>
-                <a:latin typeface="TeXGyreSchola"/>
-              </a:rPr>
-              <a:t>s</a:t>
-            </a:r>
-            <a:r>
-              <a:rPr b="0" lang="en-US" sz="4800" spc="-1" strike="noStrike">
-                <a:solidFill>
-                  <a:srgbClr val="000000"/>
-                </a:solidFill>
-                <a:uFill>
-                  <a:solidFill>
-                    <a:srgbClr val="ffffff"/>
-                  </a:solidFill>
-                </a:uFill>
-                <a:latin typeface="TeXGyreSchola"/>
-              </a:rPr>
-              <a:t>i</a:t>
-            </a:r>
-            <a:r>
-              <a:rPr b="0" lang="en-US" sz="4800" spc="-1" strike="noStrike">
-                <a:solidFill>
-                  <a:srgbClr val="000000"/>
-                </a:solidFill>
-                <a:uFill>
-                  <a:solidFill>
-                    <a:srgbClr val="ffffff"/>
-                  </a:solidFill>
-                </a:uFill>
-                <a:latin typeface="TeXGyreSchola"/>
-              </a:rPr>
-              <a:t>n</a:t>
-            </a:r>
-            <a:r>
-              <a:rPr b="0" lang="en-US" sz="4800" spc="-1" strike="noStrike">
-                <a:solidFill>
-                  <a:srgbClr val="000000"/>
-                </a:solidFill>
-                <a:uFill>
-                  <a:solidFill>
-                    <a:srgbClr val="ffffff"/>
-                  </a:solidFill>
-                </a:uFill>
-                <a:latin typeface="TeXGyreSchola"/>
-              </a:rPr>
-              <a:t>g</a:t>
-            </a:r>
-            <a:r>
-              <a:rPr b="0" lang="en-US" sz="4800" spc="-1" strike="noStrike">
-                <a:solidFill>
-                  <a:srgbClr val="000000"/>
-                </a:solidFill>
-                <a:uFill>
-                  <a:solidFill>
-                    <a:srgbClr val="ffffff"/>
-                  </a:solidFill>
-                </a:uFill>
-                <a:latin typeface="TeXGyreSchola"/>
-              </a:rPr>
-              <a:t> </a:t>
-            </a:r>
-            <a:r>
-              <a:rPr b="0" lang="en-US" sz="4800" spc="-1" strike="noStrike">
-                <a:solidFill>
-                  <a:srgbClr val="000000"/>
-                </a:solidFill>
-                <a:uFill>
-                  <a:solidFill>
-                    <a:srgbClr val="ffffff"/>
-                  </a:solidFill>
-                </a:uFill>
-                <a:latin typeface="TeXGyreSchola"/>
-              </a:rPr>
-              <a:t>A</a:t>
-            </a:r>
-            <a:r>
-              <a:rPr b="0" lang="en-US" sz="4800" spc="-1" strike="noStrike">
-                <a:solidFill>
-                  <a:srgbClr val="000000"/>
-                </a:solidFill>
-                <a:uFill>
-                  <a:solidFill>
-                    <a:srgbClr val="ffffff"/>
-                  </a:solidFill>
-                </a:uFill>
-                <a:latin typeface="TeXGyreSchola"/>
-              </a:rPr>
-              <a:t>T</a:t>
-            </a:r>
-            <a:r>
-              <a:rPr b="0" lang="en-US" sz="4800" spc="-1" strike="noStrike">
-                <a:solidFill>
-                  <a:srgbClr val="000000"/>
-                </a:solidFill>
-                <a:uFill>
-                  <a:solidFill>
-                    <a:srgbClr val="ffffff"/>
-                  </a:solidFill>
-                </a:uFill>
-                <a:latin typeface="TeXGyreSchola"/>
-              </a:rPr>
-              <a:t>P</a:t>
-            </a:r>
-            <a:r>
-              <a:rPr b="0" lang="en-US" sz="4800" spc="-1" strike="noStrike">
-                <a:solidFill>
-                  <a:srgbClr val="000000"/>
-                </a:solidFill>
-                <a:uFill>
-                  <a:solidFill>
-                    <a:srgbClr val="ffffff"/>
-                  </a:solidFill>
-                </a:uFill>
-                <a:latin typeface="TeXGyreSchola"/>
-              </a:rPr>
-              <a:t> </a:t>
-            </a:r>
-            <a:r>
-              <a:rPr b="0" lang="en-US" sz="4800" spc="-1" strike="noStrike">
-                <a:solidFill>
-                  <a:srgbClr val="000000"/>
-                </a:solidFill>
-                <a:uFill>
-                  <a:solidFill>
-                    <a:srgbClr val="ffffff"/>
-                  </a:solidFill>
-                </a:uFill>
-                <a:latin typeface="TeXGyreSchola"/>
-              </a:rPr>
-              <a:t>t</a:t>
-            </a:r>
-            <a:r>
-              <a:rPr b="0" lang="en-US" sz="4800" spc="-1" strike="noStrike">
-                <a:solidFill>
-                  <a:srgbClr val="000000"/>
-                </a:solidFill>
-                <a:uFill>
-                  <a:solidFill>
-                    <a:srgbClr val="ffffff"/>
-                  </a:solidFill>
-                </a:uFill>
-                <a:latin typeface="TeXGyreSchola"/>
-              </a:rPr>
-              <a:t>o</a:t>
-            </a:r>
-            <a:r>
-              <a:rPr b="0" lang="en-US" sz="4800" spc="-1" strike="noStrike">
-                <a:solidFill>
-                  <a:srgbClr val="000000"/>
-                </a:solidFill>
-                <a:uFill>
-                  <a:solidFill>
-                    <a:srgbClr val="ffffff"/>
-                  </a:solidFill>
-                </a:uFill>
-                <a:latin typeface="TeXGyreSchola"/>
-              </a:rPr>
-              <a:t> </a:t>
-            </a:r>
-            <a:r>
-              <a:rPr b="0" lang="en-US" sz="4800" spc="-1" strike="noStrike">
-                <a:solidFill>
-                  <a:srgbClr val="000000"/>
-                </a:solidFill>
-                <a:uFill>
-                  <a:solidFill>
-                    <a:srgbClr val="ffffff"/>
-                  </a:solidFill>
-                </a:uFill>
-                <a:latin typeface="TeXGyreSchola"/>
-              </a:rPr>
-              <a:t>s</a:t>
-            </a:r>
-            <a:r>
-              <a:rPr b="0" lang="en-US" sz="4800" spc="-1" strike="noStrike">
-                <a:solidFill>
-                  <a:srgbClr val="000000"/>
-                </a:solidFill>
-                <a:uFill>
-                  <a:solidFill>
-                    <a:srgbClr val="ffffff"/>
-                  </a:solidFill>
-                </a:uFill>
-                <a:latin typeface="TeXGyreSchola"/>
-              </a:rPr>
-              <a:t>t</a:t>
-            </a:r>
-            <a:r>
-              <a:rPr b="0" lang="en-US" sz="4800" spc="-1" strike="noStrike">
-                <a:solidFill>
-                  <a:srgbClr val="000000"/>
-                </a:solidFill>
-                <a:uFill>
-                  <a:solidFill>
-                    <a:srgbClr val="ffffff"/>
-                  </a:solidFill>
-                </a:uFill>
-                <a:latin typeface="TeXGyreSchola"/>
-              </a:rPr>
-              <a:t>e</a:t>
-            </a:r>
-            <a:r>
-              <a:rPr b="0" lang="en-US" sz="4800" spc="-1" strike="noStrike">
-                <a:solidFill>
-                  <a:srgbClr val="000000"/>
-                </a:solidFill>
-                <a:uFill>
-                  <a:solidFill>
-                    <a:srgbClr val="ffffff"/>
-                  </a:solidFill>
-                </a:uFill>
-                <a:latin typeface="TeXGyreSchola"/>
-              </a:rPr>
-              <a:t>p</a:t>
-            </a:r>
-            <a:r>
-              <a:rPr b="0" lang="en-US" sz="4800" spc="-1" strike="noStrike">
-                <a:solidFill>
-                  <a:srgbClr val="000000"/>
-                </a:solidFill>
-                <a:uFill>
-                  <a:solidFill>
-                    <a:srgbClr val="ffffff"/>
-                  </a:solidFill>
-                </a:uFill>
-                <a:latin typeface="TeXGyreSchola"/>
-              </a:rPr>
-              <a:t>.</a:t>
-            </a:r>
-            <a:r>
-              <a:rPr b="0" lang="en-US" sz="4800" spc="-1" strike="noStrike">
-                <a:solidFill>
-                  <a:srgbClr val="000000"/>
-                </a:solidFill>
-                <a:uFill>
-                  <a:solidFill>
-                    <a:srgbClr val="ffffff"/>
-                  </a:solidFill>
-                </a:uFill>
-                <a:latin typeface="TeXGyreSchola"/>
-              </a:rPr>
-              <a:t> </a:t>
-            </a:r>
-            <a:r>
-              <a:rPr b="0" lang="en-US" sz="4800" spc="-1" strike="noStrike">
-                <a:solidFill>
-                  <a:srgbClr val="000000"/>
-                </a:solidFill>
-                <a:uFill>
-                  <a:solidFill>
-                    <a:srgbClr val="ffffff"/>
-                  </a:solidFill>
-                </a:uFill>
-                <a:latin typeface="TeXGyreSchola"/>
-              </a:rPr>
-              <a:t>I</a:t>
-            </a:r>
-            <a:r>
-              <a:rPr b="0" lang="en-US" sz="4800" spc="-1" strike="noStrike">
-                <a:solidFill>
-                  <a:srgbClr val="000000"/>
-                </a:solidFill>
-                <a:uFill>
-                  <a:solidFill>
-                    <a:srgbClr val="ffffff"/>
-                  </a:solidFill>
-                </a:uFill>
-                <a:latin typeface="TeXGyreSchola"/>
-              </a:rPr>
-              <a:t>t</a:t>
-            </a:r>
-            <a:r>
-              <a:rPr b="0" lang="en-US" sz="4800" spc="-1" strike="noStrike">
-                <a:solidFill>
-                  <a:srgbClr val="000000"/>
-                </a:solidFill>
-                <a:uFill>
-                  <a:solidFill>
-                    <a:srgbClr val="ffffff"/>
-                  </a:solidFill>
-                </a:uFill>
-                <a:latin typeface="TeXGyreSchola"/>
-              </a:rPr>
-              <a:t>s</a:t>
-            </a:r>
-            <a:r>
-              <a:rPr b="0" lang="en-US" sz="4800" spc="-1" strike="noStrike">
-                <a:solidFill>
-                  <a:srgbClr val="000000"/>
-                </a:solidFill>
-                <a:uFill>
-                  <a:solidFill>
-                    <a:srgbClr val="ffffff"/>
-                  </a:solidFill>
-                </a:uFill>
-                <a:latin typeface="TeXGyreSchola"/>
-              </a:rPr>
-              <a:t> </a:t>
-            </a:r>
-            <a:r>
-              <a:rPr b="0" lang="en-US" sz="4800" spc="-1" strike="noStrike">
-                <a:solidFill>
-                  <a:srgbClr val="000000"/>
-                </a:solidFill>
-                <a:uFill>
-                  <a:solidFill>
-                    <a:srgbClr val="ffffff"/>
-                  </a:solidFill>
-                </a:uFill>
-                <a:latin typeface="TeXGyreSchola"/>
-              </a:rPr>
-              <a:t>t</a:t>
-            </a:r>
-            <a:r>
-              <a:rPr b="0" lang="en-US" sz="4800" spc="-1" strike="noStrike">
-                <a:solidFill>
-                  <a:srgbClr val="000000"/>
-                </a:solidFill>
-                <a:uFill>
-                  <a:solidFill>
-                    <a:srgbClr val="ffffff"/>
-                  </a:solidFill>
-                </a:uFill>
-                <a:latin typeface="TeXGyreSchola"/>
-              </a:rPr>
-              <a:t>w</a:t>
-            </a:r>
-            <a:r>
-              <a:rPr b="0" lang="en-US" sz="4800" spc="-1" strike="noStrike">
-                <a:solidFill>
-                  <a:srgbClr val="000000"/>
-                </a:solidFill>
-                <a:uFill>
-                  <a:solidFill>
-                    <a:srgbClr val="ffffff"/>
-                  </a:solidFill>
-                </a:uFill>
-                <a:latin typeface="TeXGyreSchola"/>
-              </a:rPr>
-              <a:t>o</a:t>
-            </a:r>
-            <a:r>
-              <a:rPr b="0" lang="en-US" sz="4800" spc="-1" strike="noStrike">
-                <a:solidFill>
-                  <a:srgbClr val="000000"/>
-                </a:solidFill>
-                <a:uFill>
-                  <a:solidFill>
-                    <a:srgbClr val="ffffff"/>
-                  </a:solidFill>
-                </a:uFill>
-                <a:latin typeface="TeXGyreSchola"/>
-              </a:rPr>
-              <a:t> </a:t>
-            </a:r>
-            <a:r>
-              <a:rPr b="0" lang="en-US" sz="4800" spc="-1" strike="noStrike">
-                <a:solidFill>
-                  <a:srgbClr val="000000"/>
-                </a:solidFill>
-                <a:uFill>
-                  <a:solidFill>
-                    <a:srgbClr val="ffffff"/>
-                  </a:solidFill>
-                </a:uFill>
-                <a:latin typeface="TeXGyreSchola"/>
-              </a:rPr>
-              <a:t>f</a:t>
-            </a:r>
-            <a:r>
-              <a:rPr b="0" lang="en-US" sz="4800" spc="-1" strike="noStrike">
-                <a:solidFill>
-                  <a:srgbClr val="000000"/>
-                </a:solidFill>
-                <a:uFill>
-                  <a:solidFill>
-                    <a:srgbClr val="ffffff"/>
-                  </a:solidFill>
-                </a:uFill>
-                <a:latin typeface="TeXGyreSchola"/>
-              </a:rPr>
-              <a:t>e</a:t>
-            </a:r>
-            <a:r>
-              <a:rPr b="0" lang="en-US" sz="4800" spc="-1" strike="noStrike">
-                <a:solidFill>
-                  <a:srgbClr val="000000"/>
-                </a:solidFill>
-                <a:uFill>
-                  <a:solidFill>
-                    <a:srgbClr val="ffffff"/>
-                  </a:solidFill>
-                </a:uFill>
-                <a:latin typeface="TeXGyreSchola"/>
-              </a:rPr>
-              <a:t>e</a:t>
-            </a:r>
-            <a:r>
-              <a:rPr b="0" lang="en-US" sz="4800" spc="-1" strike="noStrike">
-                <a:solidFill>
-                  <a:srgbClr val="000000"/>
-                </a:solidFill>
-                <a:uFill>
-                  <a:solidFill>
-                    <a:srgbClr val="ffffff"/>
-                  </a:solidFill>
-                </a:uFill>
-                <a:latin typeface="TeXGyreSchola"/>
-              </a:rPr>
-              <a:t>t</a:t>
-            </a:r>
-            <a:r>
-              <a:rPr b="0" lang="en-US" sz="4800" spc="-1" strike="noStrike">
-                <a:solidFill>
-                  <a:srgbClr val="000000"/>
-                </a:solidFill>
-                <a:uFill>
-                  <a:solidFill>
-                    <a:srgbClr val="ffffff"/>
-                  </a:solidFill>
-                </a:uFill>
-                <a:latin typeface="TeXGyreSchola"/>
-              </a:rPr>
-              <a:t> </a:t>
-            </a:r>
-            <a:r>
-              <a:rPr b="0" lang="en-US" sz="4800" spc="-1" strike="noStrike">
-                <a:solidFill>
-                  <a:srgbClr val="000000"/>
-                </a:solidFill>
-                <a:uFill>
-                  <a:solidFill>
-                    <a:srgbClr val="ffffff"/>
-                  </a:solidFill>
-                </a:uFill>
-                <a:latin typeface="TeXGyreSchola"/>
-              </a:rPr>
-              <a:t>c</a:t>
-            </a:r>
-            <a:r>
-              <a:rPr b="0" lang="en-US" sz="4800" spc="-1" strike="noStrike">
-                <a:solidFill>
-                  <a:srgbClr val="000000"/>
-                </a:solidFill>
-                <a:uFill>
-                  <a:solidFill>
-                    <a:srgbClr val="ffffff"/>
-                  </a:solidFill>
-                </a:uFill>
-                <a:latin typeface="TeXGyreSchola"/>
-              </a:rPr>
-              <a:t>a</a:t>
-            </a:r>
-            <a:r>
-              <a:rPr b="0" lang="en-US" sz="4800" spc="-1" strike="noStrike">
-                <a:solidFill>
-                  <a:srgbClr val="000000"/>
-                </a:solidFill>
-                <a:uFill>
-                  <a:solidFill>
-                    <a:srgbClr val="ffffff"/>
-                  </a:solidFill>
-                </a:uFill>
-                <a:latin typeface="TeXGyreSchola"/>
-              </a:rPr>
-              <a:t>n</a:t>
-            </a:r>
-            <a:r>
-              <a:rPr b="0" lang="en-US" sz="4800" spc="-1" strike="noStrike">
-                <a:solidFill>
-                  <a:srgbClr val="000000"/>
-                </a:solidFill>
-                <a:uFill>
-                  <a:solidFill>
-                    <a:srgbClr val="ffffff"/>
-                  </a:solidFill>
-                </a:uFill>
-                <a:latin typeface="TeXGyreSchola"/>
-              </a:rPr>
-              <a:t> </a:t>
-            </a:r>
-            <a:r>
-              <a:rPr b="0" lang="en-US" sz="4800" spc="-1" strike="noStrike">
-                <a:solidFill>
-                  <a:srgbClr val="000000"/>
-                </a:solidFill>
-                <a:uFill>
-                  <a:solidFill>
-                    <a:srgbClr val="ffffff"/>
-                  </a:solidFill>
-                </a:uFill>
-                <a:latin typeface="TeXGyreSchola"/>
-              </a:rPr>
-              <a:t>a</a:t>
-            </a:r>
-            <a:r>
-              <a:rPr b="0" lang="en-US" sz="4800" spc="-1" strike="noStrike">
-                <a:solidFill>
-                  <a:srgbClr val="000000"/>
-                </a:solidFill>
-                <a:uFill>
-                  <a:solidFill>
-                    <a:srgbClr val="ffffff"/>
-                  </a:solidFill>
-                </a:uFill>
-                <a:latin typeface="TeXGyreSchola"/>
-              </a:rPr>
-              <a:t>c</a:t>
-            </a:r>
-            <a:r>
-              <a:rPr b="0" lang="en-US" sz="4800" spc="-1" strike="noStrike">
-                <a:solidFill>
-                  <a:srgbClr val="000000"/>
-                </a:solidFill>
-                <a:uFill>
-                  <a:solidFill>
-                    <a:srgbClr val="ffffff"/>
-                  </a:solidFill>
-                </a:uFill>
-                <a:latin typeface="TeXGyreSchola"/>
-              </a:rPr>
-              <a:t>t</a:t>
-            </a:r>
-            <a:r>
-              <a:rPr b="0" lang="en-US" sz="4800" spc="-1" strike="noStrike">
-                <a:solidFill>
-                  <a:srgbClr val="000000"/>
-                </a:solidFill>
-                <a:uFill>
-                  <a:solidFill>
-                    <a:srgbClr val="ffffff"/>
-                  </a:solidFill>
-                </a:uFill>
-                <a:latin typeface="TeXGyreSchola"/>
-              </a:rPr>
-              <a:t> </a:t>
-            </a:r>
-            <a:r>
-              <a:rPr b="0" lang="en-US" sz="4800" spc="-1" strike="noStrike">
-                <a:solidFill>
-                  <a:srgbClr val="000000"/>
-                </a:solidFill>
-                <a:uFill>
-                  <a:solidFill>
-                    <a:srgbClr val="ffffff"/>
-                  </a:solidFill>
-                </a:uFill>
-                <a:latin typeface="TeXGyreSchola"/>
-              </a:rPr>
-              <a:t>i</a:t>
-            </a:r>
-            <a:r>
-              <a:rPr b="0" lang="en-US" sz="4800" spc="-1" strike="noStrike">
-                <a:solidFill>
-                  <a:srgbClr val="000000"/>
-                </a:solidFill>
-                <a:uFill>
-                  <a:solidFill>
-                    <a:srgbClr val="ffffff"/>
-                  </a:solidFill>
-                </a:uFill>
-                <a:latin typeface="TeXGyreSchola"/>
-              </a:rPr>
-              <a:t>n</a:t>
-            </a:r>
-            <a:r>
-              <a:rPr b="0" lang="en-US" sz="4800" spc="-1" strike="noStrike">
-                <a:solidFill>
-                  <a:srgbClr val="000000"/>
-                </a:solidFill>
-                <a:uFill>
-                  <a:solidFill>
-                    <a:srgbClr val="ffffff"/>
-                  </a:solidFill>
-                </a:uFill>
-                <a:latin typeface="TeXGyreSchola"/>
-              </a:rPr>
-              <a:t>d</a:t>
-            </a:r>
-            <a:r>
-              <a:rPr b="0" lang="en-US" sz="4800" spc="-1" strike="noStrike">
-                <a:solidFill>
-                  <a:srgbClr val="000000"/>
-                </a:solidFill>
-                <a:uFill>
-                  <a:solidFill>
-                    <a:srgbClr val="ffffff"/>
-                  </a:solidFill>
-                </a:uFill>
-                <a:latin typeface="TeXGyreSchola"/>
-              </a:rPr>
-              <a:t>e</a:t>
-            </a:r>
-            <a:r>
-              <a:rPr b="0" lang="en-US" sz="4800" spc="-1" strike="noStrike">
-                <a:solidFill>
-                  <a:srgbClr val="000000"/>
-                </a:solidFill>
-                <a:uFill>
-                  <a:solidFill>
-                    <a:srgbClr val="ffffff"/>
-                  </a:solidFill>
-                </a:uFill>
-                <a:latin typeface="TeXGyreSchola"/>
-              </a:rPr>
-              <a:t>p</a:t>
-            </a:r>
-            <a:r>
-              <a:rPr b="0" lang="en-US" sz="4800" spc="-1" strike="noStrike">
-                <a:solidFill>
-                  <a:srgbClr val="000000"/>
-                </a:solidFill>
-                <a:uFill>
-                  <a:solidFill>
-                    <a:srgbClr val="ffffff"/>
-                  </a:solidFill>
-                </a:uFill>
-                <a:latin typeface="TeXGyreSchola"/>
-              </a:rPr>
-              <a:t>e</a:t>
-            </a:r>
-            <a:r>
-              <a:rPr b="0" lang="en-US" sz="4800" spc="-1" strike="noStrike">
-                <a:solidFill>
-                  <a:srgbClr val="000000"/>
-                </a:solidFill>
-                <a:uFill>
-                  <a:solidFill>
-                    <a:srgbClr val="ffffff"/>
-                  </a:solidFill>
-                </a:uFill>
-                <a:latin typeface="TeXGyreSchola"/>
-              </a:rPr>
-              <a:t>n</a:t>
-            </a:r>
-            <a:r>
-              <a:rPr b="0" lang="en-US" sz="4800" spc="-1" strike="noStrike">
-                <a:solidFill>
-                  <a:srgbClr val="000000"/>
-                </a:solidFill>
-                <a:uFill>
-                  <a:solidFill>
-                    <a:srgbClr val="ffffff"/>
-                  </a:solidFill>
-                </a:uFill>
-                <a:latin typeface="TeXGyreSchola"/>
-              </a:rPr>
-              <a:t>d</a:t>
-            </a:r>
-            <a:r>
-              <a:rPr b="0" lang="en-US" sz="4800" spc="-1" strike="noStrike">
-                <a:solidFill>
-                  <a:srgbClr val="000000"/>
-                </a:solidFill>
-                <a:uFill>
-                  <a:solidFill>
-                    <a:srgbClr val="ffffff"/>
-                  </a:solidFill>
-                </a:uFill>
-                <a:latin typeface="TeXGyreSchola"/>
-              </a:rPr>
-              <a:t>e</a:t>
-            </a:r>
-            <a:r>
-              <a:rPr b="0" lang="en-US" sz="4800" spc="-1" strike="noStrike">
-                <a:solidFill>
-                  <a:srgbClr val="000000"/>
-                </a:solidFill>
-                <a:uFill>
-                  <a:solidFill>
-                    <a:srgbClr val="ffffff"/>
-                  </a:solidFill>
-                </a:uFill>
-                <a:latin typeface="TeXGyreSchola"/>
-              </a:rPr>
-              <a:t>n</a:t>
-            </a:r>
-            <a:r>
-              <a:rPr b="0" lang="en-US" sz="4800" spc="-1" strike="noStrike">
-                <a:solidFill>
-                  <a:srgbClr val="000000"/>
-                </a:solidFill>
-                <a:uFill>
-                  <a:solidFill>
-                    <a:srgbClr val="ffffff"/>
-                  </a:solidFill>
-                </a:uFill>
-                <a:latin typeface="TeXGyreSchola"/>
-              </a:rPr>
-              <a:t>t</a:t>
-            </a:r>
-            <a:r>
-              <a:rPr b="0" lang="en-US" sz="4800" spc="-1" strike="noStrike">
-                <a:solidFill>
-                  <a:srgbClr val="000000"/>
-                </a:solidFill>
-                <a:uFill>
-                  <a:solidFill>
-                    <a:srgbClr val="ffffff"/>
-                  </a:solidFill>
-                </a:uFill>
-                <a:latin typeface="TeXGyreSchola"/>
-              </a:rPr>
-              <a:t>l</a:t>
-            </a:r>
-            <a:r>
-              <a:rPr b="0" lang="en-US" sz="4800" spc="-1" strike="noStrike">
-                <a:solidFill>
-                  <a:srgbClr val="000000"/>
-                </a:solidFill>
-                <a:uFill>
-                  <a:solidFill>
-                    <a:srgbClr val="ffffff"/>
-                  </a:solidFill>
-                </a:uFill>
-                <a:latin typeface="TeXGyreSchola"/>
-              </a:rPr>
-              <a:t>y</a:t>
-            </a:r>
-            <a:r>
-              <a:rPr b="0" lang="en-US" sz="4800" spc="-1" strike="noStrike">
-                <a:solidFill>
-                  <a:srgbClr val="000000"/>
-                </a:solidFill>
-                <a:uFill>
-                  <a:solidFill>
-                    <a:srgbClr val="ffffff"/>
-                  </a:solidFill>
-                </a:uFill>
-                <a:latin typeface="TeXGyreSchola"/>
-              </a:rPr>
-              <a:t> </a:t>
-            </a:r>
-            <a:r>
-              <a:rPr b="0" lang="en-US" sz="4800" spc="-1" strike="noStrike">
-                <a:solidFill>
-                  <a:srgbClr val="000000"/>
-                </a:solidFill>
-                <a:uFill>
-                  <a:solidFill>
-                    <a:srgbClr val="ffffff"/>
-                  </a:solidFill>
-                </a:uFill>
-                <a:latin typeface="TeXGyreSchola"/>
-              </a:rPr>
-              <a:t>f</a:t>
-            </a:r>
-            <a:r>
-              <a:rPr b="0" lang="en-US" sz="4800" spc="-1" strike="noStrike">
-                <a:solidFill>
-                  <a:srgbClr val="000000"/>
-                </a:solidFill>
-                <a:uFill>
-                  <a:solidFill>
-                    <a:srgbClr val="ffffff"/>
-                  </a:solidFill>
-                </a:uFill>
-                <a:latin typeface="TeXGyreSchola"/>
-              </a:rPr>
-              <a:t>r</a:t>
-            </a:r>
-            <a:r>
-              <a:rPr b="0" lang="en-US" sz="4800" spc="-1" strike="noStrike">
-                <a:solidFill>
-                  <a:srgbClr val="000000"/>
-                </a:solidFill>
-                <a:uFill>
-                  <a:solidFill>
-                    <a:srgbClr val="ffffff"/>
-                  </a:solidFill>
-                </a:uFill>
-                <a:latin typeface="TeXGyreSchola"/>
-              </a:rPr>
-              <a:t>o</a:t>
-            </a:r>
-            <a:r>
-              <a:rPr b="0" lang="en-US" sz="4800" spc="-1" strike="noStrike">
-                <a:solidFill>
-                  <a:srgbClr val="000000"/>
-                </a:solidFill>
-                <a:uFill>
-                  <a:solidFill>
-                    <a:srgbClr val="ffffff"/>
-                  </a:solidFill>
-                </a:uFill>
-                <a:latin typeface="TeXGyreSchola"/>
-              </a:rPr>
-              <a:t>m</a:t>
-            </a:r>
-            <a:r>
-              <a:rPr b="0" lang="en-US" sz="4800" spc="-1" strike="noStrike">
-                <a:solidFill>
-                  <a:srgbClr val="000000"/>
-                </a:solidFill>
-                <a:uFill>
-                  <a:solidFill>
-                    <a:srgbClr val="ffffff"/>
-                  </a:solidFill>
-                </a:uFill>
-                <a:latin typeface="TeXGyreSchola"/>
-              </a:rPr>
-              <a:t> </a:t>
-            </a:r>
-            <a:r>
-              <a:rPr b="0" lang="en-US" sz="4800" spc="-1" strike="noStrike">
-                <a:solidFill>
-                  <a:srgbClr val="000000"/>
-                </a:solidFill>
-                <a:uFill>
-                  <a:solidFill>
-                    <a:srgbClr val="ffffff"/>
-                  </a:solidFill>
-                </a:uFill>
-                <a:latin typeface="TeXGyreSchola"/>
-              </a:rPr>
-              <a:t>e</a:t>
-            </a:r>
-            <a:r>
-              <a:rPr b="0" lang="en-US" sz="4800" spc="-1" strike="noStrike">
-                <a:solidFill>
-                  <a:srgbClr val="000000"/>
-                </a:solidFill>
-                <a:uFill>
-                  <a:solidFill>
-                    <a:srgbClr val="ffffff"/>
-                  </a:solidFill>
-                </a:uFill>
-                <a:latin typeface="TeXGyreSchola"/>
-              </a:rPr>
-              <a:t>a</a:t>
-            </a:r>
-            <a:r>
-              <a:rPr b="0" lang="en-US" sz="4800" spc="-1" strike="noStrike">
-                <a:solidFill>
-                  <a:srgbClr val="000000"/>
-                </a:solidFill>
-                <a:uFill>
-                  <a:solidFill>
-                    <a:srgbClr val="ffffff"/>
-                  </a:solidFill>
-                </a:uFill>
-                <a:latin typeface="TeXGyreSchola"/>
-              </a:rPr>
-              <a:t>c</a:t>
-            </a:r>
-            <a:r>
-              <a:rPr b="0" lang="en-US" sz="4800" spc="-1" strike="noStrike">
-                <a:solidFill>
-                  <a:srgbClr val="000000"/>
-                </a:solidFill>
-                <a:uFill>
-                  <a:solidFill>
-                    <a:srgbClr val="ffffff"/>
-                  </a:solidFill>
-                </a:uFill>
-                <a:latin typeface="TeXGyreSchola"/>
-              </a:rPr>
-              <a:t>h</a:t>
-            </a:r>
-            <a:r>
-              <a:rPr b="0" lang="en-US" sz="4800" spc="-1" strike="noStrike">
-                <a:solidFill>
-                  <a:srgbClr val="000000"/>
-                </a:solidFill>
-                <a:uFill>
-                  <a:solidFill>
-                    <a:srgbClr val="ffffff"/>
-                  </a:solidFill>
-                </a:uFill>
-                <a:latin typeface="TeXGyreSchola"/>
-              </a:rPr>
-              <a:t> </a:t>
-            </a:r>
-            <a:r>
-              <a:rPr b="0" lang="en-US" sz="4800" spc="-1" strike="noStrike">
-                <a:solidFill>
-                  <a:srgbClr val="000000"/>
-                </a:solidFill>
-                <a:uFill>
-                  <a:solidFill>
-                    <a:srgbClr val="ffffff"/>
-                  </a:solidFill>
-                </a:uFill>
-                <a:latin typeface="TeXGyreSchola"/>
-              </a:rPr>
-              <a:t>o</a:t>
-            </a:r>
-            <a:r>
-              <a:rPr b="0" lang="en-US" sz="4800" spc="-1" strike="noStrike">
-                <a:solidFill>
-                  <a:srgbClr val="000000"/>
-                </a:solidFill>
-                <a:uFill>
-                  <a:solidFill>
-                    <a:srgbClr val="ffffff"/>
-                  </a:solidFill>
-                </a:uFill>
-                <a:latin typeface="TeXGyreSchola"/>
-              </a:rPr>
-              <a:t>t</a:t>
-            </a:r>
-            <a:r>
-              <a:rPr b="0" lang="en-US" sz="4800" spc="-1" strike="noStrike">
-                <a:solidFill>
-                  <a:srgbClr val="000000"/>
-                </a:solidFill>
-                <a:uFill>
-                  <a:solidFill>
-                    <a:srgbClr val="ffffff"/>
-                  </a:solidFill>
-                </a:uFill>
-                <a:latin typeface="TeXGyreSchola"/>
-              </a:rPr>
-              <a:t>h</a:t>
-            </a:r>
-            <a:r>
-              <a:rPr b="0" lang="en-US" sz="4800" spc="-1" strike="noStrike">
-                <a:solidFill>
-                  <a:srgbClr val="000000"/>
-                </a:solidFill>
-                <a:uFill>
-                  <a:solidFill>
-                    <a:srgbClr val="ffffff"/>
-                  </a:solidFill>
-                </a:uFill>
-                <a:latin typeface="TeXGyreSchola"/>
-              </a:rPr>
-              <a:t>e</a:t>
-            </a:r>
-            <a:r>
-              <a:rPr b="0" lang="en-US" sz="4800" spc="-1" strike="noStrike">
-                <a:solidFill>
-                  <a:srgbClr val="000000"/>
-                </a:solidFill>
-                <a:uFill>
-                  <a:solidFill>
-                    <a:srgbClr val="ffffff"/>
-                  </a:solidFill>
-                </a:uFill>
-                <a:latin typeface="TeXGyreSchola"/>
-              </a:rPr>
-              <a:t>r</a:t>
-            </a:r>
-            <a:r>
-              <a:rPr b="0" lang="en-US" sz="4800" spc="-1" strike="noStrike">
-                <a:solidFill>
-                  <a:srgbClr val="000000"/>
-                </a:solidFill>
-                <a:uFill>
-                  <a:solidFill>
-                    <a:srgbClr val="ffffff"/>
-                  </a:solidFill>
-                </a:uFill>
-                <a:latin typeface="TeXGyreSchola"/>
-              </a:rPr>
-              <a:t> </a:t>
-            </a:r>
-            <a:r>
-              <a:rPr b="0" lang="en-US" sz="4800" spc="-1" strike="noStrike">
-                <a:solidFill>
-                  <a:srgbClr val="000000"/>
-                </a:solidFill>
-                <a:uFill>
-                  <a:solidFill>
-                    <a:srgbClr val="ffffff"/>
-                  </a:solidFill>
-                </a:uFill>
-                <a:latin typeface="TeXGyreSchola"/>
-              </a:rPr>
-              <a:t>c</a:t>
-            </a:r>
-            <a:r>
-              <a:rPr b="0" lang="en-US" sz="4800" spc="-1" strike="noStrike">
-                <a:solidFill>
-                  <a:srgbClr val="000000"/>
-                </a:solidFill>
-                <a:uFill>
-                  <a:solidFill>
-                    <a:srgbClr val="ffffff"/>
-                  </a:solidFill>
-                </a:uFill>
-                <a:latin typeface="TeXGyreSchola"/>
-              </a:rPr>
-              <a:t>a</a:t>
-            </a:r>
-            <a:r>
-              <a:rPr b="0" lang="en-US" sz="4800" spc="-1" strike="noStrike">
-                <a:solidFill>
-                  <a:srgbClr val="000000"/>
-                </a:solidFill>
-                <a:uFill>
-                  <a:solidFill>
-                    <a:srgbClr val="ffffff"/>
-                  </a:solidFill>
-                </a:uFill>
-                <a:latin typeface="TeXGyreSchola"/>
-              </a:rPr>
-              <a:t>u</a:t>
-            </a:r>
-            <a:r>
-              <a:rPr b="0" lang="en-US" sz="4800" spc="-1" strike="noStrike">
-                <a:solidFill>
-                  <a:srgbClr val="000000"/>
-                </a:solidFill>
-                <a:uFill>
-                  <a:solidFill>
-                    <a:srgbClr val="ffffff"/>
-                  </a:solidFill>
-                </a:uFill>
-                <a:latin typeface="TeXGyreSchola"/>
-              </a:rPr>
-              <a:t>s</a:t>
-            </a:r>
-            <a:r>
-              <a:rPr b="0" lang="en-US" sz="4800" spc="-1" strike="noStrike">
-                <a:solidFill>
-                  <a:srgbClr val="000000"/>
-                </a:solidFill>
-                <a:uFill>
-                  <a:solidFill>
-                    <a:srgbClr val="ffffff"/>
-                  </a:solidFill>
-                </a:uFill>
-                <a:latin typeface="TeXGyreSchola"/>
-              </a:rPr>
-              <a:t>i</a:t>
-            </a:r>
-            <a:r>
-              <a:rPr b="0" lang="en-US" sz="4800" spc="-1" strike="noStrike">
-                <a:solidFill>
-                  <a:srgbClr val="000000"/>
-                </a:solidFill>
-                <a:uFill>
-                  <a:solidFill>
-                    <a:srgbClr val="ffffff"/>
-                  </a:solidFill>
-                </a:uFill>
-                <a:latin typeface="TeXGyreSchola"/>
-              </a:rPr>
-              <a:t>n</a:t>
-            </a:r>
-            <a:r>
-              <a:rPr b="0" lang="en-US" sz="4800" spc="-1" strike="noStrike">
-                <a:solidFill>
-                  <a:srgbClr val="000000"/>
-                </a:solidFill>
-                <a:uFill>
-                  <a:solidFill>
-                    <a:srgbClr val="ffffff"/>
-                  </a:solidFill>
-                </a:uFill>
-                <a:latin typeface="TeXGyreSchola"/>
-              </a:rPr>
-              <a:t>g</a:t>
-            </a:r>
-            <a:r>
-              <a:rPr b="0" lang="en-US" sz="4800" spc="-1" strike="noStrike">
-                <a:solidFill>
-                  <a:srgbClr val="000000"/>
-                </a:solidFill>
-                <a:uFill>
-                  <a:solidFill>
-                    <a:srgbClr val="ffffff"/>
-                  </a:solidFill>
-                </a:uFill>
-                <a:latin typeface="TeXGyreSchola"/>
-              </a:rPr>
-              <a:t> </a:t>
-            </a:r>
-            <a:r>
-              <a:rPr b="0" lang="en-US" sz="4800" spc="-1" strike="noStrike">
-                <a:solidFill>
-                  <a:srgbClr val="000000"/>
-                </a:solidFill>
-                <a:uFill>
-                  <a:solidFill>
-                    <a:srgbClr val="ffffff"/>
-                  </a:solidFill>
-                </a:uFill>
-                <a:latin typeface="TeXGyreSchola"/>
-              </a:rPr>
-              <a:t>e</a:t>
-            </a:r>
-            <a:r>
-              <a:rPr b="0" lang="en-US" sz="4800" spc="-1" strike="noStrike">
-                <a:solidFill>
-                  <a:srgbClr val="000000"/>
-                </a:solidFill>
-                <a:uFill>
-                  <a:solidFill>
-                    <a:srgbClr val="ffffff"/>
-                  </a:solidFill>
-                </a:uFill>
-                <a:latin typeface="TeXGyreSchola"/>
-              </a:rPr>
-              <a:t>r</a:t>
-            </a:r>
-            <a:r>
-              <a:rPr b="0" lang="en-US" sz="4800" spc="-1" strike="noStrike">
-                <a:solidFill>
-                  <a:srgbClr val="000000"/>
-                </a:solidFill>
-                <a:uFill>
-                  <a:solidFill>
-                    <a:srgbClr val="ffffff"/>
-                  </a:solidFill>
-                </a:uFill>
-                <a:latin typeface="TeXGyreSchola"/>
-              </a:rPr>
-              <a:t>r</a:t>
-            </a:r>
-            <a:r>
-              <a:rPr b="0" lang="en-US" sz="4800" spc="-1" strike="noStrike">
-                <a:solidFill>
-                  <a:srgbClr val="000000"/>
-                </a:solidFill>
-                <a:uFill>
-                  <a:solidFill>
-                    <a:srgbClr val="ffffff"/>
-                  </a:solidFill>
-                </a:uFill>
-                <a:latin typeface="TeXGyreSchola"/>
-              </a:rPr>
-              <a:t>a</a:t>
-            </a:r>
-            <a:r>
-              <a:rPr b="0" lang="en-US" sz="4800" spc="-1" strike="noStrike">
-                <a:solidFill>
-                  <a:srgbClr val="000000"/>
-                </a:solidFill>
-                <a:uFill>
-                  <a:solidFill>
-                    <a:srgbClr val="ffffff"/>
-                  </a:solidFill>
-                </a:uFill>
-                <a:latin typeface="TeXGyreSchola"/>
-              </a:rPr>
-              <a:t>t</a:t>
-            </a:r>
-            <a:r>
-              <a:rPr b="0" lang="en-US" sz="4800" spc="-1" strike="noStrike">
-                <a:solidFill>
-                  <a:srgbClr val="000000"/>
-                </a:solidFill>
-                <a:uFill>
-                  <a:solidFill>
-                    <a:srgbClr val="ffffff"/>
-                  </a:solidFill>
-                </a:uFill>
-                <a:latin typeface="TeXGyreSchola"/>
-              </a:rPr>
-              <a:t>i</a:t>
-            </a:r>
-            <a:r>
-              <a:rPr b="0" lang="en-US" sz="4800" spc="-1" strike="noStrike">
-                <a:solidFill>
-                  <a:srgbClr val="000000"/>
-                </a:solidFill>
-                <a:uFill>
-                  <a:solidFill>
-                    <a:srgbClr val="ffffff"/>
-                  </a:solidFill>
-                </a:uFill>
-                <a:latin typeface="TeXGyreSchola"/>
-              </a:rPr>
-              <a:t>c</a:t>
-            </a:r>
-            <a:r>
-              <a:rPr b="0" lang="en-US" sz="4800" spc="-1" strike="noStrike">
-                <a:solidFill>
-                  <a:srgbClr val="000000"/>
-                </a:solidFill>
-                <a:uFill>
-                  <a:solidFill>
-                    <a:srgbClr val="ffffff"/>
-                  </a:solidFill>
-                </a:uFill>
-                <a:latin typeface="TeXGyreSchola"/>
-              </a:rPr>
-              <a:t> </a:t>
-            </a:r>
-            <a:r>
-              <a:rPr b="0" lang="en-US" sz="4800" spc="-1" strike="noStrike">
-                <a:solidFill>
-                  <a:srgbClr val="000000"/>
-                </a:solidFill>
-                <a:uFill>
-                  <a:solidFill>
-                    <a:srgbClr val="ffffff"/>
-                  </a:solidFill>
-                </a:uFill>
-                <a:latin typeface="TeXGyreSchola"/>
-              </a:rPr>
-              <a:t>a</a:t>
-            </a:r>
-            <a:r>
-              <a:rPr b="0" lang="en-US" sz="4800" spc="-1" strike="noStrike">
-                <a:solidFill>
-                  <a:srgbClr val="000000"/>
-                </a:solidFill>
-                <a:uFill>
-                  <a:solidFill>
-                    <a:srgbClr val="ffffff"/>
-                  </a:solidFill>
-                </a:uFill>
-                <a:latin typeface="TeXGyreSchola"/>
-              </a:rPr>
-              <a:t>n</a:t>
-            </a:r>
-            <a:r>
-              <a:rPr b="0" lang="en-US" sz="4800" spc="-1" strike="noStrike">
-                <a:solidFill>
-                  <a:srgbClr val="000000"/>
-                </a:solidFill>
-                <a:uFill>
-                  <a:solidFill>
-                    <a:srgbClr val="ffffff"/>
-                  </a:solidFill>
-                </a:uFill>
-                <a:latin typeface="TeXGyreSchola"/>
-              </a:rPr>
-              <a:t>d</a:t>
-            </a:r>
-            <a:r>
-              <a:rPr b="0" lang="en-US" sz="4800" spc="-1" strike="noStrike">
-                <a:solidFill>
-                  <a:srgbClr val="000000"/>
-                </a:solidFill>
-                <a:uFill>
-                  <a:solidFill>
-                    <a:srgbClr val="ffffff"/>
-                  </a:solidFill>
-                </a:uFill>
-                <a:latin typeface="TeXGyreSchola"/>
-              </a:rPr>
-              <a:t> </a:t>
-            </a:r>
-            <a:r>
-              <a:rPr b="0" lang="en-US" sz="4800" spc="-1" strike="noStrike">
-                <a:solidFill>
-                  <a:srgbClr val="000000"/>
-                </a:solidFill>
-                <a:uFill>
-                  <a:solidFill>
-                    <a:srgbClr val="ffffff"/>
-                  </a:solidFill>
-                </a:uFill>
-                <a:latin typeface="TeXGyreSchola"/>
-              </a:rPr>
-              <a:t>s</a:t>
-            </a:r>
-            <a:r>
-              <a:rPr b="0" lang="en-US" sz="4800" spc="-1" strike="noStrike">
-                <a:solidFill>
-                  <a:srgbClr val="000000"/>
-                </a:solidFill>
-                <a:uFill>
-                  <a:solidFill>
-                    <a:srgbClr val="ffffff"/>
-                  </a:solidFill>
-                </a:uFill>
-                <a:latin typeface="TeXGyreSchola"/>
-              </a:rPr>
-              <a:t>t</a:t>
-            </a:r>
-            <a:r>
-              <a:rPr b="0" lang="en-US" sz="4800" spc="-1" strike="noStrike">
-                <a:solidFill>
-                  <a:srgbClr val="000000"/>
-                </a:solidFill>
-                <a:uFill>
-                  <a:solidFill>
-                    <a:srgbClr val="ffffff"/>
-                  </a:solidFill>
-                </a:uFill>
-                <a:latin typeface="TeXGyreSchola"/>
-              </a:rPr>
-              <a:t>o</a:t>
-            </a:r>
-            <a:r>
-              <a:rPr b="0" lang="en-US" sz="4800" spc="-1" strike="noStrike">
-                <a:solidFill>
-                  <a:srgbClr val="000000"/>
-                </a:solidFill>
-                <a:uFill>
-                  <a:solidFill>
-                    <a:srgbClr val="ffffff"/>
-                  </a:solidFill>
-                </a:uFill>
-                <a:latin typeface="TeXGyreSchola"/>
-              </a:rPr>
-              <a:t>c</a:t>
-            </a:r>
-            <a:r>
-              <a:rPr b="0" lang="en-US" sz="4800" spc="-1" strike="noStrike">
-                <a:solidFill>
-                  <a:srgbClr val="000000"/>
-                </a:solidFill>
-                <a:uFill>
-                  <a:solidFill>
-                    <a:srgbClr val="ffffff"/>
-                  </a:solidFill>
-                </a:uFill>
-                <a:latin typeface="TeXGyreSchola"/>
-              </a:rPr>
-              <a:t>h</a:t>
-            </a:r>
-            <a:r>
-              <a:rPr b="0" lang="en-US" sz="4800" spc="-1" strike="noStrike">
-                <a:solidFill>
-                  <a:srgbClr val="000000"/>
-                </a:solidFill>
-                <a:uFill>
-                  <a:solidFill>
-                    <a:srgbClr val="ffffff"/>
-                  </a:solidFill>
-                </a:uFill>
-                <a:latin typeface="TeXGyreSchola"/>
-              </a:rPr>
-              <a:t>a</a:t>
-            </a:r>
-            <a:r>
-              <a:rPr b="0" lang="en-US" sz="4800" spc="-1" strike="noStrike">
-                <a:solidFill>
-                  <a:srgbClr val="000000"/>
-                </a:solidFill>
-                <a:uFill>
-                  <a:solidFill>
-                    <a:srgbClr val="ffffff"/>
-                  </a:solidFill>
-                </a:uFill>
-                <a:latin typeface="TeXGyreSchola"/>
-              </a:rPr>
-              <a:t>s</a:t>
-            </a:r>
-            <a:r>
-              <a:rPr b="0" lang="en-US" sz="4800" spc="-1" strike="noStrike">
-                <a:solidFill>
-                  <a:srgbClr val="000000"/>
-                </a:solidFill>
-                <a:uFill>
-                  <a:solidFill>
-                    <a:srgbClr val="ffffff"/>
-                  </a:solidFill>
-                </a:uFill>
-                <a:latin typeface="TeXGyreSchola"/>
-              </a:rPr>
-              <a:t>t</a:t>
-            </a:r>
-            <a:r>
-              <a:rPr b="0" lang="en-US" sz="4800" spc="-1" strike="noStrike">
-                <a:solidFill>
-                  <a:srgbClr val="000000"/>
-                </a:solidFill>
-                <a:uFill>
-                  <a:solidFill>
-                    <a:srgbClr val="ffffff"/>
-                  </a:solidFill>
-                </a:uFill>
-                <a:latin typeface="TeXGyreSchola"/>
-              </a:rPr>
-              <a:t>i</a:t>
-            </a:r>
-            <a:r>
-              <a:rPr b="0" lang="en-US" sz="4800" spc="-1" strike="noStrike">
-                <a:solidFill>
-                  <a:srgbClr val="000000"/>
-                </a:solidFill>
-                <a:uFill>
-                  <a:solidFill>
-                    <a:srgbClr val="ffffff"/>
-                  </a:solidFill>
-                </a:uFill>
-                <a:latin typeface="TeXGyreSchola"/>
-              </a:rPr>
-              <a:t>c</a:t>
-            </a:r>
-            <a:r>
-              <a:rPr b="0" lang="en-US" sz="4800" spc="-1" strike="noStrike">
-                <a:solidFill>
-                  <a:srgbClr val="000000"/>
-                </a:solidFill>
-                <a:uFill>
-                  <a:solidFill>
-                    <a:srgbClr val="ffffff"/>
-                  </a:solidFill>
-                </a:uFill>
-                <a:latin typeface="TeXGyreSchola"/>
-              </a:rPr>
-              <a:t> </a:t>
-            </a:r>
-            <a:r>
-              <a:rPr b="0" lang="en-US" sz="4800" spc="-1" strike="noStrike">
-                <a:solidFill>
-                  <a:srgbClr val="000000"/>
-                </a:solidFill>
-                <a:uFill>
-                  <a:solidFill>
-                    <a:srgbClr val="ffffff"/>
-                  </a:solidFill>
-                </a:uFill>
-                <a:latin typeface="TeXGyreSchola"/>
-              </a:rPr>
-              <a:t>s</a:t>
-            </a:r>
-            <a:r>
-              <a:rPr b="0" lang="en-US" sz="4800" spc="-1" strike="noStrike">
-                <a:solidFill>
-                  <a:srgbClr val="000000"/>
-                </a:solidFill>
-                <a:uFill>
-                  <a:solidFill>
-                    <a:srgbClr val="ffffff"/>
-                  </a:solidFill>
-                </a:uFill>
-                <a:latin typeface="TeXGyreSchola"/>
-              </a:rPr>
-              <a:t>t</a:t>
-            </a:r>
-            <a:r>
-              <a:rPr b="0" lang="en-US" sz="4800" spc="-1" strike="noStrike">
-                <a:solidFill>
-                  <a:srgbClr val="000000"/>
-                </a:solidFill>
-                <a:uFill>
-                  <a:solidFill>
-                    <a:srgbClr val="ffffff"/>
-                  </a:solidFill>
-                </a:uFill>
-                <a:latin typeface="TeXGyreSchola"/>
-              </a:rPr>
-              <a:t>e</a:t>
-            </a:r>
-            <a:r>
-              <a:rPr b="0" lang="en-US" sz="4800" spc="-1" strike="noStrike">
-                <a:solidFill>
-                  <a:srgbClr val="000000"/>
-                </a:solidFill>
-                <a:uFill>
-                  <a:solidFill>
-                    <a:srgbClr val="ffffff"/>
-                  </a:solidFill>
-                </a:uFill>
-                <a:latin typeface="TeXGyreSchola"/>
-              </a:rPr>
-              <a:t>p</a:t>
-            </a:r>
-            <a:r>
-              <a:rPr b="0" lang="en-US" sz="4800" spc="-1" strike="noStrike">
-                <a:solidFill>
-                  <a:srgbClr val="000000"/>
-                </a:solidFill>
-                <a:uFill>
-                  <a:solidFill>
-                    <a:srgbClr val="ffffff"/>
-                  </a:solidFill>
-                </a:uFill>
-                <a:latin typeface="TeXGyreSchola"/>
-              </a:rPr>
-              <a:t>s</a:t>
-            </a:r>
-            <a:r>
-              <a:rPr b="0" lang="en-US" sz="4800" spc="-1" strike="noStrike">
-                <a:solidFill>
-                  <a:srgbClr val="000000"/>
-                </a:solidFill>
-                <a:uFill>
-                  <a:solidFill>
-                    <a:srgbClr val="ffffff"/>
-                  </a:solidFill>
-                </a:uFill>
-                <a:latin typeface="TeXGyreSchola"/>
-              </a:rPr>
-              <a:t>,</a:t>
-            </a:r>
-            <a:r>
-              <a:rPr b="0" lang="en-US" sz="4800" spc="-1" strike="noStrike">
-                <a:solidFill>
-                  <a:srgbClr val="000000"/>
-                </a:solidFill>
-                <a:uFill>
-                  <a:solidFill>
-                    <a:srgbClr val="ffffff"/>
-                  </a:solidFill>
-                </a:uFill>
-                <a:latin typeface="TeXGyreSchola"/>
-              </a:rPr>
-              <a:t> </a:t>
-            </a:r>
-            <a:r>
-              <a:rPr b="0" lang="en-US" sz="4800" spc="-1" strike="noStrike">
-                <a:solidFill>
-                  <a:srgbClr val="000000"/>
-                </a:solidFill>
-                <a:uFill>
-                  <a:solidFill>
-                    <a:srgbClr val="ffffff"/>
-                  </a:solidFill>
-                </a:uFill>
-                <a:latin typeface="TeXGyreSchola"/>
-              </a:rPr>
-              <a:t>a</a:t>
-            </a:r>
-            <a:r>
-              <a:rPr b="0" lang="en-US" sz="4800" spc="-1" strike="noStrike">
-                <a:solidFill>
-                  <a:srgbClr val="000000"/>
-                </a:solidFill>
-                <a:uFill>
-                  <a:solidFill>
-                    <a:srgbClr val="ffffff"/>
-                  </a:solidFill>
-                </a:uFill>
-                <a:latin typeface="TeXGyreSchola"/>
-              </a:rPr>
-              <a:t>l</a:t>
-            </a:r>
-            <a:r>
-              <a:rPr b="0" lang="en-US" sz="4800" spc="-1" strike="noStrike">
-                <a:solidFill>
-                  <a:srgbClr val="000000"/>
-                </a:solidFill>
-                <a:uFill>
-                  <a:solidFill>
-                    <a:srgbClr val="ffffff"/>
-                  </a:solidFill>
-                </a:uFill>
-                <a:latin typeface="TeXGyreSchola"/>
-              </a:rPr>
-              <a:t>l</a:t>
-            </a:r>
-            <a:r>
-              <a:rPr b="0" lang="en-US" sz="4800" spc="-1" strike="noStrike">
-                <a:solidFill>
-                  <a:srgbClr val="000000"/>
-                </a:solidFill>
-                <a:uFill>
-                  <a:solidFill>
-                    <a:srgbClr val="ffffff"/>
-                  </a:solidFill>
-                </a:uFill>
-                <a:latin typeface="TeXGyreSchola"/>
-              </a:rPr>
-              <a:t>o</a:t>
-            </a:r>
-            <a:r>
-              <a:rPr b="0" lang="en-US" sz="4800" spc="-1" strike="noStrike">
-                <a:solidFill>
-                  <a:srgbClr val="000000"/>
-                </a:solidFill>
-                <a:uFill>
-                  <a:solidFill>
-                    <a:srgbClr val="ffffff"/>
-                  </a:solidFill>
-                </a:uFill>
-                <a:latin typeface="TeXGyreSchola"/>
-              </a:rPr>
-              <a:t>w</a:t>
-            </a:r>
-            <a:r>
-              <a:rPr b="0" lang="en-US" sz="4800" spc="-1" strike="noStrike">
-                <a:solidFill>
-                  <a:srgbClr val="000000"/>
-                </a:solidFill>
-                <a:uFill>
-                  <a:solidFill>
-                    <a:srgbClr val="ffffff"/>
-                  </a:solidFill>
-                </a:uFill>
-                <a:latin typeface="TeXGyreSchola"/>
-              </a:rPr>
-              <a:t>i</a:t>
-            </a:r>
-            <a:r>
-              <a:rPr b="0" lang="en-US" sz="4800" spc="-1" strike="noStrike">
-                <a:solidFill>
-                  <a:srgbClr val="000000"/>
-                </a:solidFill>
-                <a:uFill>
-                  <a:solidFill>
-                    <a:srgbClr val="ffffff"/>
-                  </a:solidFill>
-                </a:uFill>
-                <a:latin typeface="TeXGyreSchola"/>
-              </a:rPr>
-              <a:t>n</a:t>
-            </a:r>
-            <a:r>
-              <a:rPr b="0" lang="en-US" sz="4800" spc="-1" strike="noStrike">
-                <a:solidFill>
-                  <a:srgbClr val="000000"/>
-                </a:solidFill>
-                <a:uFill>
-                  <a:solidFill>
-                    <a:srgbClr val="ffffff"/>
-                  </a:solidFill>
-                </a:uFill>
-                <a:latin typeface="TeXGyreSchola"/>
-              </a:rPr>
-              <a:t>g</a:t>
-            </a:r>
-            <a:r>
-              <a:rPr b="0" lang="en-US" sz="4800" spc="-1" strike="noStrike">
-                <a:solidFill>
-                  <a:srgbClr val="000000"/>
-                </a:solidFill>
-                <a:uFill>
-                  <a:solidFill>
-                    <a:srgbClr val="ffffff"/>
-                  </a:solidFill>
-                </a:uFill>
-                <a:latin typeface="TeXGyreSchola"/>
-              </a:rPr>
-              <a:t> </a:t>
-            </a:r>
-            <a:r>
-              <a:rPr b="0" lang="en-US" sz="4800" spc="-1" strike="noStrike">
-                <a:solidFill>
-                  <a:srgbClr val="000000"/>
-                </a:solidFill>
-                <a:uFill>
-                  <a:solidFill>
-                    <a:srgbClr val="ffffff"/>
-                  </a:solidFill>
-                </a:uFill>
-                <a:latin typeface="TeXGyreSchola"/>
-              </a:rPr>
-              <a:t>u</a:t>
-            </a:r>
-            <a:r>
-              <a:rPr b="0" lang="en-US" sz="4800" spc="-1" strike="noStrike">
-                <a:solidFill>
-                  <a:srgbClr val="000000"/>
-                </a:solidFill>
-                <a:uFill>
-                  <a:solidFill>
-                    <a:srgbClr val="ffffff"/>
-                  </a:solidFill>
-                </a:uFill>
-                <a:latin typeface="TeXGyreSchola"/>
-              </a:rPr>
-              <a:t>s</a:t>
-            </a:r>
-            <a:r>
-              <a:rPr b="0" lang="en-US" sz="4800" spc="-1" strike="noStrike">
-                <a:solidFill>
-                  <a:srgbClr val="000000"/>
-                </a:solidFill>
-                <a:uFill>
-                  <a:solidFill>
-                    <a:srgbClr val="ffffff"/>
-                  </a:solidFill>
-                </a:uFill>
-                <a:latin typeface="TeXGyreSchola"/>
-              </a:rPr>
-              <a:t> </a:t>
-            </a:r>
-            <a:r>
-              <a:rPr b="0" lang="en-US" sz="4800" spc="-1" strike="noStrike">
-                <a:solidFill>
-                  <a:srgbClr val="000000"/>
-                </a:solidFill>
-                <a:uFill>
-                  <a:solidFill>
-                    <a:srgbClr val="ffffff"/>
-                  </a:solidFill>
-                </a:uFill>
-                <a:latin typeface="TeXGyreSchola"/>
-              </a:rPr>
-              <a:t>t</a:t>
-            </a:r>
-            <a:r>
-              <a:rPr b="0" lang="en-US" sz="4800" spc="-1" strike="noStrike">
-                <a:solidFill>
-                  <a:srgbClr val="000000"/>
-                </a:solidFill>
-                <a:uFill>
-                  <a:solidFill>
-                    <a:srgbClr val="ffffff"/>
-                  </a:solidFill>
-                </a:uFill>
-                <a:latin typeface="TeXGyreSchola"/>
-              </a:rPr>
-              <a:t>o</a:t>
-            </a:r>
-            <a:r>
-              <a:rPr b="0" lang="en-US" sz="4800" spc="-1" strike="noStrike">
-                <a:solidFill>
-                  <a:srgbClr val="000000"/>
-                </a:solidFill>
-                <a:uFill>
-                  <a:solidFill>
-                    <a:srgbClr val="ffffff"/>
-                  </a:solidFill>
-                </a:uFill>
-                <a:latin typeface="TeXGyreSchola"/>
-              </a:rPr>
-              <a:t> </a:t>
-            </a:r>
-            <a:r>
-              <a:rPr b="0" lang="en-US" sz="4800" spc="-1" strike="noStrike">
-                <a:solidFill>
-                  <a:srgbClr val="000000"/>
-                </a:solidFill>
-                <a:uFill>
-                  <a:solidFill>
-                    <a:srgbClr val="ffffff"/>
-                  </a:solidFill>
-                </a:uFill>
-                <a:latin typeface="TeXGyreSchola"/>
-              </a:rPr>
-              <a:t>m</a:t>
-            </a:r>
-            <a:r>
-              <a:rPr b="0" lang="en-US" sz="4800" spc="-1" strike="noStrike">
-                <a:solidFill>
-                  <a:srgbClr val="000000"/>
-                </a:solidFill>
-                <a:uFill>
-                  <a:solidFill>
-                    <a:srgbClr val="ffffff"/>
-                  </a:solidFill>
-                </a:uFill>
-                <a:latin typeface="TeXGyreSchola"/>
-              </a:rPr>
-              <a:t>o</a:t>
-            </a:r>
-            <a:r>
-              <a:rPr b="0" lang="en-US" sz="4800" spc="-1" strike="noStrike">
-                <a:solidFill>
-                  <a:srgbClr val="000000"/>
-                </a:solidFill>
-                <a:uFill>
-                  <a:solidFill>
-                    <a:srgbClr val="ffffff"/>
-                  </a:solidFill>
-                </a:uFill>
-                <a:latin typeface="TeXGyreSchola"/>
-              </a:rPr>
-              <a:t>d</a:t>
-            </a:r>
-            <a:r>
-              <a:rPr b="0" lang="en-US" sz="4800" spc="-1" strike="noStrike">
-                <a:solidFill>
-                  <a:srgbClr val="000000"/>
-                </a:solidFill>
-                <a:uFill>
-                  <a:solidFill>
-                    <a:srgbClr val="ffffff"/>
-                  </a:solidFill>
-                </a:uFill>
-                <a:latin typeface="TeXGyreSchola"/>
-              </a:rPr>
-              <a:t>e</a:t>
-            </a:r>
-            <a:r>
-              <a:rPr b="0" lang="en-US" sz="4800" spc="-1" strike="noStrike">
-                <a:solidFill>
-                  <a:srgbClr val="000000"/>
-                </a:solidFill>
-                <a:uFill>
-                  <a:solidFill>
-                    <a:srgbClr val="ffffff"/>
-                  </a:solidFill>
-                </a:uFill>
-                <a:latin typeface="TeXGyreSchola"/>
-              </a:rPr>
-              <a:t>l</a:t>
-            </a:r>
-            <a:r>
-              <a:rPr b="0" lang="en-US" sz="4800" spc="-1" strike="noStrike">
-                <a:solidFill>
-                  <a:srgbClr val="000000"/>
-                </a:solidFill>
-                <a:uFill>
-                  <a:solidFill>
-                    <a:srgbClr val="ffffff"/>
-                  </a:solidFill>
-                </a:uFill>
-                <a:latin typeface="TeXGyreSchola"/>
-              </a:rPr>
-              <a:t> </a:t>
-            </a:r>
-            <a:r>
-              <a:rPr b="0" lang="en-US" sz="4800" spc="-1" strike="noStrike">
-                <a:solidFill>
-                  <a:srgbClr val="000000"/>
-                </a:solidFill>
-                <a:uFill>
-                  <a:solidFill>
-                    <a:srgbClr val="ffffff"/>
-                  </a:solidFill>
-                </a:uFill>
-                <a:latin typeface="TeXGyreSchola"/>
-              </a:rPr>
-              <a:t>i</a:t>
-            </a:r>
-            <a:r>
-              <a:rPr b="0" lang="en-US" sz="4800" spc="-1" strike="noStrike">
-                <a:solidFill>
-                  <a:srgbClr val="000000"/>
-                </a:solidFill>
-                <a:uFill>
-                  <a:solidFill>
-                    <a:srgbClr val="ffffff"/>
-                  </a:solidFill>
-                </a:uFill>
-                <a:latin typeface="TeXGyreSchola"/>
-              </a:rPr>
-              <a:t>t</a:t>
-            </a:r>
-            <a:r>
-              <a:rPr b="0" lang="en-US" sz="4800" spc="-1" strike="noStrike">
-                <a:solidFill>
-                  <a:srgbClr val="000000"/>
-                </a:solidFill>
-                <a:uFill>
-                  <a:solidFill>
-                    <a:srgbClr val="ffffff"/>
-                  </a:solidFill>
-                </a:uFill>
-                <a:latin typeface="TeXGyreSchola"/>
-              </a:rPr>
-              <a:t>s</a:t>
-            </a:r>
-            <a:r>
-              <a:rPr b="0" lang="en-US" sz="4800" spc="-1" strike="noStrike">
-                <a:solidFill>
-                  <a:srgbClr val="000000"/>
-                </a:solidFill>
-                <a:uFill>
-                  <a:solidFill>
-                    <a:srgbClr val="ffffff"/>
-                  </a:solidFill>
-                </a:uFill>
-                <a:latin typeface="TeXGyreSchola"/>
-              </a:rPr>
-              <a:t> </a:t>
-            </a:r>
-            <a:r>
-              <a:rPr b="0" lang="en-US" sz="4800" spc="-1" strike="noStrike">
-                <a:solidFill>
-                  <a:srgbClr val="000000"/>
-                </a:solidFill>
-                <a:uFill>
-                  <a:solidFill>
-                    <a:srgbClr val="ffffff"/>
-                  </a:solidFill>
-                </a:uFill>
-                <a:latin typeface="TeXGyreSchola"/>
-              </a:rPr>
-              <a:t>w</a:t>
-            </a:r>
-            <a:r>
-              <a:rPr b="0" lang="en-US" sz="4800" spc="-1" strike="noStrike">
-                <a:solidFill>
-                  <a:srgbClr val="000000"/>
-                </a:solidFill>
-                <a:uFill>
-                  <a:solidFill>
-                    <a:srgbClr val="ffffff"/>
-                  </a:solidFill>
-                </a:uFill>
-                <a:latin typeface="TeXGyreSchola"/>
-              </a:rPr>
-              <a:t>a</a:t>
-            </a:r>
-            <a:r>
-              <a:rPr b="0" lang="en-US" sz="4800" spc="-1" strike="noStrike">
-                <a:solidFill>
-                  <a:srgbClr val="000000"/>
-                </a:solidFill>
-                <a:uFill>
-                  <a:solidFill>
-                    <a:srgbClr val="ffffff"/>
-                  </a:solidFill>
-                </a:uFill>
-                <a:latin typeface="TeXGyreSchola"/>
-              </a:rPr>
-              <a:t>l</a:t>
-            </a:r>
-            <a:r>
-              <a:rPr b="0" lang="en-US" sz="4800" spc="-1" strike="noStrike">
-                <a:solidFill>
-                  <a:srgbClr val="000000"/>
-                </a:solidFill>
-                <a:uFill>
-                  <a:solidFill>
-                    <a:srgbClr val="ffffff"/>
-                  </a:solidFill>
-                </a:uFill>
-                <a:latin typeface="TeXGyreSchola"/>
-              </a:rPr>
-              <a:t>k</a:t>
-            </a:r>
-            <a:r>
-              <a:rPr b="0" lang="en-US" sz="4800" spc="-1" strike="noStrike">
-                <a:solidFill>
-                  <a:srgbClr val="000000"/>
-                </a:solidFill>
-                <a:uFill>
-                  <a:solidFill>
-                    <a:srgbClr val="ffffff"/>
-                  </a:solidFill>
-                </a:uFill>
-                <a:latin typeface="TeXGyreSchola"/>
-              </a:rPr>
-              <a:t> </a:t>
-            </a:r>
-            <a:r>
-              <a:rPr b="0" lang="en-US" sz="4800" spc="-1" strike="noStrike">
-                <a:solidFill>
-                  <a:srgbClr val="000000"/>
-                </a:solidFill>
-                <a:uFill>
-                  <a:solidFill>
-                    <a:srgbClr val="ffffff"/>
-                  </a:solidFill>
-                </a:uFill>
-                <a:latin typeface="TeXGyreSchola"/>
-              </a:rPr>
-              <a:t>w</a:t>
-            </a:r>
-            <a:r>
-              <a:rPr b="0" lang="en-US" sz="4800" spc="-1" strike="noStrike">
-                <a:solidFill>
-                  <a:srgbClr val="000000"/>
-                </a:solidFill>
-                <a:uFill>
-                  <a:solidFill>
-                    <a:srgbClr val="ffffff"/>
-                  </a:solidFill>
-                </a:uFill>
-                <a:latin typeface="TeXGyreSchola"/>
-              </a:rPr>
-              <a:t>i</a:t>
-            </a:r>
-            <a:r>
-              <a:rPr b="0" lang="en-US" sz="4800" spc="-1" strike="noStrike">
-                <a:solidFill>
-                  <a:srgbClr val="000000"/>
-                </a:solidFill>
-                <a:uFill>
-                  <a:solidFill>
-                    <a:srgbClr val="ffffff"/>
-                  </a:solidFill>
-                </a:uFill>
-                <a:latin typeface="TeXGyreSchola"/>
-              </a:rPr>
-              <a:t>t</a:t>
-            </a:r>
-            <a:r>
-              <a:rPr b="0" lang="en-US" sz="4800" spc="-1" strike="noStrike">
-                <a:solidFill>
-                  <a:srgbClr val="000000"/>
-                </a:solidFill>
-                <a:uFill>
-                  <a:solidFill>
-                    <a:srgbClr val="ffffff"/>
-                  </a:solidFill>
-                </a:uFill>
-                <a:latin typeface="TeXGyreSchola"/>
-              </a:rPr>
-              <a:t>h</a:t>
-            </a:r>
-            <a:r>
-              <a:rPr b="0" lang="en-US" sz="4800" spc="-1" strike="noStrike">
-                <a:solidFill>
-                  <a:srgbClr val="000000"/>
-                </a:solidFill>
-                <a:uFill>
-                  <a:solidFill>
-                    <a:srgbClr val="ffffff"/>
-                  </a:solidFill>
-                </a:uFill>
-                <a:latin typeface="TeXGyreSchola"/>
-              </a:rPr>
-              <a:t> </a:t>
-            </a:r>
-            <a:r>
-              <a:rPr b="0" lang="en-US" sz="4800" spc="-1" strike="noStrike">
-                <a:solidFill>
-                  <a:srgbClr val="000000"/>
-                </a:solidFill>
-                <a:uFill>
-                  <a:solidFill>
-                    <a:srgbClr val="ffffff"/>
-                  </a:solidFill>
-                </a:uFill>
-                <a:latin typeface="TeXGyreSchola"/>
-              </a:rPr>
-              <a:t>M</a:t>
-            </a:r>
-            <a:r>
-              <a:rPr b="0" lang="en-US" sz="4800" spc="-1" strike="noStrike">
-                <a:solidFill>
-                  <a:srgbClr val="000000"/>
-                </a:solidFill>
-                <a:uFill>
-                  <a:solidFill>
-                    <a:srgbClr val="ffffff"/>
-                  </a:solidFill>
-                </a:uFill>
-                <a:latin typeface="TeXGyreSchola"/>
-              </a:rPr>
-              <a:t>o</a:t>
-            </a:r>
-            <a:r>
-              <a:rPr b="0" lang="en-US" sz="4800" spc="-1" strike="noStrike">
-                <a:solidFill>
-                  <a:srgbClr val="000000"/>
-                </a:solidFill>
-                <a:uFill>
-                  <a:solidFill>
-                    <a:srgbClr val="ffffff"/>
-                  </a:solidFill>
-                </a:uFill>
-                <a:latin typeface="TeXGyreSchola"/>
-              </a:rPr>
-              <a:t>n</a:t>
-            </a:r>
-            <a:r>
-              <a:rPr b="0" lang="en-US" sz="4800" spc="-1" strike="noStrike">
-                <a:solidFill>
-                  <a:srgbClr val="000000"/>
-                </a:solidFill>
-                <a:uFill>
-                  <a:solidFill>
-                    <a:srgbClr val="ffffff"/>
-                  </a:solidFill>
-                </a:uFill>
-                <a:latin typeface="TeXGyreSchola"/>
-              </a:rPr>
-              <a:t>t</a:t>
-            </a:r>
-            <a:r>
-              <a:rPr b="0" lang="en-US" sz="4800" spc="-1" strike="noStrike">
-                <a:solidFill>
-                  <a:srgbClr val="000000"/>
-                </a:solidFill>
-                <a:uFill>
-                  <a:solidFill>
-                    <a:srgbClr val="ffffff"/>
-                  </a:solidFill>
-                </a:uFill>
-                <a:latin typeface="TeXGyreSchola"/>
-              </a:rPr>
-              <a:t>e</a:t>
-            </a:r>
-            <a:r>
-              <a:rPr b="0" lang="en-US" sz="4800" spc="-1" strike="noStrike">
-                <a:solidFill>
-                  <a:srgbClr val="000000"/>
-                </a:solidFill>
-                <a:uFill>
-                  <a:solidFill>
-                    <a:srgbClr val="ffffff"/>
-                  </a:solidFill>
-                </a:uFill>
-                <a:latin typeface="TeXGyreSchola"/>
-              </a:rPr>
-              <a:t> </a:t>
-            </a:r>
-            <a:r>
-              <a:rPr b="0" lang="en-US" sz="4800" spc="-1" strike="noStrike">
-                <a:solidFill>
-                  <a:srgbClr val="000000"/>
-                </a:solidFill>
-                <a:uFill>
-                  <a:solidFill>
-                    <a:srgbClr val="ffffff"/>
-                  </a:solidFill>
-                </a:uFill>
-                <a:latin typeface="TeXGyreSchola"/>
-              </a:rPr>
-              <a:t>C</a:t>
-            </a:r>
-            <a:r>
-              <a:rPr b="0" lang="en-US" sz="4800" spc="-1" strike="noStrike">
-                <a:solidFill>
-                  <a:srgbClr val="000000"/>
-                </a:solidFill>
-                <a:uFill>
-                  <a:solidFill>
-                    <a:srgbClr val="ffffff"/>
-                  </a:solidFill>
-                </a:uFill>
-                <a:latin typeface="TeXGyreSchola"/>
-              </a:rPr>
-              <a:t>a</a:t>
-            </a:r>
-            <a:r>
-              <a:rPr b="0" lang="en-US" sz="4800" spc="-1" strike="noStrike">
-                <a:solidFill>
-                  <a:srgbClr val="000000"/>
-                </a:solidFill>
-                <a:uFill>
-                  <a:solidFill>
-                    <a:srgbClr val="ffffff"/>
-                  </a:solidFill>
-                </a:uFill>
-                <a:latin typeface="TeXGyreSchola"/>
-              </a:rPr>
-              <a:t>r</a:t>
-            </a:r>
-            <a:r>
-              <a:rPr b="0" lang="en-US" sz="4800" spc="-1" strike="noStrike">
-                <a:solidFill>
-                  <a:srgbClr val="000000"/>
-                </a:solidFill>
-                <a:uFill>
-                  <a:solidFill>
-                    <a:srgbClr val="ffffff"/>
-                  </a:solidFill>
-                </a:uFill>
-                <a:latin typeface="TeXGyreSchola"/>
-              </a:rPr>
-              <a:t>l</a:t>
-            </a:r>
-            <a:r>
-              <a:rPr b="0" lang="en-US" sz="4800" spc="-1" strike="noStrike">
-                <a:solidFill>
-                  <a:srgbClr val="000000"/>
-                </a:solidFill>
-                <a:uFill>
-                  <a:solidFill>
-                    <a:srgbClr val="ffffff"/>
-                  </a:solidFill>
-                </a:uFill>
-                <a:latin typeface="TeXGyreSchola"/>
-              </a:rPr>
-              <a:t>o</a:t>
-            </a:r>
-            <a:r>
-              <a:rPr b="0" lang="en-US" sz="4800" spc="-1" strike="noStrike">
-                <a:solidFill>
-                  <a:srgbClr val="000000"/>
-                </a:solidFill>
-                <a:uFill>
-                  <a:solidFill>
-                    <a:srgbClr val="ffffff"/>
-                  </a:solidFill>
-                </a:uFill>
-                <a:latin typeface="TeXGyreSchola"/>
-              </a:rPr>
-              <a:t> </a:t>
-            </a:r>
-            <a:r>
-              <a:rPr b="0" lang="en-US" sz="4800" spc="-1" strike="noStrike">
-                <a:solidFill>
-                  <a:srgbClr val="000000"/>
-                </a:solidFill>
-                <a:uFill>
-                  <a:solidFill>
-                    <a:srgbClr val="ffffff"/>
-                  </a:solidFill>
-                </a:uFill>
-                <a:latin typeface="TeXGyreSchola"/>
-              </a:rPr>
-              <a:t>s</a:t>
-            </a:r>
-            <a:r>
-              <a:rPr b="0" lang="en-US" sz="4800" spc="-1" strike="noStrike">
-                <a:solidFill>
-                  <a:srgbClr val="000000"/>
-                </a:solidFill>
-                <a:uFill>
-                  <a:solidFill>
-                    <a:srgbClr val="ffffff"/>
-                  </a:solidFill>
-                </a:uFill>
-                <a:latin typeface="TeXGyreSchola"/>
-              </a:rPr>
-              <a:t>i</a:t>
-            </a:r>
-            <a:r>
-              <a:rPr b="0" lang="en-US" sz="4800" spc="-1" strike="noStrike">
-                <a:solidFill>
-                  <a:srgbClr val="000000"/>
-                </a:solidFill>
-                <a:uFill>
-                  <a:solidFill>
-                    <a:srgbClr val="ffffff"/>
-                  </a:solidFill>
-                </a:uFill>
-                <a:latin typeface="TeXGyreSchola"/>
-              </a:rPr>
-              <a:t>m</a:t>
-            </a:r>
-            <a:r>
-              <a:rPr b="0" lang="en-US" sz="4800" spc="-1" strike="noStrike">
-                <a:solidFill>
-                  <a:srgbClr val="000000"/>
-                </a:solidFill>
-                <a:uFill>
-                  <a:solidFill>
-                    <a:srgbClr val="ffffff"/>
-                  </a:solidFill>
-                </a:uFill>
-                <a:latin typeface="TeXGyreSchola"/>
-              </a:rPr>
-              <a:t>u</a:t>
-            </a:r>
-            <a:r>
-              <a:rPr b="0" lang="en-US" sz="4800" spc="-1" strike="noStrike">
-                <a:solidFill>
-                  <a:srgbClr val="000000"/>
-                </a:solidFill>
-                <a:uFill>
-                  <a:solidFill>
-                    <a:srgbClr val="ffffff"/>
-                  </a:solidFill>
-                </a:uFill>
-                <a:latin typeface="TeXGyreSchola"/>
-              </a:rPr>
-              <a:t>l</a:t>
-            </a:r>
-            <a:r>
-              <a:rPr b="0" lang="en-US" sz="4800" spc="-1" strike="noStrike">
-                <a:solidFill>
-                  <a:srgbClr val="000000"/>
-                </a:solidFill>
-                <a:uFill>
-                  <a:solidFill>
-                    <a:srgbClr val="ffffff"/>
-                  </a:solidFill>
-                </a:uFill>
-                <a:latin typeface="TeXGyreSchola"/>
-              </a:rPr>
-              <a:t>a</a:t>
-            </a:r>
-            <a:r>
-              <a:rPr b="0" lang="en-US" sz="4800" spc="-1" strike="noStrike">
-                <a:solidFill>
-                  <a:srgbClr val="000000"/>
-                </a:solidFill>
-                <a:uFill>
-                  <a:solidFill>
-                    <a:srgbClr val="ffffff"/>
-                  </a:solidFill>
-                </a:uFill>
-                <a:latin typeface="TeXGyreSchola"/>
-              </a:rPr>
-              <a:t>t</a:t>
-            </a:r>
-            <a:r>
-              <a:rPr b="0" lang="en-US" sz="4800" spc="-1" strike="noStrike">
-                <a:solidFill>
-                  <a:srgbClr val="000000"/>
-                </a:solidFill>
-                <a:uFill>
-                  <a:solidFill>
-                    <a:srgbClr val="ffffff"/>
-                  </a:solidFill>
-                </a:uFill>
-                <a:latin typeface="TeXGyreSchola"/>
-              </a:rPr>
-              <a:t>i</a:t>
-            </a:r>
-            <a:r>
-              <a:rPr b="0" lang="en-US" sz="4800" spc="-1" strike="noStrike">
-                <a:solidFill>
-                  <a:srgbClr val="000000"/>
-                </a:solidFill>
-                <a:uFill>
-                  <a:solidFill>
-                    <a:srgbClr val="ffffff"/>
-                  </a:solidFill>
-                </a:uFill>
-                <a:latin typeface="TeXGyreSchola"/>
-              </a:rPr>
-              <a:t>o</a:t>
-            </a:r>
-            <a:r>
-              <a:rPr b="0" lang="en-US" sz="4800" spc="-1" strike="noStrike">
-                <a:solidFill>
-                  <a:srgbClr val="000000"/>
-                </a:solidFill>
-                <a:uFill>
-                  <a:solidFill>
-                    <a:srgbClr val="ffffff"/>
-                  </a:solidFill>
-                </a:uFill>
-                <a:latin typeface="TeXGyreSchola"/>
-              </a:rPr>
-              <a:t>n</a:t>
-            </a:r>
-            <a:r>
-              <a:rPr b="0" lang="en-US" sz="4800" spc="-1" strike="noStrike">
-                <a:solidFill>
-                  <a:srgbClr val="000000"/>
-                </a:solidFill>
-                <a:uFill>
-                  <a:solidFill>
-                    <a:srgbClr val="ffffff"/>
-                  </a:solidFill>
-                </a:uFill>
-                <a:latin typeface="TeXGyreSchola"/>
-              </a:rPr>
-              <a:t>s</a:t>
-            </a:r>
-            <a:r>
-              <a:rPr b="0" lang="en-US" sz="4800" spc="-1" strike="noStrike">
-                <a:solidFill>
-                  <a:srgbClr val="000000"/>
-                </a:solidFill>
-                <a:uFill>
-                  <a:solidFill>
-                    <a:srgbClr val="ffffff"/>
-                  </a:solidFill>
-                </a:uFill>
-                <a:latin typeface="TeXGyreSchola"/>
-              </a:rPr>
-              <a:t>.</a:t>
-            </a:r>
-            <a:r>
-              <a:rPr b="0" lang="en-US" sz="4800" spc="-1" strike="noStrike">
-                <a:solidFill>
-                  <a:srgbClr val="000000"/>
-                </a:solidFill>
-                <a:uFill>
-                  <a:solidFill>
-                    <a:srgbClr val="ffffff"/>
-                  </a:solidFill>
-                </a:uFill>
-                <a:latin typeface="TeXGyreSchola"/>
-              </a:rPr>
-              <a:t> </a:t>
-            </a:r>
-            <a:r>
-              <a:rPr b="0" lang="en-US" sz="4800" spc="-1" strike="noStrike">
-                <a:solidFill>
-                  <a:srgbClr val="000000"/>
-                </a:solidFill>
-                <a:uFill>
-                  <a:solidFill>
-                    <a:srgbClr val="ffffff"/>
-                  </a:solidFill>
-                </a:uFill>
-                <a:latin typeface="TeXGyreSchola"/>
-              </a:rPr>
-              <a:t> </a:t>
-            </a:r>
-            <a:r>
-              <a:rPr b="0" lang="en-US" sz="4800" spc="-1" strike="noStrike">
-                <a:solidFill>
-                  <a:srgbClr val="000000"/>
-                </a:solidFill>
-                <a:uFill>
-                  <a:solidFill>
-                    <a:srgbClr val="ffffff"/>
-                  </a:solidFill>
-                </a:uFill>
-                <a:latin typeface="TeXGyreSchola"/>
-              </a:rPr>
-              <a:t> </a:t>
-            </a:r>
-            <a:r>
-              <a:rPr b="0" lang="en-US" sz="4800" spc="-1" strike="noStrike">
-                <a:solidFill>
-                  <a:srgbClr val="000000"/>
-                </a:solidFill>
-                <a:uFill>
-                  <a:solidFill>
-                    <a:srgbClr val="ffffff"/>
-                  </a:solidFill>
-                </a:uFill>
-                <a:latin typeface="TeXGyreSchola"/>
-              </a:rPr>
-              <a:t> </a:t>
-            </a:r>
-            <a:r>
-              <a:rPr b="0" lang="en-US" sz="4800" spc="-1" strike="noStrike">
-                <a:solidFill>
-                  <a:srgbClr val="000000"/>
-                </a:solidFill>
-                <a:uFill>
-                  <a:solidFill>
-                    <a:srgbClr val="ffffff"/>
-                  </a:solidFill>
-                </a:uFill>
-                <a:latin typeface="TeXGyreSchola"/>
-              </a:rPr>
-              <a:t> </a:t>
+              <a:t>Dynein is one of </a:t>
+            </a:r>
+            <a:r>
+              <a:rPr b="0" lang="en-US" sz="4800" spc="-1" strike="noStrike">
+                <a:solidFill>
+                  <a:srgbClr val="000000"/>
+                </a:solidFill>
+                <a:uFill>
+                  <a:solidFill>
+                    <a:srgbClr val="ffffff"/>
+                  </a:solidFill>
+                </a:uFill>
+                <a:latin typeface="TeXGyreSchola"/>
+              </a:rPr>
+              <a:t>the three motor </a:t>
+            </a:r>
+            <a:r>
+              <a:rPr b="0" lang="en-US" sz="4800" spc="-1" strike="noStrike">
+                <a:solidFill>
+                  <a:srgbClr val="000000"/>
+                </a:solidFill>
+                <a:uFill>
+                  <a:solidFill>
+                    <a:srgbClr val="ffffff"/>
+                  </a:solidFill>
+                </a:uFill>
+                <a:latin typeface="TeXGyreSchola"/>
+              </a:rPr>
+              <a:t>proteins that </a:t>
+            </a:r>
+            <a:r>
+              <a:rPr b="0" lang="en-US" sz="4800" spc="-1" strike="noStrike">
+                <a:solidFill>
+                  <a:srgbClr val="000000"/>
+                </a:solidFill>
+                <a:uFill>
+                  <a:solidFill>
+                    <a:srgbClr val="ffffff"/>
+                  </a:solidFill>
+                </a:uFill>
+                <a:latin typeface="TeXGyreSchola"/>
+              </a:rPr>
+              <a:t>are responsible </a:t>
+            </a:r>
+            <a:r>
+              <a:rPr b="0" lang="en-US" sz="4800" spc="-1" strike="noStrike">
+                <a:solidFill>
+                  <a:srgbClr val="000000"/>
+                </a:solidFill>
+                <a:uFill>
+                  <a:solidFill>
+                    <a:srgbClr val="ffffff"/>
+                  </a:solidFill>
+                </a:uFill>
+                <a:latin typeface="TeXGyreSchola"/>
+              </a:rPr>
+              <a:t>for the cell’s </a:t>
+            </a:r>
+            <a:r>
+              <a:rPr b="0" lang="en-US" sz="4800" spc="-1" strike="noStrike">
+                <a:solidFill>
+                  <a:srgbClr val="000000"/>
+                </a:solidFill>
+                <a:uFill>
+                  <a:solidFill>
+                    <a:srgbClr val="ffffff"/>
+                  </a:solidFill>
+                </a:uFill>
+                <a:latin typeface="TeXGyreSchola"/>
+              </a:rPr>
+              <a:t>ability to move, </a:t>
+            </a:r>
+            <a:r>
+              <a:rPr b="0" lang="en-US" sz="4800" spc="-1" strike="noStrike">
+                <a:solidFill>
+                  <a:srgbClr val="000000"/>
+                </a:solidFill>
+                <a:uFill>
+                  <a:solidFill>
+                    <a:srgbClr val="ffffff"/>
+                  </a:solidFill>
+                </a:uFill>
+                <a:latin typeface="TeXGyreSchola"/>
+              </a:rPr>
+              <a:t>divide, and </a:t>
+            </a:r>
+            <a:r>
+              <a:rPr b="0" lang="en-US" sz="4800" spc="-1" strike="noStrike">
+                <a:solidFill>
+                  <a:srgbClr val="000000"/>
+                </a:solidFill>
+                <a:uFill>
+                  <a:solidFill>
+                    <a:srgbClr val="ffffff"/>
+                  </a:solidFill>
+                </a:uFill>
+                <a:latin typeface="TeXGyreSchola"/>
+              </a:rPr>
+              <a:t>spatially </a:t>
+            </a:r>
+            <a:r>
+              <a:rPr b="0" lang="en-US" sz="4800" spc="-1" strike="noStrike">
+                <a:solidFill>
+                  <a:srgbClr val="000000"/>
+                </a:solidFill>
+                <a:uFill>
+                  <a:solidFill>
+                    <a:srgbClr val="ffffff"/>
+                  </a:solidFill>
+                </a:uFill>
+                <a:latin typeface="TeXGyreSchola"/>
+              </a:rPr>
+              <a:t>organize itself. </a:t>
+            </a:r>
+            <a:r>
+              <a:rPr b="0" lang="en-US" sz="4800" spc="-1" strike="noStrike">
+                <a:solidFill>
+                  <a:srgbClr val="000000"/>
+                </a:solidFill>
+                <a:uFill>
+                  <a:solidFill>
+                    <a:srgbClr val="ffffff"/>
+                  </a:solidFill>
+                </a:uFill>
+                <a:latin typeface="TeXGyreSchola"/>
+              </a:rPr>
+              <a:t>They convey </a:t>
+            </a:r>
+            <a:r>
+              <a:rPr b="0" lang="en-US" sz="4800" spc="-1" strike="noStrike">
+                <a:solidFill>
+                  <a:srgbClr val="000000"/>
+                </a:solidFill>
+                <a:uFill>
+                  <a:solidFill>
+                    <a:srgbClr val="ffffff"/>
+                  </a:solidFill>
+                </a:uFill>
+                <a:latin typeface="TeXGyreSchola"/>
+              </a:rPr>
+              <a:t>cargo along a </a:t>
+            </a:r>
+            <a:r>
+              <a:rPr b="0" lang="en-US" sz="4800" spc="-1" strike="noStrike">
+                <a:solidFill>
+                  <a:srgbClr val="000000"/>
+                </a:solidFill>
+                <a:uFill>
+                  <a:solidFill>
+                    <a:srgbClr val="ffffff"/>
+                  </a:solidFill>
+                </a:uFill>
+                <a:latin typeface="TeXGyreSchola"/>
+              </a:rPr>
+              <a:t>protein highway </a:t>
+            </a:r>
+            <a:r>
+              <a:rPr b="0" lang="en-US" sz="4800" spc="-1" strike="noStrike">
+                <a:solidFill>
+                  <a:srgbClr val="000000"/>
+                </a:solidFill>
+                <a:uFill>
+                  <a:solidFill>
+                    <a:srgbClr val="ffffff"/>
+                  </a:solidFill>
+                </a:uFill>
+                <a:latin typeface="TeXGyreSchola"/>
+              </a:rPr>
+              <a:t>(microtubule) by </a:t>
+            </a:r>
+            <a:r>
+              <a:rPr b="0" lang="en-US" sz="4800" spc="-1" strike="noStrike">
+                <a:solidFill>
+                  <a:srgbClr val="000000"/>
+                </a:solidFill>
+                <a:uFill>
+                  <a:solidFill>
+                    <a:srgbClr val="ffffff"/>
+                  </a:solidFill>
+                </a:uFill>
+                <a:latin typeface="TeXGyreSchola"/>
+              </a:rPr>
+              <a:t>using ATP to </a:t>
+            </a:r>
+            <a:r>
+              <a:rPr b="0" lang="en-US" sz="4800" spc="-1" strike="noStrike">
+                <a:solidFill>
+                  <a:srgbClr val="000000"/>
+                </a:solidFill>
+                <a:uFill>
+                  <a:solidFill>
+                    <a:srgbClr val="ffffff"/>
+                  </a:solidFill>
+                </a:uFill>
+                <a:latin typeface="TeXGyreSchola"/>
+              </a:rPr>
+              <a:t>step. Its two </a:t>
+            </a:r>
+            <a:r>
+              <a:rPr b="0" lang="en-US" sz="4800" spc="-1" strike="noStrike">
+                <a:solidFill>
+                  <a:srgbClr val="000000"/>
+                </a:solidFill>
+                <a:uFill>
+                  <a:solidFill>
+                    <a:srgbClr val="ffffff"/>
+                  </a:solidFill>
+                </a:uFill>
+                <a:latin typeface="TeXGyreSchola"/>
+              </a:rPr>
+              <a:t>feet can act </a:t>
+            </a:r>
+            <a:r>
+              <a:rPr b="0" lang="en-US" sz="4800" spc="-1" strike="noStrike">
+                <a:solidFill>
+                  <a:srgbClr val="000000"/>
+                </a:solidFill>
+                <a:uFill>
+                  <a:solidFill>
+                    <a:srgbClr val="ffffff"/>
+                  </a:solidFill>
+                </a:uFill>
+                <a:latin typeface="TeXGyreSchola"/>
+              </a:rPr>
+              <a:t>independently </a:t>
+            </a:r>
+            <a:r>
+              <a:rPr b="0" lang="en-US" sz="4800" spc="-1" strike="noStrike">
+                <a:solidFill>
+                  <a:srgbClr val="000000"/>
+                </a:solidFill>
+                <a:uFill>
+                  <a:solidFill>
+                    <a:srgbClr val="ffffff"/>
+                  </a:solidFill>
+                </a:uFill>
+                <a:latin typeface="TeXGyreSchola"/>
+              </a:rPr>
+              <a:t>from each other </a:t>
+            </a:r>
+            <a:r>
+              <a:rPr b="0" lang="en-US" sz="4800" spc="-1" strike="noStrike">
+                <a:solidFill>
+                  <a:srgbClr val="000000"/>
+                </a:solidFill>
+                <a:uFill>
+                  <a:solidFill>
+                    <a:srgbClr val="ffffff"/>
+                  </a:solidFill>
+                </a:uFill>
+                <a:latin typeface="TeXGyreSchola"/>
+              </a:rPr>
+              <a:t>causing erratic </a:t>
+            </a:r>
+            <a:r>
+              <a:rPr b="0" lang="en-US" sz="4800" spc="-1" strike="noStrike">
+                <a:solidFill>
+                  <a:srgbClr val="000000"/>
+                </a:solidFill>
+                <a:uFill>
+                  <a:solidFill>
+                    <a:srgbClr val="ffffff"/>
+                  </a:solidFill>
+                </a:uFill>
+                <a:latin typeface="TeXGyreSchola"/>
+              </a:rPr>
+              <a:t>and stochastic </a:t>
+            </a:r>
+            <a:r>
+              <a:rPr b="0" lang="en-US" sz="4800" spc="-1" strike="noStrike">
+                <a:solidFill>
+                  <a:srgbClr val="000000"/>
+                </a:solidFill>
+                <a:uFill>
+                  <a:solidFill>
+                    <a:srgbClr val="ffffff"/>
+                  </a:solidFill>
+                </a:uFill>
+                <a:latin typeface="TeXGyreSchola"/>
+              </a:rPr>
+              <a:t>steps, allowing </a:t>
+            </a:r>
+            <a:r>
+              <a:rPr b="0" lang="en-US" sz="4800" spc="-1" strike="noStrike">
+                <a:solidFill>
+                  <a:srgbClr val="000000"/>
+                </a:solidFill>
+                <a:uFill>
+                  <a:solidFill>
+                    <a:srgbClr val="ffffff"/>
+                  </a:solidFill>
+                </a:uFill>
+                <a:latin typeface="TeXGyreSchola"/>
+              </a:rPr>
+              <a:t>us to model its </a:t>
+            </a:r>
+            <a:r>
+              <a:rPr b="0" lang="en-US" sz="4800" spc="-1" strike="noStrike">
+                <a:solidFill>
+                  <a:srgbClr val="000000"/>
+                </a:solidFill>
+                <a:uFill>
+                  <a:solidFill>
+                    <a:srgbClr val="ffffff"/>
+                  </a:solidFill>
+                </a:uFill>
+                <a:latin typeface="TeXGyreSchola"/>
+              </a:rPr>
+              <a:t>walk with </a:t>
+            </a:r>
+            <a:r>
+              <a:rPr b="0" lang="en-US" sz="4800" spc="-1" strike="noStrike">
+                <a:solidFill>
+                  <a:srgbClr val="000000"/>
+                </a:solidFill>
+                <a:uFill>
+                  <a:solidFill>
+                    <a:srgbClr val="ffffff"/>
+                  </a:solidFill>
+                </a:uFill>
+                <a:latin typeface="TeXGyreSchola"/>
+              </a:rPr>
+              <a:t>Monte Carlo </a:t>
+            </a:r>
+            <a:r>
+              <a:rPr b="0" lang="en-US" sz="4800" spc="-1" strike="noStrike">
+                <a:solidFill>
+                  <a:srgbClr val="000000"/>
+                </a:solidFill>
+                <a:uFill>
+                  <a:solidFill>
+                    <a:srgbClr val="ffffff"/>
+                  </a:solidFill>
+                </a:uFill>
+                <a:latin typeface="TeXGyreSchola"/>
+              </a:rPr>
+              <a:t>simulations.     </a:t>
             </a:r>
             <a:endParaRPr b="0" lang="en-US" sz="4800" spc="-1" strike="noStrike">
               <a:solidFill>
@@ -13356,7 +8014,7 @@
       </p:sp>
       <p:sp>
         <p:nvSpPr>
-          <p:cNvPr id="66" name="CustomShape 17"/>
+          <p:cNvPr id="65" name="CustomShape 16"/>
           <p:cNvSpPr/>
           <p:nvPr/>
         </p:nvSpPr>
@@ -13514,7 +8172,7 @@
       </p:sp>
       <p:sp>
         <p:nvSpPr>
-          <p:cNvPr id="67" name="Line 18"/>
+          <p:cNvPr id="66" name="Line 17"/>
           <p:cNvSpPr/>
           <p:nvPr/>
         </p:nvSpPr>
@@ -13543,7 +8201,7 @@
       </p:sp>
       <p:sp>
         <p:nvSpPr>
-          <p:cNvPr id="68" name="CustomShape 19"/>
+          <p:cNvPr id="67" name="CustomShape 18"/>
           <p:cNvSpPr/>
           <p:nvPr/>
         </p:nvSpPr>
@@ -13701,7 +8359,7 @@
       </p:sp>
       <p:sp>
         <p:nvSpPr>
-          <p:cNvPr id="69" name="Line 20"/>
+          <p:cNvPr id="68" name="Line 19"/>
           <p:cNvSpPr/>
           <p:nvPr/>
         </p:nvSpPr>
@@ -13730,7 +8388,7 @@
       </p:sp>
       <p:sp>
         <p:nvSpPr>
-          <p:cNvPr id="70" name="CustomShape 21"/>
+          <p:cNvPr id="69" name="CustomShape 20"/>
           <p:cNvSpPr/>
           <p:nvPr/>
         </p:nvSpPr>
@@ -13888,7 +8546,7 @@
       </p:sp>
       <p:sp>
         <p:nvSpPr>
-          <p:cNvPr id="71" name="Line 22"/>
+          <p:cNvPr id="70" name="Line 21"/>
           <p:cNvSpPr/>
           <p:nvPr/>
         </p:nvSpPr>
@@ -13917,7 +8575,7 @@
       </p:sp>
       <p:sp>
         <p:nvSpPr>
-          <p:cNvPr id="72" name="CustomShape 23"/>
+          <p:cNvPr id="71" name="CustomShape 22"/>
           <p:cNvSpPr/>
           <p:nvPr/>
         </p:nvSpPr>
@@ -14103,7 +8761,7 @@
       </p:sp>
       <p:pic>
         <p:nvPicPr>
-          <p:cNvPr id="73" name="" descr=""/>
+          <p:cNvPr id="72" name="" descr=""/>
           <p:cNvPicPr/>
           <p:nvPr/>
         </p:nvPicPr>
@@ -14127,7 +8785,7 @@
       </p:pic>
       <p:sp>
         <p:nvSpPr>
-          <p:cNvPr id="74" name="TextShape 24"/>
+          <p:cNvPr id="73" name="TextShape 23"/>
           <p:cNvSpPr txBox="1"/>
           <p:nvPr/>
         </p:nvSpPr>
@@ -14177,7 +8835,7 @@
       </p:sp>
       <p:sp>
         <p:nvSpPr>
-          <p:cNvPr id="75" name="TextShape 25"/>
+          <p:cNvPr id="74" name="TextShape 24"/>
           <p:cNvSpPr txBox="1"/>
           <p:nvPr/>
         </p:nvSpPr>
@@ -14209,119 +8867,35 @@
                 </a:uFill>
                 <a:latin typeface="TeXGyreSchola"/>
               </a:rPr>
-              <a:t>We simulate the </a:t>
-            </a:r>
-            <a:r>
-              <a:rPr b="0" lang="en-US" sz="4800" spc="-1" strike="noStrike">
-                <a:solidFill>
-                  <a:srgbClr val="000000"/>
-                </a:solidFill>
-                <a:uFill>
-                  <a:solidFill>
-                    <a:srgbClr val="ffffff"/>
-                  </a:solidFill>
-                </a:uFill>
-                <a:latin typeface="TeXGyreSchola"/>
-              </a:rPr>
-              <a:t>one bound state </a:t>
-            </a:r>
-            <a:r>
-              <a:rPr b="0" lang="en-US" sz="4800" spc="-1" strike="noStrike">
-                <a:solidFill>
-                  <a:srgbClr val="000000"/>
-                </a:solidFill>
-                <a:uFill>
-                  <a:solidFill>
-                    <a:srgbClr val="ffffff"/>
-                  </a:solidFill>
-                </a:uFill>
-                <a:latin typeface="TeXGyreSchola"/>
-              </a:rPr>
-              <a:t>in a fluid, where </a:t>
-            </a:r>
-            <a:r>
-              <a:rPr b="0" lang="en-US" sz="4800" spc="-1" strike="noStrike">
-                <a:solidFill>
-                  <a:srgbClr val="000000"/>
-                </a:solidFill>
-                <a:uFill>
-                  <a:solidFill>
-                    <a:srgbClr val="ffffff"/>
-                  </a:solidFill>
-                </a:uFill>
-                <a:latin typeface="TeXGyreSchola"/>
-              </a:rPr>
-              <a:t>random forces of </a:t>
-            </a:r>
-            <a:r>
-              <a:rPr b="0" lang="en-US" sz="4800" spc="-1" strike="noStrike">
-                <a:solidFill>
-                  <a:srgbClr val="000000"/>
-                </a:solidFill>
-                <a:uFill>
-                  <a:solidFill>
-                    <a:srgbClr val="ffffff"/>
-                  </a:solidFill>
-                </a:uFill>
-                <a:latin typeface="TeXGyreSchola"/>
-              </a:rPr>
-              <a:t>the molecules </a:t>
-            </a:r>
-            <a:r>
-              <a:rPr b="0" lang="en-US" sz="4800" spc="-1" strike="noStrike">
-                <a:solidFill>
-                  <a:srgbClr val="000000"/>
-                </a:solidFill>
-                <a:uFill>
-                  <a:solidFill>
-                    <a:srgbClr val="ffffff"/>
-                  </a:solidFill>
-                </a:uFill>
-                <a:latin typeface="TeXGyreSchola"/>
-              </a:rPr>
-              <a:t>against the </a:t>
-            </a:r>
-            <a:r>
-              <a:rPr b="0" lang="en-US" sz="4800" spc="-1" strike="noStrike">
-                <a:solidFill>
-                  <a:srgbClr val="000000"/>
-                </a:solidFill>
-                <a:uFill>
-                  <a:solidFill>
-                    <a:srgbClr val="ffffff"/>
-                  </a:solidFill>
-                </a:uFill>
-                <a:latin typeface="TeXGyreSchola"/>
-              </a:rPr>
-              <a:t>domains causes </a:t>
-            </a:r>
-            <a:r>
-              <a:rPr b="0" lang="en-US" sz="4800" spc="-1" strike="noStrike">
-                <a:solidFill>
-                  <a:srgbClr val="000000"/>
-                </a:solidFill>
-                <a:uFill>
-                  <a:solidFill>
-                    <a:srgbClr val="ffffff"/>
-                  </a:solidFill>
-                </a:uFill>
-                <a:latin typeface="TeXGyreSchola"/>
-              </a:rPr>
-              <a:t>diffusion for its </a:t>
-            </a:r>
-            <a:r>
-              <a:rPr b="0" lang="en-US" sz="4800" spc="-1" strike="noStrike">
-                <a:solidFill>
-                  <a:srgbClr val="000000"/>
-                </a:solidFill>
-                <a:uFill>
-                  <a:solidFill>
-                    <a:srgbClr val="ffffff"/>
-                  </a:solidFill>
-                </a:uFill>
-                <a:latin typeface="TeXGyreSchola"/>
-              </a:rPr>
-              <a:t>‘step’. </a:t>
+              <a:t>We simulate the one bound state in a fluid, where random </a:t>
+            </a:r>
+            <a:r>
+              <a:rPr b="0" lang="en-US" sz="4800" spc="-1" strike="noStrike">
+                <a:solidFill>
+                  <a:srgbClr val="000000"/>
+                </a:solidFill>
+                <a:uFill>
+                  <a:solidFill>
+                    <a:srgbClr val="ffffff"/>
+                  </a:solidFill>
+                </a:uFill>
+                <a:latin typeface="TeXGyreSchola"/>
+              </a:rPr>
+              <a:t>forces of the molecules against the domains causes diffusion for </a:t>
+            </a:r>
+            <a:r>
+              <a:rPr b="0" lang="en-US" sz="4800" spc="-1" strike="noStrike">
+                <a:solidFill>
+                  <a:srgbClr val="000000"/>
+                </a:solidFill>
+                <a:uFill>
+                  <a:solidFill>
+                    <a:srgbClr val="ffffff"/>
+                  </a:solidFill>
+                </a:uFill>
+                <a:latin typeface="TeXGyreSchola"/>
+              </a:rPr>
+              <a:t>its ‘step’. </a:t>
             </a:r>
             <a:endParaRPr b="0" lang="en-US" sz="4800" spc="-1" strike="noStrike">
               <a:solidFill>
@@ -14348,49 +8922,7 @@
                 </a:uFill>
                 <a:latin typeface="TeXGyreSchola"/>
               </a:rPr>
-              <a:t>(I don’t think I </a:t>
-            </a:r>
-            <a:r>
-              <a:rPr b="0" lang="en-US" sz="4800" spc="-1" strike="noStrike">
-                <a:solidFill>
-                  <a:srgbClr val="000000"/>
-                </a:solidFill>
-                <a:uFill>
-                  <a:solidFill>
-                    <a:srgbClr val="ffffff"/>
-                  </a:solidFill>
-                </a:uFill>
-                <a:latin typeface="TeXGyreSchola"/>
-              </a:rPr>
-              <a:t>should put more </a:t>
-            </a:r>
-            <a:r>
-              <a:rPr b="0" lang="en-US" sz="4800" spc="-1" strike="noStrike">
-                <a:solidFill>
-                  <a:srgbClr val="000000"/>
-                </a:solidFill>
-                <a:uFill>
-                  <a:solidFill>
-                    <a:srgbClr val="ffffff"/>
-                  </a:solidFill>
-                </a:uFill>
-                <a:latin typeface="TeXGyreSchola"/>
-              </a:rPr>
-              <a:t>here but idk how </a:t>
-            </a:r>
-            <a:r>
-              <a:rPr b="0" lang="en-US" sz="4800" spc="-1" strike="noStrike">
-                <a:solidFill>
-                  <a:srgbClr val="000000"/>
-                </a:solidFill>
-                <a:uFill>
-                  <a:solidFill>
-                    <a:srgbClr val="ffffff"/>
-                  </a:solidFill>
-                </a:uFill>
-                <a:latin typeface="TeXGyreSchola"/>
-              </a:rPr>
-              <a:t>to use this </a:t>
+              <a:t>(I don’t think I should put more here but idk how to use this </a:t>
             </a:r>
             <a:r>
               <a:rPr b="0" lang="en-US" sz="4800" spc="-1" strike="noStrike">
@@ -14422,14 +8954,14 @@
       </p:sp>
       <p:sp>
         <p:nvSpPr>
-          <p:cNvPr id="76" name="TextShape 26"/>
+          <p:cNvPr id="75" name="TextShape 25"/>
           <p:cNvSpPr txBox="1"/>
           <p:nvPr/>
         </p:nvSpPr>
         <p:spPr>
           <a:xfrm>
             <a:off x="34207560" y="28620720"/>
-            <a:ext cx="5126040" cy="1097640"/>
+            <a:ext cx="5100120" cy="1097640"/>
           </a:xfrm>
           <a:prstGeom prst="rect">
             <a:avLst/>
@@ -14454,7 +8986,7 @@
                 </a:uFill>
                 <a:latin typeface="TeXGyreSchola"/>
               </a:rPr>
-              <a:t>Collecting Data</a:t>
+              <a:t>Data Collection</a:t>
             </a:r>
             <a:endParaRPr b="0" lang="en-US" sz="5400" spc="-1" strike="noStrike">
               <a:solidFill>
@@ -14472,7 +9004,7 @@
       </p:sp>
       <p:sp>
         <p:nvSpPr>
-          <p:cNvPr id="77" name="TextShape 27"/>
+          <p:cNvPr id="76" name="TextShape 26"/>
           <p:cNvSpPr txBox="1"/>
           <p:nvPr/>
         </p:nvSpPr>
@@ -14504,35 +9036,231 @@
                 </a:uFill>
                 <a:latin typeface="TeXGyreSchola"/>
               </a:rPr>
-              <a:t>After dynein takes a step, the final displacement of the landing foot and the time it took for the step would be </a:t>
-            </a:r>
-            <a:r>
-              <a:rPr b="0" lang="en-US" sz="4800" spc="-1" strike="noStrike">
-                <a:solidFill>
-                  <a:srgbClr val="000000"/>
-                </a:solidFill>
-                <a:uFill>
-                  <a:solidFill>
-                    <a:srgbClr val="ffffff"/>
-                  </a:solidFill>
-                </a:uFill>
-                <a:latin typeface="TeXGyreSchola"/>
-              </a:rPr>
-              <a:t>recorded and the simulation would run again. This data would allow us to make histograms for various </a:t>
-            </a:r>
-            <a:r>
-              <a:rPr b="0" lang="en-US" sz="4800" spc="-1" strike="noStrike">
-                <a:solidFill>
-                  <a:srgbClr val="000000"/>
-                </a:solidFill>
-                <a:uFill>
-                  <a:solidFill>
-                    <a:srgbClr val="ffffff"/>
-                  </a:solidFill>
-                </a:uFill>
-                <a:latin typeface="TeXGyreSchola"/>
-              </a:rPr>
-              <a:t>configurations of dynein.</a:t>
+              <a:t>After dynein </a:t>
+            </a:r>
+            <a:r>
+              <a:rPr b="0" lang="en-US" sz="4800" spc="-1" strike="noStrike">
+                <a:solidFill>
+                  <a:srgbClr val="000000"/>
+                </a:solidFill>
+                <a:uFill>
+                  <a:solidFill>
+                    <a:srgbClr val="ffffff"/>
+                  </a:solidFill>
+                </a:uFill>
+                <a:latin typeface="TeXGyreSchola"/>
+              </a:rPr>
+              <a:t>takes a step, the </a:t>
+            </a:r>
+            <a:r>
+              <a:rPr b="0" lang="en-US" sz="4800" spc="-1" strike="noStrike">
+                <a:solidFill>
+                  <a:srgbClr val="000000"/>
+                </a:solidFill>
+                <a:uFill>
+                  <a:solidFill>
+                    <a:srgbClr val="ffffff"/>
+                  </a:solidFill>
+                </a:uFill>
+                <a:latin typeface="TeXGyreSchola"/>
+              </a:rPr>
+              <a:t>final </a:t>
+            </a:r>
+            <a:r>
+              <a:rPr b="0" lang="en-US" sz="4800" spc="-1" strike="noStrike">
+                <a:solidFill>
+                  <a:srgbClr val="000000"/>
+                </a:solidFill>
+                <a:uFill>
+                  <a:solidFill>
+                    <a:srgbClr val="ffffff"/>
+                  </a:solidFill>
+                </a:uFill>
+                <a:latin typeface="TeXGyreSchola"/>
+              </a:rPr>
+              <a:t>displacement of </a:t>
+            </a:r>
+            <a:r>
+              <a:rPr b="0" lang="en-US" sz="4800" spc="-1" strike="noStrike">
+                <a:solidFill>
+                  <a:srgbClr val="000000"/>
+                </a:solidFill>
+                <a:uFill>
+                  <a:solidFill>
+                    <a:srgbClr val="ffffff"/>
+                  </a:solidFill>
+                </a:uFill>
+                <a:latin typeface="TeXGyreSchola"/>
+              </a:rPr>
+              <a:t>the landing foot </a:t>
+            </a:r>
+            <a:r>
+              <a:rPr b="0" lang="en-US" sz="4800" spc="-1" strike="noStrike">
+                <a:solidFill>
+                  <a:srgbClr val="000000"/>
+                </a:solidFill>
+                <a:uFill>
+                  <a:solidFill>
+                    <a:srgbClr val="ffffff"/>
+                  </a:solidFill>
+                </a:uFill>
+                <a:latin typeface="TeXGyreSchola"/>
+              </a:rPr>
+              <a:t>and the time it </a:t>
+            </a:r>
+            <a:r>
+              <a:rPr b="0" lang="en-US" sz="4800" spc="-1" strike="noStrike">
+                <a:solidFill>
+                  <a:srgbClr val="000000"/>
+                </a:solidFill>
+                <a:uFill>
+                  <a:solidFill>
+                    <a:srgbClr val="ffffff"/>
+                  </a:solidFill>
+                </a:uFill>
+                <a:latin typeface="TeXGyreSchola"/>
+              </a:rPr>
+              <a:t>took for the step </a:t>
+            </a:r>
+            <a:r>
+              <a:rPr b="0" lang="en-US" sz="4800" spc="-1" strike="noStrike">
+                <a:solidFill>
+                  <a:srgbClr val="000000"/>
+                </a:solidFill>
+                <a:uFill>
+                  <a:solidFill>
+                    <a:srgbClr val="ffffff"/>
+                  </a:solidFill>
+                </a:uFill>
+                <a:latin typeface="TeXGyreSchola"/>
+              </a:rPr>
+              <a:t>would be </a:t>
+            </a:r>
+            <a:r>
+              <a:rPr b="0" lang="en-US" sz="4800" spc="-1" strike="noStrike">
+                <a:solidFill>
+                  <a:srgbClr val="000000"/>
+                </a:solidFill>
+                <a:uFill>
+                  <a:solidFill>
+                    <a:srgbClr val="ffffff"/>
+                  </a:solidFill>
+                </a:uFill>
+                <a:latin typeface="TeXGyreSchola"/>
+              </a:rPr>
+              <a:t>recorded and the </a:t>
+            </a:r>
+            <a:r>
+              <a:rPr b="0" lang="en-US" sz="4800" spc="-1" strike="noStrike">
+                <a:solidFill>
+                  <a:srgbClr val="000000"/>
+                </a:solidFill>
+                <a:uFill>
+                  <a:solidFill>
+                    <a:srgbClr val="ffffff"/>
+                  </a:solidFill>
+                </a:uFill>
+                <a:latin typeface="TeXGyreSchola"/>
+              </a:rPr>
+              <a:t>simulation </a:t>
+            </a:r>
+            <a:r>
+              <a:rPr b="0" lang="en-US" sz="4800" spc="-1" strike="noStrike">
+                <a:solidFill>
+                  <a:srgbClr val="000000"/>
+                </a:solidFill>
+                <a:uFill>
+                  <a:solidFill>
+                    <a:srgbClr val="ffffff"/>
+                  </a:solidFill>
+                </a:uFill>
+                <a:latin typeface="TeXGyreSchola"/>
+              </a:rPr>
+              <a:t>would run again. </a:t>
+            </a:r>
+            <a:r>
+              <a:rPr b="0" lang="en-US" sz="4800" spc="-1" strike="noStrike">
+                <a:solidFill>
+                  <a:srgbClr val="000000"/>
+                </a:solidFill>
+                <a:uFill>
+                  <a:solidFill>
+                    <a:srgbClr val="ffffff"/>
+                  </a:solidFill>
+                </a:uFill>
+                <a:latin typeface="TeXGyreSchola"/>
+              </a:rPr>
+              <a:t>This data would </a:t>
+            </a:r>
+            <a:r>
+              <a:rPr b="0" lang="en-US" sz="4800" spc="-1" strike="noStrike">
+                <a:solidFill>
+                  <a:srgbClr val="000000"/>
+                </a:solidFill>
+                <a:uFill>
+                  <a:solidFill>
+                    <a:srgbClr val="ffffff"/>
+                  </a:solidFill>
+                </a:uFill>
+                <a:latin typeface="TeXGyreSchola"/>
+              </a:rPr>
+              <a:t>allow us to make </a:t>
+            </a:r>
+            <a:r>
+              <a:rPr b="0" lang="en-US" sz="4800" spc="-1" strike="noStrike">
+                <a:solidFill>
+                  <a:srgbClr val="000000"/>
+                </a:solidFill>
+                <a:uFill>
+                  <a:solidFill>
+                    <a:srgbClr val="ffffff"/>
+                  </a:solidFill>
+                </a:uFill>
+                <a:latin typeface="TeXGyreSchola"/>
+              </a:rPr>
+              <a:t>histograms for </a:t>
+            </a:r>
+            <a:r>
+              <a:rPr b="0" lang="en-US" sz="4800" spc="-1" strike="noStrike">
+                <a:solidFill>
+                  <a:srgbClr val="000000"/>
+                </a:solidFill>
+                <a:uFill>
+                  <a:solidFill>
+                    <a:srgbClr val="ffffff"/>
+                  </a:solidFill>
+                </a:uFill>
+                <a:latin typeface="TeXGyreSchola"/>
+              </a:rPr>
+              <a:t>various </a:t>
+            </a:r>
+            <a:r>
+              <a:rPr b="0" lang="en-US" sz="4800" spc="-1" strike="noStrike">
+                <a:solidFill>
+                  <a:srgbClr val="000000"/>
+                </a:solidFill>
+                <a:uFill>
+                  <a:solidFill>
+                    <a:srgbClr val="ffffff"/>
+                  </a:solidFill>
+                </a:uFill>
+                <a:latin typeface="TeXGyreSchola"/>
+              </a:rPr>
+              <a:t>configurations of </a:t>
+            </a:r>
+            <a:r>
+              <a:rPr b="0" lang="en-US" sz="4800" spc="-1" strike="noStrike">
+                <a:solidFill>
+                  <a:srgbClr val="000000"/>
+                </a:solidFill>
+                <a:uFill>
+                  <a:solidFill>
+                    <a:srgbClr val="ffffff"/>
+                  </a:solidFill>
+                </a:uFill>
+                <a:latin typeface="TeXGyreSchola"/>
+              </a:rPr>
+              <a:t>dynein.</a:t>
             </a:r>
             <a:endParaRPr b="0" lang="en-US" sz="4800" spc="-1" strike="noStrike">
               <a:solidFill>
@@ -14550,7 +9278,7 @@
       </p:sp>
       <p:sp>
         <p:nvSpPr>
-          <p:cNvPr id="78" name="TextShape 28"/>
+          <p:cNvPr id="77" name="TextShape 27"/>
           <p:cNvSpPr txBox="1"/>
           <p:nvPr/>
         </p:nvSpPr>
@@ -14582,8 +9310,44 @@
                 </a:uFill>
                 <a:latin typeface="TeXGyreSchola"/>
               </a:rPr>
-              <a:t>We hope to </a:t>
-            </a:r>
+              <a:t>We hope to further improve and simplify our one bound simulation because of the complications that arises when the ls</a:t>
+            </a:r>
+            <a:endParaRPr b="0" lang="en-US" sz="5400" spc="-1" strike="noStrike">
+              <a:solidFill>
+                <a:srgbClr val="000000"/>
+              </a:solidFill>
+              <a:uFill>
+                <a:solidFill>
+                  <a:srgbClr val="ffffff"/>
+                </a:solidFill>
+              </a:uFill>
+              <a:latin typeface="TeXGyreSchola"/>
+            </a:endParaRPr>
+          </a:p>
+        </p:txBody>
+      </p:sp>
+      <p:sp>
+        <p:nvSpPr>
+          <p:cNvPr id="78" name="TextShape 28"/>
+          <p:cNvSpPr txBox="1"/>
+          <p:nvPr/>
+        </p:nvSpPr>
+        <p:spPr>
+          <a:xfrm>
+            <a:off x="579600" y="28254960"/>
+            <a:ext cx="12770640" cy="10789920"/>
+          </a:xfrm>
+          <a:prstGeom prst="rect">
+            <a:avLst/>
+          </a:prstGeom>
+          <a:noFill/>
+          <a:ln w="109800">
+            <a:noFill/>
+          </a:ln>
+        </p:spPr>
+        <p:txBody>
+          <a:bodyPr lIns="90000" rIns="90000" tIns="45000" bIns="45000"/>
+          <a:p>
             <a:r>
               <a:rPr b="0" lang="en-US" sz="5400" spc="-1" strike="noStrike">
                 <a:solidFill>
@@ -14596,119 +9360,7 @@
                 </a:uFill>
                 <a:latin typeface="TeXGyreSchola"/>
               </a:rPr>
-              <a:t>further </a:t>
-            </a:r>
-            <a:r>
-              <a:rPr b="0" lang="en-US" sz="5400" spc="-1" strike="noStrike">
-                <a:solidFill>
-                  <a:srgbClr val="000000"/>
-                </a:solidFill>
-                <a:uFill>
-                  <a:solidFill>
-                    <a:srgbClr val="ffffff"/>
-                  </a:solidFill>
-                </a:uFill>
-                <a:latin typeface="TeXGyreSchola"/>
-              </a:rPr>
-              <a:t>improve and </a:t>
-            </a:r>
-            <a:r>
-              <a:rPr b="0" lang="en-US" sz="5400" spc="-1" strike="noStrike">
-                <a:solidFill>
-                  <a:srgbClr val="000000"/>
-                </a:solidFill>
-                <a:uFill>
-                  <a:solidFill>
-                    <a:srgbClr val="ffffff"/>
-                  </a:solidFill>
-                </a:uFill>
-                <a:latin typeface="TeXGyreSchola"/>
-              </a:rPr>
-              <a:t>simplify our </a:t>
-            </a:r>
-            <a:r>
-              <a:rPr b="0" lang="en-US" sz="5400" spc="-1" strike="noStrike">
-                <a:solidFill>
-                  <a:srgbClr val="000000"/>
-                </a:solidFill>
-                <a:uFill>
-                  <a:solidFill>
-                    <a:srgbClr val="ffffff"/>
-                  </a:solidFill>
-                </a:uFill>
-                <a:latin typeface="TeXGyreSchola"/>
-              </a:rPr>
-              <a:t>one bound </a:t>
-            </a:r>
-            <a:r>
-              <a:rPr b="0" lang="en-US" sz="5400" spc="-1" strike="noStrike">
-                <a:solidFill>
-                  <a:srgbClr val="000000"/>
-                </a:solidFill>
-                <a:uFill>
-                  <a:solidFill>
-                    <a:srgbClr val="ffffff"/>
-                  </a:solidFill>
-                </a:uFill>
-                <a:latin typeface="TeXGyreSchola"/>
-              </a:rPr>
-              <a:t>simulation </a:t>
-            </a:r>
-            <a:r>
-              <a:rPr b="0" lang="en-US" sz="5400" spc="-1" strike="noStrike">
-                <a:solidFill>
-                  <a:srgbClr val="000000"/>
-                </a:solidFill>
-                <a:uFill>
-                  <a:solidFill>
-                    <a:srgbClr val="ffffff"/>
-                  </a:solidFill>
-                </a:uFill>
-                <a:latin typeface="TeXGyreSchola"/>
-              </a:rPr>
-              <a:t>because of the </a:t>
-            </a:r>
-            <a:r>
-              <a:rPr b="0" lang="en-US" sz="5400" spc="-1" strike="noStrike">
-                <a:solidFill>
-                  <a:srgbClr val="000000"/>
-                </a:solidFill>
-                <a:uFill>
-                  <a:solidFill>
-                    <a:srgbClr val="ffffff"/>
-                  </a:solidFill>
-                </a:uFill>
-                <a:latin typeface="TeXGyreSchola"/>
-              </a:rPr>
-              <a:t>complications </a:t>
-            </a:r>
-            <a:r>
-              <a:rPr b="0" lang="en-US" sz="5400" spc="-1" strike="noStrike">
-                <a:solidFill>
-                  <a:srgbClr val="000000"/>
-                </a:solidFill>
-                <a:uFill>
-                  <a:solidFill>
-                    <a:srgbClr val="ffffff"/>
-                  </a:solidFill>
-                </a:uFill>
-                <a:latin typeface="TeXGyreSchola"/>
-              </a:rPr>
-              <a:t>that arises </a:t>
-            </a:r>
-            <a:r>
-              <a:rPr b="0" lang="en-US" sz="5400" spc="-1" strike="noStrike">
-                <a:solidFill>
-                  <a:srgbClr val="000000"/>
-                </a:solidFill>
-                <a:uFill>
-                  <a:solidFill>
-                    <a:srgbClr val="ffffff"/>
-                  </a:solidFill>
-                </a:uFill>
-                <a:latin typeface="TeXGyreSchola"/>
-              </a:rPr>
-              <a:t>when the </a:t>
+              <a:t>Monte Carlo (MC) methods encompasses algorithms based off of repeated random sampling to obtain a numerical answer. We </a:t>
             </a:r>
             <a:endParaRPr b="0" lang="en-US" sz="5400" spc="-1" strike="noStrike">
               <a:solidFill>
